--- a/psapi/Talk_PSAPI.pptx
+++ b/psapi/Talk_PSAPI.pptx
@@ -12,10 +12,20 @@
     <p:sldId id="264" r:id="rId9"/>
     <p:sldId id="265" r:id="rId10"/>
     <p:sldId id="267" r:id="rId11"/>
-    <p:sldId id="257" r:id="rId12"/>
-    <p:sldId id="261" r:id="rId13"/>
-    <p:sldId id="259" r:id="rId14"/>
-    <p:sldId id="260" r:id="rId15"/>
+    <p:sldId id="268" r:id="rId12"/>
+    <p:sldId id="269" r:id="rId13"/>
+    <p:sldId id="270" r:id="rId14"/>
+    <p:sldId id="273" r:id="rId15"/>
+    <p:sldId id="271" r:id="rId16"/>
+    <p:sldId id="272" r:id="rId17"/>
+    <p:sldId id="275" r:id="rId18"/>
+    <p:sldId id="276" r:id="rId19"/>
+    <p:sldId id="277" r:id="rId20"/>
+    <p:sldId id="274" r:id="rId21"/>
+    <p:sldId id="257" r:id="rId22"/>
+    <p:sldId id="261" r:id="rId23"/>
+    <p:sldId id="259" r:id="rId24"/>
+    <p:sldId id="260" r:id="rId25"/>
   </p:sldIdLst>
   <p:sldSz cx="12192000" cy="6858000"/>
   <p:notesSz cx="6858000" cy="9144000"/>
@@ -261,7 +271,7 @@
           <a:p>
             <a:fld id="{48A87A34-81AB-432B-8DAE-1953F412C126}" type="datetimeFigureOut">
               <a:rPr lang="en-US" dirty="0"/>
-              <a:t>4/3/2021</a:t>
+              <a:t>4/7/2021</a:t>
             </a:fld>
             <a:endParaRPr lang="en-US" dirty="0"/>
           </a:p>
@@ -467,7 +477,7 @@
           <a:p>
             <a:fld id="{48A87A34-81AB-432B-8DAE-1953F412C126}" type="datetimeFigureOut">
               <a:rPr lang="en-US" dirty="0"/>
-              <a:t>4/3/2021</a:t>
+              <a:t>4/7/2021</a:t>
             </a:fld>
             <a:endParaRPr lang="en-US" dirty="0"/>
           </a:p>
@@ -677,7 +687,7 @@
           <a:p>
             <a:fld id="{48A87A34-81AB-432B-8DAE-1953F412C126}" type="datetimeFigureOut">
               <a:rPr lang="en-US" dirty="0"/>
-              <a:t>4/3/2021</a:t>
+              <a:t>4/7/2021</a:t>
             </a:fld>
             <a:endParaRPr lang="en-US" dirty="0"/>
           </a:p>
@@ -873,7 +883,7 @@
           <a:p>
             <a:fld id="{48A87A34-81AB-432B-8DAE-1953F412C126}" type="datetimeFigureOut">
               <a:rPr lang="en-US" dirty="0"/>
-              <a:t>4/3/2021</a:t>
+              <a:t>4/7/2021</a:t>
             </a:fld>
             <a:endParaRPr lang="en-US" dirty="0"/>
           </a:p>
@@ -1147,7 +1157,7 @@
           <a:p>
             <a:fld id="{48A87A34-81AB-432B-8DAE-1953F412C126}" type="datetimeFigureOut">
               <a:rPr lang="en-US" dirty="0"/>
-              <a:t>4/3/2021</a:t>
+              <a:t>4/7/2021</a:t>
             </a:fld>
             <a:endParaRPr lang="en-US" dirty="0"/>
           </a:p>
@@ -1410,7 +1420,7 @@
           <a:p>
             <a:fld id="{48A87A34-81AB-432B-8DAE-1953F412C126}" type="datetimeFigureOut">
               <a:rPr lang="en-US" dirty="0"/>
-              <a:t>4/3/2021</a:t>
+              <a:t>4/7/2021</a:t>
             </a:fld>
             <a:endParaRPr lang="en-US" dirty="0"/>
           </a:p>
@@ -1821,7 +1831,7 @@
           <a:p>
             <a:fld id="{48A87A34-81AB-432B-8DAE-1953F412C126}" type="datetimeFigureOut">
               <a:rPr lang="en-US" dirty="0"/>
-              <a:t>4/3/2021</a:t>
+              <a:t>4/7/2021</a:t>
             </a:fld>
             <a:endParaRPr lang="en-US" dirty="0"/>
           </a:p>
@@ -1965,7 +1975,7 @@
           <a:p>
             <a:fld id="{48A87A34-81AB-432B-8DAE-1953F412C126}" type="datetimeFigureOut">
               <a:rPr lang="en-US" dirty="0"/>
-              <a:t>4/3/2021</a:t>
+              <a:t>4/7/2021</a:t>
             </a:fld>
             <a:endParaRPr lang="en-US" dirty="0"/>
           </a:p>
@@ -2086,7 +2096,7 @@
           <a:p>
             <a:fld id="{48A87A34-81AB-432B-8DAE-1953F412C126}" type="datetimeFigureOut">
               <a:rPr lang="en-US" dirty="0"/>
-              <a:t>4/3/2021</a:t>
+              <a:t>4/7/2021</a:t>
             </a:fld>
             <a:endParaRPr lang="en-US" dirty="0"/>
           </a:p>
@@ -2332,7 +2342,7 @@
           <a:p>
             <a:fld id="{48A87A34-81AB-432B-8DAE-1953F412C126}" type="datetimeFigureOut">
               <a:rPr lang="en-US" dirty="0"/>
-              <a:t>4/3/2021</a:t>
+              <a:t>4/7/2021</a:t>
             </a:fld>
             <a:endParaRPr lang="en-US" dirty="0"/>
           </a:p>
@@ -2773,7 +2783,7 @@
             <a:fld id="{48A87A34-81AB-432B-8DAE-1953F412C126}" type="datetimeFigureOut">
               <a:rPr lang="en-US" dirty="0"/>
               <a:pPr/>
-              <a:t>4/3/2021</a:t>
+              <a:t>4/7/2021</a:t>
             </a:fld>
             <a:endParaRPr lang="en-US" dirty="0"/>
           </a:p>
@@ -3048,7 +3058,7 @@
             <a:fld id="{48A87A34-81AB-432B-8DAE-1953F412C126}" type="datetimeFigureOut">
               <a:rPr lang="en-US" dirty="0"/>
               <a:pPr/>
-              <a:t>4/3/2021</a:t>
+              <a:t>4/7/2021</a:t>
             </a:fld>
             <a:endParaRPr lang="en-US" dirty="0"/>
           </a:p>
@@ -3769,12 +3779,14 @@
         </p:nvSpPr>
         <p:spPr/>
         <p:txBody>
-          <a:bodyPr/>
+          <a:bodyPr>
+            <a:normAutofit/>
+          </a:bodyPr>
           <a:lstStyle/>
           <a:p>
             <a:r>
               <a:rPr lang="en-US" dirty="0"/>
-              <a:t>How to properly Call PowerShell from .NET</a:t>
+              <a:t>Rob Holt – PowerShell Team</a:t>
             </a:r>
           </a:p>
         </p:txBody>
@@ -3793,6 +3805,1883 @@
 </file>
 
 <file path=ppt/slides/slide10.xml><?xml version="1.0" encoding="utf-8"?>
+<p:sld xmlns:a="http://schemas.openxmlformats.org/drawingml/2006/main" xmlns:r="http://schemas.openxmlformats.org/officeDocument/2006/relationships" xmlns:p="http://schemas.openxmlformats.org/presentationml/2006/main" show="0">
+  <p:cSld>
+    <p:spTree>
+      <p:nvGrpSpPr>
+        <p:cNvPr id="1" name=""/>
+        <p:cNvGrpSpPr/>
+        <p:nvPr/>
+      </p:nvGrpSpPr>
+      <p:grpSpPr>
+        <a:xfrm>
+          <a:off x="0" y="0"/>
+          <a:ext cx="0" cy="0"/>
+          <a:chOff x="0" y="0"/>
+          <a:chExt cx="0" cy="0"/>
+        </a:xfrm>
+      </p:grpSpPr>
+      <p:sp>
+        <p:nvSpPr>
+          <p:cNvPr id="2" name="Title 1">
+            <a:extLst>
+              <a:ext uri="{FF2B5EF4-FFF2-40B4-BE49-F238E27FC236}">
+                <a16:creationId xmlns:a16="http://schemas.microsoft.com/office/drawing/2014/main" id="{4567CD6E-9918-A044-A326-5C1A81C50655}"/>
+              </a:ext>
+            </a:extLst>
+          </p:cNvPr>
+          <p:cNvSpPr>
+            <a:spLocks noGrp="1"/>
+          </p:cNvSpPr>
+          <p:nvPr>
+            <p:ph type="title"/>
+          </p:nvPr>
+        </p:nvSpPr>
+        <p:spPr/>
+        <p:txBody>
+          <a:bodyPr/>
+          <a:lstStyle/>
+          <a:p>
+            <a:r>
+              <a:rPr lang="en-US" dirty="0" err="1"/>
+              <a:t>ScriptBlock.Invoke</a:t>
+            </a:r>
+            <a:r>
+              <a:rPr lang="en-US" dirty="0"/>
+              <a:t>()</a:t>
+            </a:r>
+          </a:p>
+        </p:txBody>
+      </p:sp>
+      <p:sp>
+        <p:nvSpPr>
+          <p:cNvPr id="3" name="Content Placeholder 2">
+            <a:extLst>
+              <a:ext uri="{FF2B5EF4-FFF2-40B4-BE49-F238E27FC236}">
+                <a16:creationId xmlns:a16="http://schemas.microsoft.com/office/drawing/2014/main" id="{871E6D61-27CF-9E41-95E7-550AB323E96F}"/>
+              </a:ext>
+            </a:extLst>
+          </p:cNvPr>
+          <p:cNvSpPr>
+            <a:spLocks noGrp="1"/>
+          </p:cNvSpPr>
+          <p:nvPr>
+            <p:ph idx="1"/>
+          </p:nvPr>
+        </p:nvSpPr>
+        <p:spPr/>
+        <p:txBody>
+          <a:bodyPr/>
+          <a:lstStyle/>
+          <a:p>
+            <a:r>
+              <a:rPr lang="en-US" dirty="0" err="1"/>
+              <a:t>ScriptBlocks</a:t>
+            </a:r>
+            <a:r>
+              <a:rPr lang="en-US" dirty="0"/>
+              <a:t> can invoke themselves</a:t>
+            </a:r>
+          </a:p>
+          <a:p>
+            <a:r>
+              <a:rPr lang="en-US" dirty="0"/>
+              <a:t>Uses </a:t>
+            </a:r>
+            <a:r>
+              <a:rPr lang="en-US" dirty="0" err="1"/>
+              <a:t>Runspace.DefaultRunspace</a:t>
+            </a:r>
+            <a:endParaRPr lang="en-US" dirty="0"/>
+          </a:p>
+          <a:p>
+            <a:r>
+              <a:rPr lang="en-US" dirty="0"/>
+              <a:t>Usually a better way, but sometimes necessary</a:t>
+            </a:r>
+          </a:p>
+          <a:p>
+            <a:r>
+              <a:rPr lang="en-US" dirty="0"/>
+              <a:t>Best for cached commands, user-provided </a:t>
+            </a:r>
+            <a:r>
+              <a:rPr lang="en-US" dirty="0" err="1"/>
+              <a:t>scriptblocks</a:t>
+            </a:r>
+            <a:r>
+              <a:rPr lang="en-US" dirty="0"/>
+              <a:t>, </a:t>
+            </a:r>
+            <a:r>
+              <a:rPr lang="en-US" dirty="0" err="1"/>
+              <a:t>InvokeWithContext</a:t>
+            </a:r>
+            <a:r>
+              <a:rPr lang="en-US" dirty="0"/>
+              <a:t>()</a:t>
+            </a:r>
+          </a:p>
+        </p:txBody>
+      </p:sp>
+    </p:spTree>
+    <p:extLst>
+      <p:ext uri="{BB962C8B-B14F-4D97-AF65-F5344CB8AC3E}">
+        <p14:creationId xmlns:p14="http://schemas.microsoft.com/office/powerpoint/2010/main" val="1699542214"/>
+      </p:ext>
+    </p:extLst>
+  </p:cSld>
+  <p:clrMapOvr>
+    <a:masterClrMapping/>
+  </p:clrMapOvr>
+  <p:timing>
+    <p:tnLst>
+      <p:par>
+        <p:cTn id="1" dur="indefinite" restart="never" nodeType="tmRoot">
+          <p:childTnLst>
+            <p:seq concurrent="1" nextAc="seek">
+              <p:cTn id="2" dur="indefinite" nodeType="mainSeq">
+                <p:childTnLst>
+                  <p:par>
+                    <p:cTn id="3" fill="hold">
+                      <p:stCondLst>
+                        <p:cond delay="indefinite"/>
+                      </p:stCondLst>
+                      <p:childTnLst>
+                        <p:par>
+                          <p:cTn id="4" fill="hold">
+                            <p:stCondLst>
+                              <p:cond delay="0"/>
+                            </p:stCondLst>
+                            <p:childTnLst>
+                              <p:par>
+                                <p:cTn id="5" presetID="1" presetClass="entr" presetSubtype="0" fill="hold" grpId="0" nodeType="clickEffect">
+                                  <p:stCondLst>
+                                    <p:cond delay="0"/>
+                                  </p:stCondLst>
+                                  <p:childTnLst>
+                                    <p:set>
+                                      <p:cBhvr>
+                                        <p:cTn id="6" dur="1" fill="hold">
+                                          <p:stCondLst>
+                                            <p:cond delay="0"/>
+                                          </p:stCondLst>
+                                        </p:cTn>
+                                        <p:tgtEl>
+                                          <p:spTgt spid="3">
+                                            <p:txEl>
+                                              <p:pRg st="0" end="0"/>
+                                            </p:txEl>
+                                          </p:spTgt>
+                                        </p:tgtEl>
+                                        <p:attrNameLst>
+                                          <p:attrName>style.visibility</p:attrName>
+                                        </p:attrNameLst>
+                                      </p:cBhvr>
+                                      <p:to>
+                                        <p:strVal val="visible"/>
+                                      </p:to>
+                                    </p:set>
+                                  </p:childTnLst>
+                                </p:cTn>
+                              </p:par>
+                            </p:childTnLst>
+                          </p:cTn>
+                        </p:par>
+                      </p:childTnLst>
+                    </p:cTn>
+                  </p:par>
+                  <p:par>
+                    <p:cTn id="7" fill="hold">
+                      <p:stCondLst>
+                        <p:cond delay="indefinite"/>
+                      </p:stCondLst>
+                      <p:childTnLst>
+                        <p:par>
+                          <p:cTn id="8" fill="hold">
+                            <p:stCondLst>
+                              <p:cond delay="0"/>
+                            </p:stCondLst>
+                            <p:childTnLst>
+                              <p:par>
+                                <p:cTn id="9" presetID="1" presetClass="entr" presetSubtype="0" fill="hold" grpId="0" nodeType="clickEffect">
+                                  <p:stCondLst>
+                                    <p:cond delay="0"/>
+                                  </p:stCondLst>
+                                  <p:childTnLst>
+                                    <p:set>
+                                      <p:cBhvr>
+                                        <p:cTn id="10" dur="1" fill="hold">
+                                          <p:stCondLst>
+                                            <p:cond delay="0"/>
+                                          </p:stCondLst>
+                                        </p:cTn>
+                                        <p:tgtEl>
+                                          <p:spTgt spid="3">
+                                            <p:txEl>
+                                              <p:pRg st="1" end="1"/>
+                                            </p:txEl>
+                                          </p:spTgt>
+                                        </p:tgtEl>
+                                        <p:attrNameLst>
+                                          <p:attrName>style.visibility</p:attrName>
+                                        </p:attrNameLst>
+                                      </p:cBhvr>
+                                      <p:to>
+                                        <p:strVal val="visible"/>
+                                      </p:to>
+                                    </p:set>
+                                  </p:childTnLst>
+                                </p:cTn>
+                              </p:par>
+                            </p:childTnLst>
+                          </p:cTn>
+                        </p:par>
+                      </p:childTnLst>
+                    </p:cTn>
+                  </p:par>
+                  <p:par>
+                    <p:cTn id="11" fill="hold">
+                      <p:stCondLst>
+                        <p:cond delay="indefinite"/>
+                      </p:stCondLst>
+                      <p:childTnLst>
+                        <p:par>
+                          <p:cTn id="12" fill="hold">
+                            <p:stCondLst>
+                              <p:cond delay="0"/>
+                            </p:stCondLst>
+                            <p:childTnLst>
+                              <p:par>
+                                <p:cTn id="13" presetID="1" presetClass="entr" presetSubtype="0" fill="hold" grpId="0" nodeType="clickEffect">
+                                  <p:stCondLst>
+                                    <p:cond delay="0"/>
+                                  </p:stCondLst>
+                                  <p:childTnLst>
+                                    <p:set>
+                                      <p:cBhvr>
+                                        <p:cTn id="14" dur="1" fill="hold">
+                                          <p:stCondLst>
+                                            <p:cond delay="0"/>
+                                          </p:stCondLst>
+                                        </p:cTn>
+                                        <p:tgtEl>
+                                          <p:spTgt spid="3">
+                                            <p:txEl>
+                                              <p:pRg st="2" end="2"/>
+                                            </p:txEl>
+                                          </p:spTgt>
+                                        </p:tgtEl>
+                                        <p:attrNameLst>
+                                          <p:attrName>style.visibility</p:attrName>
+                                        </p:attrNameLst>
+                                      </p:cBhvr>
+                                      <p:to>
+                                        <p:strVal val="visible"/>
+                                      </p:to>
+                                    </p:set>
+                                  </p:childTnLst>
+                                </p:cTn>
+                              </p:par>
+                            </p:childTnLst>
+                          </p:cTn>
+                        </p:par>
+                      </p:childTnLst>
+                    </p:cTn>
+                  </p:par>
+                  <p:par>
+                    <p:cTn id="15" fill="hold">
+                      <p:stCondLst>
+                        <p:cond delay="indefinite"/>
+                      </p:stCondLst>
+                      <p:childTnLst>
+                        <p:par>
+                          <p:cTn id="16" fill="hold">
+                            <p:stCondLst>
+                              <p:cond delay="0"/>
+                            </p:stCondLst>
+                            <p:childTnLst>
+                              <p:par>
+                                <p:cTn id="17" presetID="1" presetClass="entr" presetSubtype="0" fill="hold" grpId="0" nodeType="clickEffect">
+                                  <p:stCondLst>
+                                    <p:cond delay="0"/>
+                                  </p:stCondLst>
+                                  <p:childTnLst>
+                                    <p:set>
+                                      <p:cBhvr>
+                                        <p:cTn id="18" dur="1" fill="hold">
+                                          <p:stCondLst>
+                                            <p:cond delay="0"/>
+                                          </p:stCondLst>
+                                        </p:cTn>
+                                        <p:tgtEl>
+                                          <p:spTgt spid="3">
+                                            <p:txEl>
+                                              <p:pRg st="3" end="3"/>
+                                            </p:txEl>
+                                          </p:spTgt>
+                                        </p:tgtEl>
+                                        <p:attrNameLst>
+                                          <p:attrName>style.visibility</p:attrName>
+                                        </p:attrNameLst>
+                                      </p:cBhvr>
+                                      <p:to>
+                                        <p:strVal val="visible"/>
+                                      </p:to>
+                                    </p:set>
+                                  </p:childTnLst>
+                                </p:cTn>
+                              </p:par>
+                            </p:childTnLst>
+                          </p:cTn>
+                        </p:par>
+                      </p:childTnLst>
+                    </p:cTn>
+                  </p:par>
+                </p:childTnLst>
+              </p:cTn>
+              <p:prevCondLst>
+                <p:cond evt="onPrev" delay="0">
+                  <p:tgtEl>
+                    <p:sldTgt/>
+                  </p:tgtEl>
+                </p:cond>
+              </p:prevCondLst>
+              <p:nextCondLst>
+                <p:cond evt="onNext" delay="0">
+                  <p:tgtEl>
+                    <p:sldTgt/>
+                  </p:tgtEl>
+                </p:cond>
+              </p:nextCondLst>
+            </p:seq>
+          </p:childTnLst>
+        </p:cTn>
+      </p:par>
+    </p:tnLst>
+    <p:bldLst>
+      <p:bldP spid="3" grpId="0" build="p"/>
+    </p:bldLst>
+  </p:timing>
+</p:sld>
+</file>
+
+<file path=ppt/slides/slide11.xml><?xml version="1.0" encoding="utf-8"?>
+<p:sld xmlns:a="http://schemas.openxmlformats.org/drawingml/2006/main" xmlns:r="http://schemas.openxmlformats.org/officeDocument/2006/relationships" xmlns:p="http://schemas.openxmlformats.org/presentationml/2006/main" show="0">
+  <p:cSld>
+    <p:spTree>
+      <p:nvGrpSpPr>
+        <p:cNvPr id="1" name=""/>
+        <p:cNvGrpSpPr/>
+        <p:nvPr/>
+      </p:nvGrpSpPr>
+      <p:grpSpPr>
+        <a:xfrm>
+          <a:off x="0" y="0"/>
+          <a:ext cx="0" cy="0"/>
+          <a:chOff x="0" y="0"/>
+          <a:chExt cx="0" cy="0"/>
+        </a:xfrm>
+      </p:grpSpPr>
+      <p:sp>
+        <p:nvSpPr>
+          <p:cNvPr id="2" name="Title 1">
+            <a:extLst>
+              <a:ext uri="{FF2B5EF4-FFF2-40B4-BE49-F238E27FC236}">
+                <a16:creationId xmlns:a16="http://schemas.microsoft.com/office/drawing/2014/main" id="{4567CD6E-9918-A044-A326-5C1A81C50655}"/>
+              </a:ext>
+            </a:extLst>
+          </p:cNvPr>
+          <p:cNvSpPr>
+            <a:spLocks noGrp="1"/>
+          </p:cNvSpPr>
+          <p:nvPr>
+            <p:ph type="title"/>
+          </p:nvPr>
+        </p:nvSpPr>
+        <p:spPr/>
+        <p:txBody>
+          <a:bodyPr/>
+          <a:lstStyle/>
+          <a:p>
+            <a:r>
+              <a:rPr lang="en-US" dirty="0"/>
+              <a:t>Which to use?</a:t>
+            </a:r>
+          </a:p>
+        </p:txBody>
+      </p:sp>
+      <p:sp>
+        <p:nvSpPr>
+          <p:cNvPr id="3" name="Content Placeholder 2">
+            <a:extLst>
+              <a:ext uri="{FF2B5EF4-FFF2-40B4-BE49-F238E27FC236}">
+                <a16:creationId xmlns:a16="http://schemas.microsoft.com/office/drawing/2014/main" id="{871E6D61-27CF-9E41-95E7-550AB323E96F}"/>
+              </a:ext>
+            </a:extLst>
+          </p:cNvPr>
+          <p:cNvSpPr>
+            <a:spLocks noGrp="1"/>
+          </p:cNvSpPr>
+          <p:nvPr>
+            <p:ph idx="1"/>
+          </p:nvPr>
+        </p:nvSpPr>
+        <p:spPr/>
+        <p:txBody>
+          <a:bodyPr/>
+          <a:lstStyle/>
+          <a:p>
+            <a:r>
+              <a:rPr lang="en-US" dirty="0" err="1"/>
+              <a:t>InvokeCommand.InvokeScript</a:t>
+            </a:r>
+            <a:r>
+              <a:rPr lang="en-US" dirty="0"/>
+              <a:t>() </a:t>
+            </a:r>
+            <a:r>
+              <a:rPr lang="en-US" dirty="0" err="1"/>
+              <a:t>etc</a:t>
+            </a:r>
+            <a:r>
+              <a:rPr lang="en-US" dirty="0"/>
+              <a:t> best in cmdlets</a:t>
+            </a:r>
+          </a:p>
+          <a:p>
+            <a:r>
+              <a:rPr lang="en-US" dirty="0"/>
+              <a:t>PowerShell API better for more structure, more configuration, other </a:t>
+            </a:r>
+            <a:r>
+              <a:rPr lang="en-US" dirty="0" err="1"/>
+              <a:t>runspaces</a:t>
+            </a:r>
+            <a:r>
+              <a:rPr lang="en-US" dirty="0"/>
+              <a:t>, threads</a:t>
+            </a:r>
+          </a:p>
+        </p:txBody>
+      </p:sp>
+    </p:spTree>
+    <p:extLst>
+      <p:ext uri="{BB962C8B-B14F-4D97-AF65-F5344CB8AC3E}">
+        <p14:creationId xmlns:p14="http://schemas.microsoft.com/office/powerpoint/2010/main" val="798034560"/>
+      </p:ext>
+    </p:extLst>
+  </p:cSld>
+  <p:clrMapOvr>
+    <a:masterClrMapping/>
+  </p:clrMapOvr>
+  <p:timing>
+    <p:tnLst>
+      <p:par>
+        <p:cTn id="1" dur="indefinite" restart="never" nodeType="tmRoot">
+          <p:childTnLst>
+            <p:seq concurrent="1" nextAc="seek">
+              <p:cTn id="2" dur="indefinite" nodeType="mainSeq">
+                <p:childTnLst>
+                  <p:par>
+                    <p:cTn id="3" fill="hold">
+                      <p:stCondLst>
+                        <p:cond delay="indefinite"/>
+                      </p:stCondLst>
+                      <p:childTnLst>
+                        <p:par>
+                          <p:cTn id="4" fill="hold">
+                            <p:stCondLst>
+                              <p:cond delay="0"/>
+                            </p:stCondLst>
+                            <p:childTnLst>
+                              <p:par>
+                                <p:cTn id="5" presetID="1" presetClass="entr" presetSubtype="0" fill="hold" grpId="0" nodeType="clickEffect">
+                                  <p:stCondLst>
+                                    <p:cond delay="0"/>
+                                  </p:stCondLst>
+                                  <p:childTnLst>
+                                    <p:set>
+                                      <p:cBhvr>
+                                        <p:cTn id="6" dur="1" fill="hold">
+                                          <p:stCondLst>
+                                            <p:cond delay="0"/>
+                                          </p:stCondLst>
+                                        </p:cTn>
+                                        <p:tgtEl>
+                                          <p:spTgt spid="3">
+                                            <p:txEl>
+                                              <p:pRg st="0" end="0"/>
+                                            </p:txEl>
+                                          </p:spTgt>
+                                        </p:tgtEl>
+                                        <p:attrNameLst>
+                                          <p:attrName>style.visibility</p:attrName>
+                                        </p:attrNameLst>
+                                      </p:cBhvr>
+                                      <p:to>
+                                        <p:strVal val="visible"/>
+                                      </p:to>
+                                    </p:set>
+                                  </p:childTnLst>
+                                </p:cTn>
+                              </p:par>
+                            </p:childTnLst>
+                          </p:cTn>
+                        </p:par>
+                      </p:childTnLst>
+                    </p:cTn>
+                  </p:par>
+                  <p:par>
+                    <p:cTn id="7" fill="hold">
+                      <p:stCondLst>
+                        <p:cond delay="indefinite"/>
+                      </p:stCondLst>
+                      <p:childTnLst>
+                        <p:par>
+                          <p:cTn id="8" fill="hold">
+                            <p:stCondLst>
+                              <p:cond delay="0"/>
+                            </p:stCondLst>
+                            <p:childTnLst>
+                              <p:par>
+                                <p:cTn id="9" presetID="1" presetClass="entr" presetSubtype="0" fill="hold" grpId="0" nodeType="clickEffect">
+                                  <p:stCondLst>
+                                    <p:cond delay="0"/>
+                                  </p:stCondLst>
+                                  <p:childTnLst>
+                                    <p:set>
+                                      <p:cBhvr>
+                                        <p:cTn id="10" dur="1" fill="hold">
+                                          <p:stCondLst>
+                                            <p:cond delay="0"/>
+                                          </p:stCondLst>
+                                        </p:cTn>
+                                        <p:tgtEl>
+                                          <p:spTgt spid="3">
+                                            <p:txEl>
+                                              <p:pRg st="1" end="1"/>
+                                            </p:txEl>
+                                          </p:spTgt>
+                                        </p:tgtEl>
+                                        <p:attrNameLst>
+                                          <p:attrName>style.visibility</p:attrName>
+                                        </p:attrNameLst>
+                                      </p:cBhvr>
+                                      <p:to>
+                                        <p:strVal val="visible"/>
+                                      </p:to>
+                                    </p:set>
+                                  </p:childTnLst>
+                                </p:cTn>
+                              </p:par>
+                            </p:childTnLst>
+                          </p:cTn>
+                        </p:par>
+                      </p:childTnLst>
+                    </p:cTn>
+                  </p:par>
+                </p:childTnLst>
+              </p:cTn>
+              <p:prevCondLst>
+                <p:cond evt="onPrev" delay="0">
+                  <p:tgtEl>
+                    <p:sldTgt/>
+                  </p:tgtEl>
+                </p:cond>
+              </p:prevCondLst>
+              <p:nextCondLst>
+                <p:cond evt="onNext" delay="0">
+                  <p:tgtEl>
+                    <p:sldTgt/>
+                  </p:tgtEl>
+                </p:cond>
+              </p:nextCondLst>
+            </p:seq>
+          </p:childTnLst>
+        </p:cTn>
+      </p:par>
+    </p:tnLst>
+    <p:bldLst>
+      <p:bldP spid="3" grpId="0" build="p"/>
+    </p:bldLst>
+  </p:timing>
+</p:sld>
+</file>
+
+<file path=ppt/slides/slide12.xml><?xml version="1.0" encoding="utf-8"?>
+<p:sld xmlns:a="http://schemas.openxmlformats.org/drawingml/2006/main" xmlns:r="http://schemas.openxmlformats.org/officeDocument/2006/relationships" xmlns:p="http://schemas.openxmlformats.org/presentationml/2006/main" show="0">
+  <p:cSld>
+    <p:spTree>
+      <p:nvGrpSpPr>
+        <p:cNvPr id="1" name=""/>
+        <p:cNvGrpSpPr/>
+        <p:nvPr/>
+      </p:nvGrpSpPr>
+      <p:grpSpPr>
+        <a:xfrm>
+          <a:off x="0" y="0"/>
+          <a:ext cx="0" cy="0"/>
+          <a:chOff x="0" y="0"/>
+          <a:chExt cx="0" cy="0"/>
+        </a:xfrm>
+      </p:grpSpPr>
+      <p:sp>
+        <p:nvSpPr>
+          <p:cNvPr id="2" name="Title 1">
+            <a:extLst>
+              <a:ext uri="{FF2B5EF4-FFF2-40B4-BE49-F238E27FC236}">
+                <a16:creationId xmlns:a16="http://schemas.microsoft.com/office/drawing/2014/main" id="{4567CD6E-9918-A044-A326-5C1A81C50655}"/>
+              </a:ext>
+            </a:extLst>
+          </p:cNvPr>
+          <p:cNvSpPr>
+            <a:spLocks noGrp="1"/>
+          </p:cNvSpPr>
+          <p:nvPr>
+            <p:ph type="title"/>
+          </p:nvPr>
+        </p:nvSpPr>
+        <p:spPr/>
+        <p:txBody>
+          <a:bodyPr/>
+          <a:lstStyle/>
+          <a:p>
+            <a:r>
+              <a:rPr lang="en-US" dirty="0"/>
+              <a:t>Running PowerShell with Threads</a:t>
+            </a:r>
+          </a:p>
+        </p:txBody>
+      </p:sp>
+      <p:sp>
+        <p:nvSpPr>
+          <p:cNvPr id="3" name="Content Placeholder 2">
+            <a:extLst>
+              <a:ext uri="{FF2B5EF4-FFF2-40B4-BE49-F238E27FC236}">
+                <a16:creationId xmlns:a16="http://schemas.microsoft.com/office/drawing/2014/main" id="{871E6D61-27CF-9E41-95E7-550AB323E96F}"/>
+              </a:ext>
+            </a:extLst>
+          </p:cNvPr>
+          <p:cNvSpPr>
+            <a:spLocks noGrp="1"/>
+          </p:cNvSpPr>
+          <p:nvPr>
+            <p:ph idx="1"/>
+          </p:nvPr>
+        </p:nvSpPr>
+        <p:spPr/>
+        <p:txBody>
+          <a:bodyPr/>
+          <a:lstStyle/>
+          <a:p>
+            <a:r>
+              <a:rPr lang="en-US" dirty="0"/>
+              <a:t>Plenty of reasons: parallelization, async, just implementing a console REPL</a:t>
+            </a:r>
+          </a:p>
+          <a:p>
+            <a:r>
+              <a:rPr lang="en-US" dirty="0"/>
+              <a:t>PowerShell has good support: </a:t>
+            </a:r>
+            <a:r>
+              <a:rPr lang="en-US" dirty="0" err="1"/>
+              <a:t>RunspacePool</a:t>
+            </a:r>
+            <a:r>
+              <a:rPr lang="en-US" dirty="0"/>
+              <a:t>, </a:t>
+            </a:r>
+            <a:r>
+              <a:rPr lang="en-US" dirty="0" err="1"/>
+              <a:t>InvokeAsync</a:t>
+            </a:r>
+            <a:r>
+              <a:rPr lang="en-US" dirty="0"/>
+              <a:t>()</a:t>
+            </a:r>
+          </a:p>
+          <a:p>
+            <a:r>
+              <a:rPr lang="en-US" dirty="0"/>
+              <a:t>BUT: Beware of dragons. </a:t>
+            </a:r>
+            <a:r>
+              <a:rPr lang="en-US" dirty="0" err="1"/>
+              <a:t>Runspace.DefaultRunspace</a:t>
+            </a:r>
+            <a:r>
+              <a:rPr lang="en-US" dirty="0"/>
+              <a:t> and the pipeline thread</a:t>
+            </a:r>
+          </a:p>
+          <a:p>
+            <a:endParaRPr lang="en-US" dirty="0"/>
+          </a:p>
+        </p:txBody>
+      </p:sp>
+    </p:spTree>
+    <p:extLst>
+      <p:ext uri="{BB962C8B-B14F-4D97-AF65-F5344CB8AC3E}">
+        <p14:creationId xmlns:p14="http://schemas.microsoft.com/office/powerpoint/2010/main" val="2482350449"/>
+      </p:ext>
+    </p:extLst>
+  </p:cSld>
+  <p:clrMapOvr>
+    <a:masterClrMapping/>
+  </p:clrMapOvr>
+  <p:timing>
+    <p:tnLst>
+      <p:par>
+        <p:cTn id="1" dur="indefinite" restart="never" nodeType="tmRoot">
+          <p:childTnLst>
+            <p:seq concurrent="1" nextAc="seek">
+              <p:cTn id="2" dur="indefinite" nodeType="mainSeq">
+                <p:childTnLst>
+                  <p:par>
+                    <p:cTn id="3" fill="hold">
+                      <p:stCondLst>
+                        <p:cond delay="indefinite"/>
+                      </p:stCondLst>
+                      <p:childTnLst>
+                        <p:par>
+                          <p:cTn id="4" fill="hold">
+                            <p:stCondLst>
+                              <p:cond delay="0"/>
+                            </p:stCondLst>
+                            <p:childTnLst>
+                              <p:par>
+                                <p:cTn id="5" presetID="1" presetClass="entr" presetSubtype="0" fill="hold" grpId="0" nodeType="clickEffect">
+                                  <p:stCondLst>
+                                    <p:cond delay="0"/>
+                                  </p:stCondLst>
+                                  <p:childTnLst>
+                                    <p:set>
+                                      <p:cBhvr>
+                                        <p:cTn id="6" dur="1" fill="hold">
+                                          <p:stCondLst>
+                                            <p:cond delay="0"/>
+                                          </p:stCondLst>
+                                        </p:cTn>
+                                        <p:tgtEl>
+                                          <p:spTgt spid="3">
+                                            <p:txEl>
+                                              <p:pRg st="0" end="0"/>
+                                            </p:txEl>
+                                          </p:spTgt>
+                                        </p:tgtEl>
+                                        <p:attrNameLst>
+                                          <p:attrName>style.visibility</p:attrName>
+                                        </p:attrNameLst>
+                                      </p:cBhvr>
+                                      <p:to>
+                                        <p:strVal val="visible"/>
+                                      </p:to>
+                                    </p:set>
+                                  </p:childTnLst>
+                                </p:cTn>
+                              </p:par>
+                            </p:childTnLst>
+                          </p:cTn>
+                        </p:par>
+                      </p:childTnLst>
+                    </p:cTn>
+                  </p:par>
+                  <p:par>
+                    <p:cTn id="7" fill="hold">
+                      <p:stCondLst>
+                        <p:cond delay="indefinite"/>
+                      </p:stCondLst>
+                      <p:childTnLst>
+                        <p:par>
+                          <p:cTn id="8" fill="hold">
+                            <p:stCondLst>
+                              <p:cond delay="0"/>
+                            </p:stCondLst>
+                            <p:childTnLst>
+                              <p:par>
+                                <p:cTn id="9" presetID="1" presetClass="entr" presetSubtype="0" fill="hold" grpId="0" nodeType="clickEffect">
+                                  <p:stCondLst>
+                                    <p:cond delay="0"/>
+                                  </p:stCondLst>
+                                  <p:childTnLst>
+                                    <p:set>
+                                      <p:cBhvr>
+                                        <p:cTn id="10" dur="1" fill="hold">
+                                          <p:stCondLst>
+                                            <p:cond delay="0"/>
+                                          </p:stCondLst>
+                                        </p:cTn>
+                                        <p:tgtEl>
+                                          <p:spTgt spid="3">
+                                            <p:txEl>
+                                              <p:pRg st="1" end="1"/>
+                                            </p:txEl>
+                                          </p:spTgt>
+                                        </p:tgtEl>
+                                        <p:attrNameLst>
+                                          <p:attrName>style.visibility</p:attrName>
+                                        </p:attrNameLst>
+                                      </p:cBhvr>
+                                      <p:to>
+                                        <p:strVal val="visible"/>
+                                      </p:to>
+                                    </p:set>
+                                  </p:childTnLst>
+                                </p:cTn>
+                              </p:par>
+                            </p:childTnLst>
+                          </p:cTn>
+                        </p:par>
+                      </p:childTnLst>
+                    </p:cTn>
+                  </p:par>
+                  <p:par>
+                    <p:cTn id="11" fill="hold">
+                      <p:stCondLst>
+                        <p:cond delay="indefinite"/>
+                      </p:stCondLst>
+                      <p:childTnLst>
+                        <p:par>
+                          <p:cTn id="12" fill="hold">
+                            <p:stCondLst>
+                              <p:cond delay="0"/>
+                            </p:stCondLst>
+                            <p:childTnLst>
+                              <p:par>
+                                <p:cTn id="13" presetID="1" presetClass="entr" presetSubtype="0" fill="hold" grpId="0" nodeType="clickEffect">
+                                  <p:stCondLst>
+                                    <p:cond delay="0"/>
+                                  </p:stCondLst>
+                                  <p:childTnLst>
+                                    <p:set>
+                                      <p:cBhvr>
+                                        <p:cTn id="14" dur="1" fill="hold">
+                                          <p:stCondLst>
+                                            <p:cond delay="0"/>
+                                          </p:stCondLst>
+                                        </p:cTn>
+                                        <p:tgtEl>
+                                          <p:spTgt spid="3">
+                                            <p:txEl>
+                                              <p:pRg st="2" end="2"/>
+                                            </p:txEl>
+                                          </p:spTgt>
+                                        </p:tgtEl>
+                                        <p:attrNameLst>
+                                          <p:attrName>style.visibility</p:attrName>
+                                        </p:attrNameLst>
+                                      </p:cBhvr>
+                                      <p:to>
+                                        <p:strVal val="visible"/>
+                                      </p:to>
+                                    </p:set>
+                                  </p:childTnLst>
+                                </p:cTn>
+                              </p:par>
+                            </p:childTnLst>
+                          </p:cTn>
+                        </p:par>
+                      </p:childTnLst>
+                    </p:cTn>
+                  </p:par>
+                </p:childTnLst>
+              </p:cTn>
+              <p:prevCondLst>
+                <p:cond evt="onPrev" delay="0">
+                  <p:tgtEl>
+                    <p:sldTgt/>
+                  </p:tgtEl>
+                </p:cond>
+              </p:prevCondLst>
+              <p:nextCondLst>
+                <p:cond evt="onNext" delay="0">
+                  <p:tgtEl>
+                    <p:sldTgt/>
+                  </p:tgtEl>
+                </p:cond>
+              </p:nextCondLst>
+            </p:seq>
+          </p:childTnLst>
+        </p:cTn>
+      </p:par>
+    </p:tnLst>
+    <p:bldLst>
+      <p:bldP spid="3" grpId="0" build="p"/>
+    </p:bldLst>
+  </p:timing>
+</p:sld>
+</file>
+
+<file path=ppt/slides/slide13.xml><?xml version="1.0" encoding="utf-8"?>
+<p:sld xmlns:a="http://schemas.openxmlformats.org/drawingml/2006/main" xmlns:r="http://schemas.openxmlformats.org/officeDocument/2006/relationships" xmlns:p="http://schemas.openxmlformats.org/presentationml/2006/main" show="0">
+  <p:cSld>
+    <p:spTree>
+      <p:nvGrpSpPr>
+        <p:cNvPr id="1" name=""/>
+        <p:cNvGrpSpPr/>
+        <p:nvPr/>
+      </p:nvGrpSpPr>
+      <p:grpSpPr>
+        <a:xfrm>
+          <a:off x="0" y="0"/>
+          <a:ext cx="0" cy="0"/>
+          <a:chOff x="0" y="0"/>
+          <a:chExt cx="0" cy="0"/>
+        </a:xfrm>
+      </p:grpSpPr>
+      <p:sp>
+        <p:nvSpPr>
+          <p:cNvPr id="2" name="Title 1">
+            <a:extLst>
+              <a:ext uri="{FF2B5EF4-FFF2-40B4-BE49-F238E27FC236}">
+                <a16:creationId xmlns:a16="http://schemas.microsoft.com/office/drawing/2014/main" id="{4567CD6E-9918-A044-A326-5C1A81C50655}"/>
+              </a:ext>
+            </a:extLst>
+          </p:cNvPr>
+          <p:cNvSpPr>
+            <a:spLocks noGrp="1"/>
+          </p:cNvSpPr>
+          <p:nvPr>
+            <p:ph type="title"/>
+          </p:nvPr>
+        </p:nvSpPr>
+        <p:spPr/>
+        <p:txBody>
+          <a:bodyPr/>
+          <a:lstStyle/>
+          <a:p>
+            <a:r>
+              <a:rPr lang="en-US" dirty="0"/>
+              <a:t>Running PowerShell Asynchronously</a:t>
+            </a:r>
+          </a:p>
+        </p:txBody>
+      </p:sp>
+      <p:sp>
+        <p:nvSpPr>
+          <p:cNvPr id="3" name="Content Placeholder 2">
+            <a:extLst>
+              <a:ext uri="{FF2B5EF4-FFF2-40B4-BE49-F238E27FC236}">
+                <a16:creationId xmlns:a16="http://schemas.microsoft.com/office/drawing/2014/main" id="{871E6D61-27CF-9E41-95E7-550AB323E96F}"/>
+              </a:ext>
+            </a:extLst>
+          </p:cNvPr>
+          <p:cNvSpPr>
+            <a:spLocks noGrp="1"/>
+          </p:cNvSpPr>
+          <p:nvPr>
+            <p:ph idx="1"/>
+          </p:nvPr>
+        </p:nvSpPr>
+        <p:spPr/>
+        <p:txBody>
+          <a:bodyPr/>
+          <a:lstStyle/>
+          <a:p>
+            <a:r>
+              <a:rPr lang="en-US" dirty="0"/>
+              <a:t>Async API mostly easy to use, especially with PS 7</a:t>
+            </a:r>
+          </a:p>
+          <a:p>
+            <a:r>
+              <a:rPr lang="en-US" dirty="0"/>
+              <a:t>Provide a </a:t>
+            </a:r>
+            <a:r>
+              <a:rPr lang="en-US" dirty="0" err="1"/>
+              <a:t>PSDataCollection</a:t>
+            </a:r>
+            <a:r>
+              <a:rPr lang="en-US" dirty="0"/>
+              <a:t> if you want partial results</a:t>
+            </a:r>
+          </a:p>
+          <a:p>
+            <a:r>
+              <a:rPr lang="en-US" dirty="0"/>
+              <a:t>For disposal, use </a:t>
+            </a:r>
+            <a:r>
+              <a:rPr lang="en-US" dirty="0" err="1"/>
+              <a:t>ContinueWith</a:t>
+            </a:r>
+            <a:r>
+              <a:rPr lang="en-US" dirty="0"/>
+              <a:t>()</a:t>
+            </a:r>
+          </a:p>
+          <a:p>
+            <a:endParaRPr lang="en-US" dirty="0"/>
+          </a:p>
+        </p:txBody>
+      </p:sp>
+    </p:spTree>
+    <p:extLst>
+      <p:ext uri="{BB962C8B-B14F-4D97-AF65-F5344CB8AC3E}">
+        <p14:creationId xmlns:p14="http://schemas.microsoft.com/office/powerpoint/2010/main" val="1847574707"/>
+      </p:ext>
+    </p:extLst>
+  </p:cSld>
+  <p:clrMapOvr>
+    <a:masterClrMapping/>
+  </p:clrMapOvr>
+  <p:timing>
+    <p:tnLst>
+      <p:par>
+        <p:cTn id="1" dur="indefinite" restart="never" nodeType="tmRoot">
+          <p:childTnLst>
+            <p:seq concurrent="1" nextAc="seek">
+              <p:cTn id="2" dur="indefinite" nodeType="mainSeq">
+                <p:childTnLst>
+                  <p:par>
+                    <p:cTn id="3" fill="hold">
+                      <p:stCondLst>
+                        <p:cond delay="indefinite"/>
+                      </p:stCondLst>
+                      <p:childTnLst>
+                        <p:par>
+                          <p:cTn id="4" fill="hold">
+                            <p:stCondLst>
+                              <p:cond delay="0"/>
+                            </p:stCondLst>
+                            <p:childTnLst>
+                              <p:par>
+                                <p:cTn id="5" presetID="1" presetClass="entr" presetSubtype="0" fill="hold" grpId="0" nodeType="clickEffect">
+                                  <p:stCondLst>
+                                    <p:cond delay="0"/>
+                                  </p:stCondLst>
+                                  <p:childTnLst>
+                                    <p:set>
+                                      <p:cBhvr>
+                                        <p:cTn id="6" dur="1" fill="hold">
+                                          <p:stCondLst>
+                                            <p:cond delay="0"/>
+                                          </p:stCondLst>
+                                        </p:cTn>
+                                        <p:tgtEl>
+                                          <p:spTgt spid="3">
+                                            <p:txEl>
+                                              <p:pRg st="0" end="0"/>
+                                            </p:txEl>
+                                          </p:spTgt>
+                                        </p:tgtEl>
+                                        <p:attrNameLst>
+                                          <p:attrName>style.visibility</p:attrName>
+                                        </p:attrNameLst>
+                                      </p:cBhvr>
+                                      <p:to>
+                                        <p:strVal val="visible"/>
+                                      </p:to>
+                                    </p:set>
+                                  </p:childTnLst>
+                                </p:cTn>
+                              </p:par>
+                            </p:childTnLst>
+                          </p:cTn>
+                        </p:par>
+                      </p:childTnLst>
+                    </p:cTn>
+                  </p:par>
+                  <p:par>
+                    <p:cTn id="7" fill="hold">
+                      <p:stCondLst>
+                        <p:cond delay="indefinite"/>
+                      </p:stCondLst>
+                      <p:childTnLst>
+                        <p:par>
+                          <p:cTn id="8" fill="hold">
+                            <p:stCondLst>
+                              <p:cond delay="0"/>
+                            </p:stCondLst>
+                            <p:childTnLst>
+                              <p:par>
+                                <p:cTn id="9" presetID="1" presetClass="entr" presetSubtype="0" fill="hold" grpId="0" nodeType="clickEffect">
+                                  <p:stCondLst>
+                                    <p:cond delay="0"/>
+                                  </p:stCondLst>
+                                  <p:childTnLst>
+                                    <p:set>
+                                      <p:cBhvr>
+                                        <p:cTn id="10" dur="1" fill="hold">
+                                          <p:stCondLst>
+                                            <p:cond delay="0"/>
+                                          </p:stCondLst>
+                                        </p:cTn>
+                                        <p:tgtEl>
+                                          <p:spTgt spid="3">
+                                            <p:txEl>
+                                              <p:pRg st="1" end="1"/>
+                                            </p:txEl>
+                                          </p:spTgt>
+                                        </p:tgtEl>
+                                        <p:attrNameLst>
+                                          <p:attrName>style.visibility</p:attrName>
+                                        </p:attrNameLst>
+                                      </p:cBhvr>
+                                      <p:to>
+                                        <p:strVal val="visible"/>
+                                      </p:to>
+                                    </p:set>
+                                  </p:childTnLst>
+                                </p:cTn>
+                              </p:par>
+                            </p:childTnLst>
+                          </p:cTn>
+                        </p:par>
+                      </p:childTnLst>
+                    </p:cTn>
+                  </p:par>
+                  <p:par>
+                    <p:cTn id="11" fill="hold">
+                      <p:stCondLst>
+                        <p:cond delay="indefinite"/>
+                      </p:stCondLst>
+                      <p:childTnLst>
+                        <p:par>
+                          <p:cTn id="12" fill="hold">
+                            <p:stCondLst>
+                              <p:cond delay="0"/>
+                            </p:stCondLst>
+                            <p:childTnLst>
+                              <p:par>
+                                <p:cTn id="13" presetID="1" presetClass="entr" presetSubtype="0" fill="hold" grpId="0" nodeType="clickEffect">
+                                  <p:stCondLst>
+                                    <p:cond delay="0"/>
+                                  </p:stCondLst>
+                                  <p:childTnLst>
+                                    <p:set>
+                                      <p:cBhvr>
+                                        <p:cTn id="14" dur="1" fill="hold">
+                                          <p:stCondLst>
+                                            <p:cond delay="0"/>
+                                          </p:stCondLst>
+                                        </p:cTn>
+                                        <p:tgtEl>
+                                          <p:spTgt spid="3">
+                                            <p:txEl>
+                                              <p:pRg st="2" end="2"/>
+                                            </p:txEl>
+                                          </p:spTgt>
+                                        </p:tgtEl>
+                                        <p:attrNameLst>
+                                          <p:attrName>style.visibility</p:attrName>
+                                        </p:attrNameLst>
+                                      </p:cBhvr>
+                                      <p:to>
+                                        <p:strVal val="visible"/>
+                                      </p:to>
+                                    </p:set>
+                                  </p:childTnLst>
+                                </p:cTn>
+                              </p:par>
+                            </p:childTnLst>
+                          </p:cTn>
+                        </p:par>
+                      </p:childTnLst>
+                    </p:cTn>
+                  </p:par>
+                </p:childTnLst>
+              </p:cTn>
+              <p:prevCondLst>
+                <p:cond evt="onPrev" delay="0">
+                  <p:tgtEl>
+                    <p:sldTgt/>
+                  </p:tgtEl>
+                </p:cond>
+              </p:prevCondLst>
+              <p:nextCondLst>
+                <p:cond evt="onNext" delay="0">
+                  <p:tgtEl>
+                    <p:sldTgt/>
+                  </p:tgtEl>
+                </p:cond>
+              </p:nextCondLst>
+            </p:seq>
+          </p:childTnLst>
+        </p:cTn>
+      </p:par>
+    </p:tnLst>
+    <p:bldLst>
+      <p:bldP spid="3" grpId="0" build="p"/>
+    </p:bldLst>
+  </p:timing>
+</p:sld>
+</file>
+
+<file path=ppt/slides/slide14.xml><?xml version="1.0" encoding="utf-8"?>
+<p:sld xmlns:a="http://schemas.openxmlformats.org/drawingml/2006/main" xmlns:r="http://schemas.openxmlformats.org/officeDocument/2006/relationships" xmlns:p="http://schemas.openxmlformats.org/presentationml/2006/main" show="0">
+  <p:cSld>
+    <p:spTree>
+      <p:nvGrpSpPr>
+        <p:cNvPr id="1" name=""/>
+        <p:cNvGrpSpPr/>
+        <p:nvPr/>
+      </p:nvGrpSpPr>
+      <p:grpSpPr>
+        <a:xfrm>
+          <a:off x="0" y="0"/>
+          <a:ext cx="0" cy="0"/>
+          <a:chOff x="0" y="0"/>
+          <a:chExt cx="0" cy="0"/>
+        </a:xfrm>
+      </p:grpSpPr>
+      <p:sp>
+        <p:nvSpPr>
+          <p:cNvPr id="2" name="Title 1">
+            <a:extLst>
+              <a:ext uri="{FF2B5EF4-FFF2-40B4-BE49-F238E27FC236}">
+                <a16:creationId xmlns:a16="http://schemas.microsoft.com/office/drawing/2014/main" id="{4567CD6E-9918-A044-A326-5C1A81C50655}"/>
+              </a:ext>
+            </a:extLst>
+          </p:cNvPr>
+          <p:cNvSpPr>
+            <a:spLocks noGrp="1"/>
+          </p:cNvSpPr>
+          <p:nvPr>
+            <p:ph type="title"/>
+          </p:nvPr>
+        </p:nvSpPr>
+        <p:spPr/>
+        <p:txBody>
+          <a:bodyPr/>
+          <a:lstStyle/>
+          <a:p>
+            <a:r>
+              <a:rPr lang="en-US" dirty="0"/>
+              <a:t>Using a </a:t>
+            </a:r>
+            <a:r>
+              <a:rPr lang="en-US" dirty="0" err="1"/>
+              <a:t>runspace</a:t>
+            </a:r>
+            <a:r>
+              <a:rPr lang="en-US" dirty="0"/>
+              <a:t> pool</a:t>
+            </a:r>
+          </a:p>
+        </p:txBody>
+      </p:sp>
+      <p:sp>
+        <p:nvSpPr>
+          <p:cNvPr id="3" name="Content Placeholder 2">
+            <a:extLst>
+              <a:ext uri="{FF2B5EF4-FFF2-40B4-BE49-F238E27FC236}">
+                <a16:creationId xmlns:a16="http://schemas.microsoft.com/office/drawing/2014/main" id="{871E6D61-27CF-9E41-95E7-550AB323E96F}"/>
+              </a:ext>
+            </a:extLst>
+          </p:cNvPr>
+          <p:cNvSpPr>
+            <a:spLocks noGrp="1"/>
+          </p:cNvSpPr>
+          <p:nvPr>
+            <p:ph idx="1"/>
+          </p:nvPr>
+        </p:nvSpPr>
+        <p:spPr/>
+        <p:txBody>
+          <a:bodyPr/>
+          <a:lstStyle/>
+          <a:p>
+            <a:r>
+              <a:rPr lang="en-US" dirty="0"/>
+              <a:t>Easy to use: just assign it</a:t>
+            </a:r>
+          </a:p>
+          <a:p>
+            <a:r>
+              <a:rPr lang="en-US" dirty="0"/>
+              <a:t>Remember: open it before, dispose it after</a:t>
+            </a:r>
+          </a:p>
+          <a:p>
+            <a:r>
+              <a:rPr lang="en-US" dirty="0"/>
+              <a:t>State can’t be relied on – so write commands accordingly</a:t>
+            </a:r>
+          </a:p>
+          <a:p>
+            <a:endParaRPr lang="en-US" dirty="0"/>
+          </a:p>
+          <a:p>
+            <a:endParaRPr lang="en-US" dirty="0"/>
+          </a:p>
+        </p:txBody>
+      </p:sp>
+    </p:spTree>
+    <p:extLst>
+      <p:ext uri="{BB962C8B-B14F-4D97-AF65-F5344CB8AC3E}">
+        <p14:creationId xmlns:p14="http://schemas.microsoft.com/office/powerpoint/2010/main" val="1608104256"/>
+      </p:ext>
+    </p:extLst>
+  </p:cSld>
+  <p:clrMapOvr>
+    <a:masterClrMapping/>
+  </p:clrMapOvr>
+  <p:timing>
+    <p:tnLst>
+      <p:par>
+        <p:cTn id="1" dur="indefinite" restart="never" nodeType="tmRoot">
+          <p:childTnLst>
+            <p:seq concurrent="1" nextAc="seek">
+              <p:cTn id="2" dur="indefinite" nodeType="mainSeq">
+                <p:childTnLst>
+                  <p:par>
+                    <p:cTn id="3" fill="hold">
+                      <p:stCondLst>
+                        <p:cond delay="indefinite"/>
+                      </p:stCondLst>
+                      <p:childTnLst>
+                        <p:par>
+                          <p:cTn id="4" fill="hold">
+                            <p:stCondLst>
+                              <p:cond delay="0"/>
+                            </p:stCondLst>
+                            <p:childTnLst>
+                              <p:par>
+                                <p:cTn id="5" presetID="1" presetClass="entr" presetSubtype="0" fill="hold" grpId="0" nodeType="clickEffect">
+                                  <p:stCondLst>
+                                    <p:cond delay="0"/>
+                                  </p:stCondLst>
+                                  <p:childTnLst>
+                                    <p:set>
+                                      <p:cBhvr>
+                                        <p:cTn id="6" dur="1" fill="hold">
+                                          <p:stCondLst>
+                                            <p:cond delay="0"/>
+                                          </p:stCondLst>
+                                        </p:cTn>
+                                        <p:tgtEl>
+                                          <p:spTgt spid="3">
+                                            <p:txEl>
+                                              <p:pRg st="0" end="0"/>
+                                            </p:txEl>
+                                          </p:spTgt>
+                                        </p:tgtEl>
+                                        <p:attrNameLst>
+                                          <p:attrName>style.visibility</p:attrName>
+                                        </p:attrNameLst>
+                                      </p:cBhvr>
+                                      <p:to>
+                                        <p:strVal val="visible"/>
+                                      </p:to>
+                                    </p:set>
+                                  </p:childTnLst>
+                                </p:cTn>
+                              </p:par>
+                            </p:childTnLst>
+                          </p:cTn>
+                        </p:par>
+                      </p:childTnLst>
+                    </p:cTn>
+                  </p:par>
+                  <p:par>
+                    <p:cTn id="7" fill="hold">
+                      <p:stCondLst>
+                        <p:cond delay="indefinite"/>
+                      </p:stCondLst>
+                      <p:childTnLst>
+                        <p:par>
+                          <p:cTn id="8" fill="hold">
+                            <p:stCondLst>
+                              <p:cond delay="0"/>
+                            </p:stCondLst>
+                            <p:childTnLst>
+                              <p:par>
+                                <p:cTn id="9" presetID="1" presetClass="entr" presetSubtype="0" fill="hold" grpId="0" nodeType="clickEffect">
+                                  <p:stCondLst>
+                                    <p:cond delay="0"/>
+                                  </p:stCondLst>
+                                  <p:childTnLst>
+                                    <p:set>
+                                      <p:cBhvr>
+                                        <p:cTn id="10" dur="1" fill="hold">
+                                          <p:stCondLst>
+                                            <p:cond delay="0"/>
+                                          </p:stCondLst>
+                                        </p:cTn>
+                                        <p:tgtEl>
+                                          <p:spTgt spid="3">
+                                            <p:txEl>
+                                              <p:pRg st="1" end="1"/>
+                                            </p:txEl>
+                                          </p:spTgt>
+                                        </p:tgtEl>
+                                        <p:attrNameLst>
+                                          <p:attrName>style.visibility</p:attrName>
+                                        </p:attrNameLst>
+                                      </p:cBhvr>
+                                      <p:to>
+                                        <p:strVal val="visible"/>
+                                      </p:to>
+                                    </p:set>
+                                  </p:childTnLst>
+                                </p:cTn>
+                              </p:par>
+                            </p:childTnLst>
+                          </p:cTn>
+                        </p:par>
+                      </p:childTnLst>
+                    </p:cTn>
+                  </p:par>
+                  <p:par>
+                    <p:cTn id="11" fill="hold">
+                      <p:stCondLst>
+                        <p:cond delay="indefinite"/>
+                      </p:stCondLst>
+                      <p:childTnLst>
+                        <p:par>
+                          <p:cTn id="12" fill="hold">
+                            <p:stCondLst>
+                              <p:cond delay="0"/>
+                            </p:stCondLst>
+                            <p:childTnLst>
+                              <p:par>
+                                <p:cTn id="13" presetID="1" presetClass="entr" presetSubtype="0" fill="hold" grpId="0" nodeType="clickEffect">
+                                  <p:stCondLst>
+                                    <p:cond delay="0"/>
+                                  </p:stCondLst>
+                                  <p:childTnLst>
+                                    <p:set>
+                                      <p:cBhvr>
+                                        <p:cTn id="14" dur="1" fill="hold">
+                                          <p:stCondLst>
+                                            <p:cond delay="0"/>
+                                          </p:stCondLst>
+                                        </p:cTn>
+                                        <p:tgtEl>
+                                          <p:spTgt spid="3">
+                                            <p:txEl>
+                                              <p:pRg st="2" end="2"/>
+                                            </p:txEl>
+                                          </p:spTgt>
+                                        </p:tgtEl>
+                                        <p:attrNameLst>
+                                          <p:attrName>style.visibility</p:attrName>
+                                        </p:attrNameLst>
+                                      </p:cBhvr>
+                                      <p:to>
+                                        <p:strVal val="visible"/>
+                                      </p:to>
+                                    </p:set>
+                                  </p:childTnLst>
+                                </p:cTn>
+                              </p:par>
+                            </p:childTnLst>
+                          </p:cTn>
+                        </p:par>
+                      </p:childTnLst>
+                    </p:cTn>
+                  </p:par>
+                </p:childTnLst>
+              </p:cTn>
+              <p:prevCondLst>
+                <p:cond evt="onPrev" delay="0">
+                  <p:tgtEl>
+                    <p:sldTgt/>
+                  </p:tgtEl>
+                </p:cond>
+              </p:prevCondLst>
+              <p:nextCondLst>
+                <p:cond evt="onNext" delay="0">
+                  <p:tgtEl>
+                    <p:sldTgt/>
+                  </p:tgtEl>
+                </p:cond>
+              </p:nextCondLst>
+            </p:seq>
+          </p:childTnLst>
+        </p:cTn>
+      </p:par>
+    </p:tnLst>
+    <p:bldLst>
+      <p:bldP spid="3" grpId="0" build="p"/>
+    </p:bldLst>
+  </p:timing>
+</p:sld>
+</file>
+
+<file path=ppt/slides/slide15.xml><?xml version="1.0" encoding="utf-8"?>
+<p:sld xmlns:a="http://schemas.openxmlformats.org/drawingml/2006/main" xmlns:r="http://schemas.openxmlformats.org/officeDocument/2006/relationships" xmlns:p="http://schemas.openxmlformats.org/presentationml/2006/main" show="0">
+  <p:cSld>
+    <p:spTree>
+      <p:nvGrpSpPr>
+        <p:cNvPr id="1" name=""/>
+        <p:cNvGrpSpPr/>
+        <p:nvPr/>
+      </p:nvGrpSpPr>
+      <p:grpSpPr>
+        <a:xfrm>
+          <a:off x="0" y="0"/>
+          <a:ext cx="0" cy="0"/>
+          <a:chOff x="0" y="0"/>
+          <a:chExt cx="0" cy="0"/>
+        </a:xfrm>
+      </p:grpSpPr>
+      <p:sp>
+        <p:nvSpPr>
+          <p:cNvPr id="2" name="Title 1">
+            <a:extLst>
+              <a:ext uri="{FF2B5EF4-FFF2-40B4-BE49-F238E27FC236}">
+                <a16:creationId xmlns:a16="http://schemas.microsoft.com/office/drawing/2014/main" id="{4567CD6E-9918-A044-A326-5C1A81C50655}"/>
+              </a:ext>
+            </a:extLst>
+          </p:cNvPr>
+          <p:cNvSpPr>
+            <a:spLocks noGrp="1"/>
+          </p:cNvSpPr>
+          <p:nvPr>
+            <p:ph type="title"/>
+          </p:nvPr>
+        </p:nvSpPr>
+        <p:spPr/>
+        <p:txBody>
+          <a:bodyPr/>
+          <a:lstStyle/>
+          <a:p>
+            <a:r>
+              <a:rPr lang="en-US" dirty="0" err="1"/>
+              <a:t>PowerShell.Stop</a:t>
+            </a:r>
+            <a:r>
+              <a:rPr lang="en-US" dirty="0"/>
+              <a:t>()</a:t>
+            </a:r>
+          </a:p>
+        </p:txBody>
+      </p:sp>
+      <p:sp>
+        <p:nvSpPr>
+          <p:cNvPr id="3" name="Content Placeholder 2">
+            <a:extLst>
+              <a:ext uri="{FF2B5EF4-FFF2-40B4-BE49-F238E27FC236}">
+                <a16:creationId xmlns:a16="http://schemas.microsoft.com/office/drawing/2014/main" id="{871E6D61-27CF-9E41-95E7-550AB323E96F}"/>
+              </a:ext>
+            </a:extLst>
+          </p:cNvPr>
+          <p:cNvSpPr>
+            <a:spLocks noGrp="1"/>
+          </p:cNvSpPr>
+          <p:nvPr>
+            <p:ph idx="1"/>
+          </p:nvPr>
+        </p:nvSpPr>
+        <p:spPr/>
+        <p:txBody>
+          <a:bodyPr/>
+          <a:lstStyle/>
+          <a:p>
+            <a:r>
+              <a:rPr lang="en-US" dirty="0"/>
+              <a:t>Stops the current </a:t>
+            </a:r>
+            <a:r>
+              <a:rPr lang="en-US" i="1" dirty="0"/>
+              <a:t>command</a:t>
+            </a:r>
+            <a:endParaRPr lang="en-US" dirty="0"/>
+          </a:p>
+          <a:p>
+            <a:r>
+              <a:rPr lang="en-US" dirty="0"/>
+              <a:t>Basically Ctrl-C</a:t>
+            </a:r>
+          </a:p>
+          <a:p>
+            <a:r>
+              <a:rPr lang="en-US" dirty="0"/>
+              <a:t>Easy to integrate with </a:t>
+            </a:r>
+            <a:r>
+              <a:rPr lang="en-US" dirty="0" err="1"/>
+              <a:t>CancellationTokens</a:t>
+            </a:r>
+            <a:endParaRPr lang="en-US" dirty="0"/>
+          </a:p>
+          <a:p>
+            <a:endParaRPr lang="en-US" dirty="0"/>
+          </a:p>
+        </p:txBody>
+      </p:sp>
+    </p:spTree>
+    <p:extLst>
+      <p:ext uri="{BB962C8B-B14F-4D97-AF65-F5344CB8AC3E}">
+        <p14:creationId xmlns:p14="http://schemas.microsoft.com/office/powerpoint/2010/main" val="2918365693"/>
+      </p:ext>
+    </p:extLst>
+  </p:cSld>
+  <p:clrMapOvr>
+    <a:masterClrMapping/>
+  </p:clrMapOvr>
+  <p:timing>
+    <p:tnLst>
+      <p:par>
+        <p:cTn id="1" dur="indefinite" restart="never" nodeType="tmRoot">
+          <p:childTnLst>
+            <p:seq concurrent="1" nextAc="seek">
+              <p:cTn id="2" dur="indefinite" nodeType="mainSeq">
+                <p:childTnLst>
+                  <p:par>
+                    <p:cTn id="3" fill="hold">
+                      <p:stCondLst>
+                        <p:cond delay="indefinite"/>
+                      </p:stCondLst>
+                      <p:childTnLst>
+                        <p:par>
+                          <p:cTn id="4" fill="hold">
+                            <p:stCondLst>
+                              <p:cond delay="0"/>
+                            </p:stCondLst>
+                            <p:childTnLst>
+                              <p:par>
+                                <p:cTn id="5" presetID="1" presetClass="entr" presetSubtype="0" fill="hold" grpId="0" nodeType="clickEffect">
+                                  <p:stCondLst>
+                                    <p:cond delay="0"/>
+                                  </p:stCondLst>
+                                  <p:childTnLst>
+                                    <p:set>
+                                      <p:cBhvr>
+                                        <p:cTn id="6" dur="1" fill="hold">
+                                          <p:stCondLst>
+                                            <p:cond delay="0"/>
+                                          </p:stCondLst>
+                                        </p:cTn>
+                                        <p:tgtEl>
+                                          <p:spTgt spid="3">
+                                            <p:txEl>
+                                              <p:pRg st="0" end="0"/>
+                                            </p:txEl>
+                                          </p:spTgt>
+                                        </p:tgtEl>
+                                        <p:attrNameLst>
+                                          <p:attrName>style.visibility</p:attrName>
+                                        </p:attrNameLst>
+                                      </p:cBhvr>
+                                      <p:to>
+                                        <p:strVal val="visible"/>
+                                      </p:to>
+                                    </p:set>
+                                  </p:childTnLst>
+                                </p:cTn>
+                              </p:par>
+                            </p:childTnLst>
+                          </p:cTn>
+                        </p:par>
+                      </p:childTnLst>
+                    </p:cTn>
+                  </p:par>
+                  <p:par>
+                    <p:cTn id="7" fill="hold">
+                      <p:stCondLst>
+                        <p:cond delay="indefinite"/>
+                      </p:stCondLst>
+                      <p:childTnLst>
+                        <p:par>
+                          <p:cTn id="8" fill="hold">
+                            <p:stCondLst>
+                              <p:cond delay="0"/>
+                            </p:stCondLst>
+                            <p:childTnLst>
+                              <p:par>
+                                <p:cTn id="9" presetID="1" presetClass="entr" presetSubtype="0" fill="hold" grpId="0" nodeType="clickEffect">
+                                  <p:stCondLst>
+                                    <p:cond delay="0"/>
+                                  </p:stCondLst>
+                                  <p:childTnLst>
+                                    <p:set>
+                                      <p:cBhvr>
+                                        <p:cTn id="10" dur="1" fill="hold">
+                                          <p:stCondLst>
+                                            <p:cond delay="0"/>
+                                          </p:stCondLst>
+                                        </p:cTn>
+                                        <p:tgtEl>
+                                          <p:spTgt spid="3">
+                                            <p:txEl>
+                                              <p:pRg st="1" end="1"/>
+                                            </p:txEl>
+                                          </p:spTgt>
+                                        </p:tgtEl>
+                                        <p:attrNameLst>
+                                          <p:attrName>style.visibility</p:attrName>
+                                        </p:attrNameLst>
+                                      </p:cBhvr>
+                                      <p:to>
+                                        <p:strVal val="visible"/>
+                                      </p:to>
+                                    </p:set>
+                                  </p:childTnLst>
+                                </p:cTn>
+                              </p:par>
+                            </p:childTnLst>
+                          </p:cTn>
+                        </p:par>
+                      </p:childTnLst>
+                    </p:cTn>
+                  </p:par>
+                  <p:par>
+                    <p:cTn id="11" fill="hold">
+                      <p:stCondLst>
+                        <p:cond delay="indefinite"/>
+                      </p:stCondLst>
+                      <p:childTnLst>
+                        <p:par>
+                          <p:cTn id="12" fill="hold">
+                            <p:stCondLst>
+                              <p:cond delay="0"/>
+                            </p:stCondLst>
+                            <p:childTnLst>
+                              <p:par>
+                                <p:cTn id="13" presetID="1" presetClass="entr" presetSubtype="0" fill="hold" grpId="0" nodeType="clickEffect">
+                                  <p:stCondLst>
+                                    <p:cond delay="0"/>
+                                  </p:stCondLst>
+                                  <p:childTnLst>
+                                    <p:set>
+                                      <p:cBhvr>
+                                        <p:cTn id="14" dur="1" fill="hold">
+                                          <p:stCondLst>
+                                            <p:cond delay="0"/>
+                                          </p:stCondLst>
+                                        </p:cTn>
+                                        <p:tgtEl>
+                                          <p:spTgt spid="3">
+                                            <p:txEl>
+                                              <p:pRg st="2" end="2"/>
+                                            </p:txEl>
+                                          </p:spTgt>
+                                        </p:tgtEl>
+                                        <p:attrNameLst>
+                                          <p:attrName>style.visibility</p:attrName>
+                                        </p:attrNameLst>
+                                      </p:cBhvr>
+                                      <p:to>
+                                        <p:strVal val="visible"/>
+                                      </p:to>
+                                    </p:set>
+                                  </p:childTnLst>
+                                </p:cTn>
+                              </p:par>
+                            </p:childTnLst>
+                          </p:cTn>
+                        </p:par>
+                      </p:childTnLst>
+                    </p:cTn>
+                  </p:par>
+                </p:childTnLst>
+              </p:cTn>
+              <p:prevCondLst>
+                <p:cond evt="onPrev" delay="0">
+                  <p:tgtEl>
+                    <p:sldTgt/>
+                  </p:tgtEl>
+                </p:cond>
+              </p:prevCondLst>
+              <p:nextCondLst>
+                <p:cond evt="onNext" delay="0">
+                  <p:tgtEl>
+                    <p:sldTgt/>
+                  </p:tgtEl>
+                </p:cond>
+              </p:nextCondLst>
+            </p:seq>
+          </p:childTnLst>
+        </p:cTn>
+      </p:par>
+    </p:tnLst>
+    <p:bldLst>
+      <p:bldP spid="3" grpId="0" build="p"/>
+    </p:bldLst>
+  </p:timing>
+</p:sld>
+</file>
+
+<file path=ppt/slides/slide16.xml><?xml version="1.0" encoding="utf-8"?>
+<p:sld xmlns:a="http://schemas.openxmlformats.org/drawingml/2006/main" xmlns:r="http://schemas.openxmlformats.org/officeDocument/2006/relationships" xmlns:p="http://schemas.openxmlformats.org/presentationml/2006/main" show="0">
+  <p:cSld>
+    <p:spTree>
+      <p:nvGrpSpPr>
+        <p:cNvPr id="1" name=""/>
+        <p:cNvGrpSpPr/>
+        <p:nvPr/>
+      </p:nvGrpSpPr>
+      <p:grpSpPr>
+        <a:xfrm>
+          <a:off x="0" y="0"/>
+          <a:ext cx="0" cy="0"/>
+          <a:chOff x="0" y="0"/>
+          <a:chExt cx="0" cy="0"/>
+        </a:xfrm>
+      </p:grpSpPr>
+      <p:sp>
+        <p:nvSpPr>
+          <p:cNvPr id="2" name="Title 1">
+            <a:extLst>
+              <a:ext uri="{FF2B5EF4-FFF2-40B4-BE49-F238E27FC236}">
+                <a16:creationId xmlns:a16="http://schemas.microsoft.com/office/drawing/2014/main" id="{4567CD6E-9918-A044-A326-5C1A81C50655}"/>
+              </a:ext>
+            </a:extLst>
+          </p:cNvPr>
+          <p:cNvSpPr>
+            <a:spLocks noGrp="1"/>
+          </p:cNvSpPr>
+          <p:nvPr>
+            <p:ph type="title"/>
+          </p:nvPr>
+        </p:nvSpPr>
+        <p:spPr/>
+        <p:txBody>
+          <a:bodyPr/>
+          <a:lstStyle/>
+          <a:p>
+            <a:r>
+              <a:rPr lang="en-US" dirty="0"/>
+              <a:t>Example: PowerShell as a Service</a:t>
+            </a:r>
+          </a:p>
+        </p:txBody>
+      </p:sp>
+      <p:sp>
+        <p:nvSpPr>
+          <p:cNvPr id="3" name="Content Placeholder 2">
+            <a:extLst>
+              <a:ext uri="{FF2B5EF4-FFF2-40B4-BE49-F238E27FC236}">
+                <a16:creationId xmlns:a16="http://schemas.microsoft.com/office/drawing/2014/main" id="{871E6D61-27CF-9E41-95E7-550AB323E96F}"/>
+              </a:ext>
+            </a:extLst>
+          </p:cNvPr>
+          <p:cNvSpPr>
+            <a:spLocks noGrp="1"/>
+          </p:cNvSpPr>
+          <p:nvPr>
+            <p:ph idx="1"/>
+          </p:nvPr>
+        </p:nvSpPr>
+        <p:spPr/>
+        <p:txBody>
+          <a:bodyPr/>
+          <a:lstStyle/>
+          <a:p>
+            <a:endParaRPr lang="en-US" dirty="0"/>
+          </a:p>
+        </p:txBody>
+      </p:sp>
+    </p:spTree>
+    <p:extLst>
+      <p:ext uri="{BB962C8B-B14F-4D97-AF65-F5344CB8AC3E}">
+        <p14:creationId xmlns:p14="http://schemas.microsoft.com/office/powerpoint/2010/main" val="3611768679"/>
+      </p:ext>
+    </p:extLst>
+  </p:cSld>
+  <p:clrMapOvr>
+    <a:masterClrMapping/>
+  </p:clrMapOvr>
+</p:sld>
+</file>
+
+<file path=ppt/slides/slide17.xml><?xml version="1.0" encoding="utf-8"?>
 <p:sld xmlns:a="http://schemas.openxmlformats.org/drawingml/2006/main" xmlns:r="http://schemas.openxmlformats.org/officeDocument/2006/relationships" xmlns:p="http://schemas.openxmlformats.org/presentationml/2006/main">
   <p:cSld>
     <p:spTree>
@@ -3830,7 +5719,10 @@
           <a:bodyPr/>
           <a:lstStyle/>
           <a:p>
-            <a:endParaRPr lang="en-US" dirty="0"/>
+            <a:r>
+              <a:rPr lang="en-US" dirty="0"/>
+              <a:t>Summary</a:t>
+            </a:r>
           </a:p>
         </p:txBody>
       </p:sp>
@@ -3855,14 +5747,56 @@
           <a:bodyPr/>
           <a:lstStyle/>
           <a:p>
-            <a:endParaRPr lang="en-US"/>
+            <a:r>
+              <a:rPr lang="en-US" dirty="0"/>
+              <a:t>PowerShell API is powerful and essential for running/hosting PowerShell</a:t>
+            </a:r>
+          </a:p>
+          <a:p>
+            <a:r>
+              <a:rPr lang="en-US" dirty="0"/>
+              <a:t>Can run something as simple as a script up to complex commands in parallel</a:t>
+            </a:r>
+          </a:p>
+          <a:p>
+            <a:r>
+              <a:rPr lang="en-US" dirty="0"/>
+              <a:t>Like all sophisticated APIs, plenty to know and be mindful of</a:t>
+            </a:r>
+          </a:p>
+          <a:p>
+            <a:r>
+              <a:rPr lang="en-US" dirty="0"/>
+              <a:t>See more at: </a:t>
+            </a:r>
+            <a:r>
+              <a:rPr lang="en-US" dirty="0">
+                <a:hlinkClick r:id="rId2"/>
+              </a:rPr>
+              <a:t>https://github.com/rjmholt/misc/blob/main/psapi/doc.md</a:t>
+            </a:r>
+            <a:endParaRPr lang="en-US" dirty="0"/>
+          </a:p>
+          <a:p>
+            <a:pPr lvl="1"/>
+            <a:r>
+              <a:rPr lang="en-US" dirty="0"/>
+              <a:t>Talk and examples in the same repository</a:t>
+            </a:r>
+          </a:p>
+          <a:p>
+            <a:pPr lvl="1"/>
+            <a:r>
+              <a:rPr lang="en-US" dirty="0"/>
+              <a:t>(Moving to a better location soon)</a:t>
+            </a:r>
           </a:p>
         </p:txBody>
       </p:sp>
     </p:spTree>
     <p:extLst>
       <p:ext uri="{BB962C8B-B14F-4D97-AF65-F5344CB8AC3E}">
-        <p14:creationId xmlns:p14="http://schemas.microsoft.com/office/powerpoint/2010/main" val="259338751"/>
+        <p14:creationId xmlns:p14="http://schemas.microsoft.com/office/powerpoint/2010/main" val="1182886076"/>
       </p:ext>
     </p:extLst>
   </p:cSld>
@@ -3872,711 +5806,7 @@
 </p:sld>
 </file>
 
-<file path=ppt/slides/slide11.xml><?xml version="1.0" encoding="utf-8"?>
-<p:sld xmlns:a="http://schemas.openxmlformats.org/drawingml/2006/main" xmlns:r="http://schemas.openxmlformats.org/officeDocument/2006/relationships" xmlns:p="http://schemas.openxmlformats.org/presentationml/2006/main">
-  <p:cSld>
-    <p:spTree>
-      <p:nvGrpSpPr>
-        <p:cNvPr id="1" name=""/>
-        <p:cNvGrpSpPr/>
-        <p:nvPr/>
-      </p:nvGrpSpPr>
-      <p:grpSpPr>
-        <a:xfrm>
-          <a:off x="0" y="0"/>
-          <a:ext cx="0" cy="0"/>
-          <a:chOff x="0" y="0"/>
-          <a:chExt cx="0" cy="0"/>
-        </a:xfrm>
-      </p:grpSpPr>
-      <p:sp>
-        <p:nvSpPr>
-          <p:cNvPr id="2" name="Title 1">
-            <a:extLst>
-              <a:ext uri="{FF2B5EF4-FFF2-40B4-BE49-F238E27FC236}">
-                <a16:creationId xmlns:a16="http://schemas.microsoft.com/office/drawing/2014/main" id="{F061A18C-79F2-984A-A90F-23D495FD286F}"/>
-              </a:ext>
-            </a:extLst>
-          </p:cNvPr>
-          <p:cNvSpPr>
-            <a:spLocks noGrp="1"/>
-          </p:cNvSpPr>
-          <p:nvPr>
-            <p:ph type="title"/>
-          </p:nvPr>
-        </p:nvSpPr>
-        <p:spPr/>
-        <p:txBody>
-          <a:bodyPr/>
-          <a:lstStyle/>
-          <a:p>
-            <a:endParaRPr lang="en-US"/>
-          </a:p>
-        </p:txBody>
-      </p:sp>
-      <p:sp>
-        <p:nvSpPr>
-          <p:cNvPr id="3" name="Content Placeholder 2">
-            <a:extLst>
-              <a:ext uri="{FF2B5EF4-FFF2-40B4-BE49-F238E27FC236}">
-                <a16:creationId xmlns:a16="http://schemas.microsoft.com/office/drawing/2014/main" id="{B585176C-5A6D-DC48-B2CF-88C1B750685B}"/>
-              </a:ext>
-            </a:extLst>
-          </p:cNvPr>
-          <p:cNvSpPr>
-            <a:spLocks noGrp="1"/>
-          </p:cNvSpPr>
-          <p:nvPr>
-            <p:ph sz="half" idx="1"/>
-          </p:nvPr>
-        </p:nvSpPr>
-        <p:spPr/>
-        <p:txBody>
-          <a:bodyPr/>
-          <a:lstStyle/>
-          <a:p>
-            <a:endParaRPr lang="en-US"/>
-          </a:p>
-        </p:txBody>
-      </p:sp>
-      <p:sp>
-        <p:nvSpPr>
-          <p:cNvPr id="4" name="Content Placeholder 3">
-            <a:extLst>
-              <a:ext uri="{FF2B5EF4-FFF2-40B4-BE49-F238E27FC236}">
-                <a16:creationId xmlns:a16="http://schemas.microsoft.com/office/drawing/2014/main" id="{2490B26B-7B5D-004E-A984-6AA8A27D6E7D}"/>
-              </a:ext>
-            </a:extLst>
-          </p:cNvPr>
-          <p:cNvSpPr>
-            <a:spLocks noGrp="1"/>
-          </p:cNvSpPr>
-          <p:nvPr>
-            <p:ph sz="half" idx="2"/>
-          </p:nvPr>
-        </p:nvSpPr>
-        <p:spPr/>
-        <p:txBody>
-          <a:bodyPr/>
-          <a:lstStyle/>
-          <a:p>
-            <a:endParaRPr lang="en-US"/>
-          </a:p>
-        </p:txBody>
-      </p:sp>
-    </p:spTree>
-    <p:extLst>
-      <p:ext uri="{BB962C8B-B14F-4D97-AF65-F5344CB8AC3E}">
-        <p14:creationId xmlns:p14="http://schemas.microsoft.com/office/powerpoint/2010/main" val="1149634259"/>
-      </p:ext>
-    </p:extLst>
-  </p:cSld>
-  <p:clrMapOvr>
-    <a:masterClrMapping/>
-  </p:clrMapOvr>
-</p:sld>
-</file>
-
-<file path=ppt/slides/slide2.xml><?xml version="1.0" encoding="utf-8"?>
-<p:sld xmlns:a="http://schemas.openxmlformats.org/drawingml/2006/main" xmlns:r="http://schemas.openxmlformats.org/officeDocument/2006/relationships" xmlns:p="http://schemas.openxmlformats.org/presentationml/2006/main">
-  <p:cSld>
-    <p:spTree>
-      <p:nvGrpSpPr>
-        <p:cNvPr id="1" name=""/>
-        <p:cNvGrpSpPr/>
-        <p:nvPr/>
-      </p:nvGrpSpPr>
-      <p:grpSpPr>
-        <a:xfrm>
-          <a:off x="0" y="0"/>
-          <a:ext cx="0" cy="0"/>
-          <a:chOff x="0" y="0"/>
-          <a:chExt cx="0" cy="0"/>
-        </a:xfrm>
-      </p:grpSpPr>
-      <p:sp>
-        <p:nvSpPr>
-          <p:cNvPr id="2" name="Title 1">
-            <a:extLst>
-              <a:ext uri="{FF2B5EF4-FFF2-40B4-BE49-F238E27FC236}">
-                <a16:creationId xmlns:a16="http://schemas.microsoft.com/office/drawing/2014/main" id="{4567CD6E-9918-A044-A326-5C1A81C50655}"/>
-              </a:ext>
-            </a:extLst>
-          </p:cNvPr>
-          <p:cNvSpPr>
-            <a:spLocks noGrp="1"/>
-          </p:cNvSpPr>
-          <p:nvPr>
-            <p:ph type="title"/>
-          </p:nvPr>
-        </p:nvSpPr>
-        <p:spPr/>
-        <p:txBody>
-          <a:bodyPr/>
-          <a:lstStyle/>
-          <a:p>
-            <a:r>
-              <a:rPr lang="en-US" dirty="0"/>
-              <a:t>Outline</a:t>
-            </a:r>
-          </a:p>
-        </p:txBody>
-      </p:sp>
-      <p:sp>
-        <p:nvSpPr>
-          <p:cNvPr id="3" name="Content Placeholder 2">
-            <a:extLst>
-              <a:ext uri="{FF2B5EF4-FFF2-40B4-BE49-F238E27FC236}">
-                <a16:creationId xmlns:a16="http://schemas.microsoft.com/office/drawing/2014/main" id="{871E6D61-27CF-9E41-95E7-550AB323E96F}"/>
-              </a:ext>
-            </a:extLst>
-          </p:cNvPr>
-          <p:cNvSpPr>
-            <a:spLocks noGrp="1"/>
-          </p:cNvSpPr>
-          <p:nvPr>
-            <p:ph idx="1"/>
-          </p:nvPr>
-        </p:nvSpPr>
-        <p:spPr/>
-        <p:txBody>
-          <a:bodyPr/>
-          <a:lstStyle/>
-          <a:p>
-            <a:r>
-              <a:rPr lang="en-US" dirty="0"/>
-              <a:t>Defining the PowerShell API</a:t>
-            </a:r>
-          </a:p>
-          <a:p>
-            <a:r>
-              <a:rPr lang="en-US" dirty="0"/>
-              <a:t>PowerShell API basics</a:t>
-            </a:r>
-          </a:p>
-          <a:p>
-            <a:r>
-              <a:rPr lang="en-US" dirty="0"/>
-              <a:t>Other ways to run scripts from C#</a:t>
-            </a:r>
-          </a:p>
-          <a:p>
-            <a:r>
-              <a:rPr lang="en-US" dirty="0"/>
-              <a:t>Using the PowerShell API with threads</a:t>
-            </a:r>
-          </a:p>
-        </p:txBody>
-      </p:sp>
-    </p:spTree>
-    <p:extLst>
-      <p:ext uri="{BB962C8B-B14F-4D97-AF65-F5344CB8AC3E}">
-        <p14:creationId xmlns:p14="http://schemas.microsoft.com/office/powerpoint/2010/main" val="3579399355"/>
-      </p:ext>
-    </p:extLst>
-  </p:cSld>
-  <p:clrMapOvr>
-    <a:masterClrMapping/>
-  </p:clrMapOvr>
-</p:sld>
-</file>
-
-<file path=ppt/slides/slide3.xml><?xml version="1.0" encoding="utf-8"?>
-<p:sld xmlns:a="http://schemas.openxmlformats.org/drawingml/2006/main" xmlns:r="http://schemas.openxmlformats.org/officeDocument/2006/relationships" xmlns:p="http://schemas.openxmlformats.org/presentationml/2006/main">
-  <p:cSld>
-    <p:spTree>
-      <p:nvGrpSpPr>
-        <p:cNvPr id="1" name=""/>
-        <p:cNvGrpSpPr/>
-        <p:nvPr/>
-      </p:nvGrpSpPr>
-      <p:grpSpPr>
-        <a:xfrm>
-          <a:off x="0" y="0"/>
-          <a:ext cx="0" cy="0"/>
-          <a:chOff x="0" y="0"/>
-          <a:chExt cx="0" cy="0"/>
-        </a:xfrm>
-      </p:grpSpPr>
-      <p:sp>
-        <p:nvSpPr>
-          <p:cNvPr id="2" name="Title 1">
-            <a:extLst>
-              <a:ext uri="{FF2B5EF4-FFF2-40B4-BE49-F238E27FC236}">
-                <a16:creationId xmlns:a16="http://schemas.microsoft.com/office/drawing/2014/main" id="{4567CD6E-9918-A044-A326-5C1A81C50655}"/>
-              </a:ext>
-            </a:extLst>
-          </p:cNvPr>
-          <p:cNvSpPr>
-            <a:spLocks noGrp="1"/>
-          </p:cNvSpPr>
-          <p:nvPr>
-            <p:ph type="title"/>
-          </p:nvPr>
-        </p:nvSpPr>
-        <p:spPr/>
-        <p:txBody>
-          <a:bodyPr/>
-          <a:lstStyle/>
-          <a:p>
-            <a:r>
-              <a:rPr lang="en-US" dirty="0"/>
-              <a:t>What Is the PowerShell API?</a:t>
-            </a:r>
-          </a:p>
-        </p:txBody>
-      </p:sp>
-      <p:sp>
-        <p:nvSpPr>
-          <p:cNvPr id="3" name="Content Placeholder 2">
-            <a:extLst>
-              <a:ext uri="{FF2B5EF4-FFF2-40B4-BE49-F238E27FC236}">
-                <a16:creationId xmlns:a16="http://schemas.microsoft.com/office/drawing/2014/main" id="{871E6D61-27CF-9E41-95E7-550AB323E96F}"/>
-              </a:ext>
-            </a:extLst>
-          </p:cNvPr>
-          <p:cNvSpPr>
-            <a:spLocks noGrp="1"/>
-          </p:cNvSpPr>
-          <p:nvPr>
-            <p:ph idx="1"/>
-          </p:nvPr>
-        </p:nvSpPr>
-        <p:spPr/>
-        <p:txBody>
-          <a:bodyPr>
-            <a:normAutofit/>
-          </a:bodyPr>
-          <a:lstStyle/>
-          <a:p>
-            <a:r>
-              <a:rPr lang="en-US" dirty="0"/>
-              <a:t>Really: what do </a:t>
-            </a:r>
-            <a:r>
-              <a:rPr lang="en-US" i="1" dirty="0"/>
-              <a:t>I</a:t>
-            </a:r>
-            <a:r>
-              <a:rPr lang="en-US" dirty="0"/>
-              <a:t> mean by “PowerShell API” (what else do we call it??)</a:t>
-            </a:r>
-          </a:p>
-          <a:p>
-            <a:r>
-              <a:rPr lang="en-US" dirty="0" err="1"/>
-              <a:t>PowerShell.Create</a:t>
-            </a:r>
-            <a:r>
-              <a:rPr lang="en-US" dirty="0"/>
-              <a:t>().</a:t>
-            </a:r>
-            <a:r>
-              <a:rPr lang="en-US" dirty="0" err="1"/>
-              <a:t>AddScript</a:t>
-            </a:r>
-            <a:r>
-              <a:rPr lang="en-US" dirty="0"/>
-              <a:t>(“Get-Command Get-Item”).Invoke()</a:t>
-            </a:r>
-          </a:p>
-          <a:p>
-            <a:r>
-              <a:rPr lang="en-US" dirty="0"/>
-              <a:t>Rich and powerful!</a:t>
-            </a:r>
-          </a:p>
-          <a:p>
-            <a:r>
-              <a:rPr lang="en-US" dirty="0"/>
-              <a:t>Generally the go-to way to be running PowerShell from .NET</a:t>
-            </a:r>
-          </a:p>
-          <a:p>
-            <a:endParaRPr lang="en-US" dirty="0"/>
-          </a:p>
-        </p:txBody>
-      </p:sp>
-    </p:spTree>
-    <p:extLst>
-      <p:ext uri="{BB962C8B-B14F-4D97-AF65-F5344CB8AC3E}">
-        <p14:creationId xmlns:p14="http://schemas.microsoft.com/office/powerpoint/2010/main" val="1099573083"/>
-      </p:ext>
-    </p:extLst>
-  </p:cSld>
-  <p:clrMapOvr>
-    <a:masterClrMapping/>
-  </p:clrMapOvr>
-</p:sld>
-</file>
-
-<file path=ppt/slides/slide4.xml><?xml version="1.0" encoding="utf-8"?>
-<p:sld xmlns:a="http://schemas.openxmlformats.org/drawingml/2006/main" xmlns:r="http://schemas.openxmlformats.org/officeDocument/2006/relationships" xmlns:p="http://schemas.openxmlformats.org/presentationml/2006/main">
-  <p:cSld>
-    <p:spTree>
-      <p:nvGrpSpPr>
-        <p:cNvPr id="1" name=""/>
-        <p:cNvGrpSpPr/>
-        <p:nvPr/>
-      </p:nvGrpSpPr>
-      <p:grpSpPr>
-        <a:xfrm>
-          <a:off x="0" y="0"/>
-          <a:ext cx="0" cy="0"/>
-          <a:chOff x="0" y="0"/>
-          <a:chExt cx="0" cy="0"/>
-        </a:xfrm>
-      </p:grpSpPr>
-      <p:sp>
-        <p:nvSpPr>
-          <p:cNvPr id="2" name="Title 1">
-            <a:extLst>
-              <a:ext uri="{FF2B5EF4-FFF2-40B4-BE49-F238E27FC236}">
-                <a16:creationId xmlns:a16="http://schemas.microsoft.com/office/drawing/2014/main" id="{4567CD6E-9918-A044-A326-5C1A81C50655}"/>
-              </a:ext>
-            </a:extLst>
-          </p:cNvPr>
-          <p:cNvSpPr>
-            <a:spLocks noGrp="1"/>
-          </p:cNvSpPr>
-          <p:nvPr>
-            <p:ph type="title"/>
-          </p:nvPr>
-        </p:nvSpPr>
-        <p:spPr/>
-        <p:txBody>
-          <a:bodyPr/>
-          <a:lstStyle/>
-          <a:p>
-            <a:r>
-              <a:rPr lang="en-US" dirty="0"/>
-              <a:t>Why Use the PowerShell API?</a:t>
-            </a:r>
-          </a:p>
-        </p:txBody>
-      </p:sp>
-      <p:sp>
-        <p:nvSpPr>
-          <p:cNvPr id="3" name="Content Placeholder 2">
-            <a:extLst>
-              <a:ext uri="{FF2B5EF4-FFF2-40B4-BE49-F238E27FC236}">
-                <a16:creationId xmlns:a16="http://schemas.microsoft.com/office/drawing/2014/main" id="{871E6D61-27CF-9E41-95E7-550AB323E96F}"/>
-              </a:ext>
-            </a:extLst>
-          </p:cNvPr>
-          <p:cNvSpPr>
-            <a:spLocks noGrp="1"/>
-          </p:cNvSpPr>
-          <p:nvPr>
-            <p:ph idx="1"/>
-          </p:nvPr>
-        </p:nvSpPr>
-        <p:spPr/>
-        <p:txBody>
-          <a:bodyPr/>
-          <a:lstStyle/>
-          <a:p>
-            <a:r>
-              <a:rPr lang="en-US" dirty="0"/>
-              <a:t>Cmdlets</a:t>
-            </a:r>
-          </a:p>
-          <a:p>
-            <a:r>
-              <a:rPr lang="en-US" dirty="0"/>
-              <a:t>PowerShell-aware code that a cmdlet is going to call</a:t>
-            </a:r>
-          </a:p>
-          <a:p>
-            <a:r>
-              <a:rPr lang="en-US" dirty="0"/>
-              <a:t>Applications that rehost PowerShell</a:t>
-            </a:r>
-          </a:p>
-          <a:p>
-            <a:r>
-              <a:rPr lang="en-US" dirty="0"/>
-              <a:t>A PowerShell “Host”</a:t>
-            </a:r>
-          </a:p>
-          <a:p>
-            <a:r>
-              <a:rPr lang="en-US" dirty="0"/>
-              <a:t>Calling .NET from PowerShell </a:t>
-            </a:r>
-            <a:r>
-              <a:rPr lang="en-US" dirty="0">
-                <a:sym typeface="Wingdings" panose="05000000000000000000" pitchFamily="2" charset="2"/>
-              </a:rPr>
-              <a:t> calling PowerShell from .NET…</a:t>
-            </a:r>
-            <a:endParaRPr lang="en-US" dirty="0"/>
-          </a:p>
-        </p:txBody>
-      </p:sp>
-    </p:spTree>
-    <p:extLst>
-      <p:ext uri="{BB962C8B-B14F-4D97-AF65-F5344CB8AC3E}">
-        <p14:creationId xmlns:p14="http://schemas.microsoft.com/office/powerpoint/2010/main" val="4118876301"/>
-      </p:ext>
-    </p:extLst>
-  </p:cSld>
-  <p:clrMapOvr>
-    <a:masterClrMapping/>
-  </p:clrMapOvr>
-</p:sld>
-</file>
-
-<file path=ppt/slides/slide5.xml><?xml version="1.0" encoding="utf-8"?>
-<p:sld xmlns:a="http://schemas.openxmlformats.org/drawingml/2006/main" xmlns:r="http://schemas.openxmlformats.org/officeDocument/2006/relationships" xmlns:p="http://schemas.openxmlformats.org/presentationml/2006/main">
-  <p:cSld>
-    <p:spTree>
-      <p:nvGrpSpPr>
-        <p:cNvPr id="1" name=""/>
-        <p:cNvGrpSpPr/>
-        <p:nvPr/>
-      </p:nvGrpSpPr>
-      <p:grpSpPr>
-        <a:xfrm>
-          <a:off x="0" y="0"/>
-          <a:ext cx="0" cy="0"/>
-          <a:chOff x="0" y="0"/>
-          <a:chExt cx="0" cy="0"/>
-        </a:xfrm>
-      </p:grpSpPr>
-      <p:sp>
-        <p:nvSpPr>
-          <p:cNvPr id="2" name="Title 1">
-            <a:extLst>
-              <a:ext uri="{FF2B5EF4-FFF2-40B4-BE49-F238E27FC236}">
-                <a16:creationId xmlns:a16="http://schemas.microsoft.com/office/drawing/2014/main" id="{4567CD6E-9918-A044-A326-5C1A81C50655}"/>
-              </a:ext>
-            </a:extLst>
-          </p:cNvPr>
-          <p:cNvSpPr>
-            <a:spLocks noGrp="1"/>
-          </p:cNvSpPr>
-          <p:nvPr>
-            <p:ph type="title"/>
-          </p:nvPr>
-        </p:nvSpPr>
-        <p:spPr/>
-        <p:txBody>
-          <a:bodyPr/>
-          <a:lstStyle/>
-          <a:p>
-            <a:r>
-              <a:rPr lang="en-US" dirty="0"/>
-              <a:t>PowerShell API Basics</a:t>
-            </a:r>
-          </a:p>
-        </p:txBody>
-      </p:sp>
-      <p:sp>
-        <p:nvSpPr>
-          <p:cNvPr id="3" name="Content Placeholder 2">
-            <a:extLst>
-              <a:ext uri="{FF2B5EF4-FFF2-40B4-BE49-F238E27FC236}">
-                <a16:creationId xmlns:a16="http://schemas.microsoft.com/office/drawing/2014/main" id="{871E6D61-27CF-9E41-95E7-550AB323E96F}"/>
-              </a:ext>
-            </a:extLst>
-          </p:cNvPr>
-          <p:cNvSpPr>
-            <a:spLocks noGrp="1"/>
-          </p:cNvSpPr>
-          <p:nvPr>
-            <p:ph idx="1"/>
-          </p:nvPr>
-        </p:nvSpPr>
-        <p:spPr/>
-        <p:txBody>
-          <a:bodyPr/>
-          <a:lstStyle/>
-          <a:p>
-            <a:endParaRPr lang="en-US" dirty="0"/>
-          </a:p>
-        </p:txBody>
-      </p:sp>
-    </p:spTree>
-    <p:extLst>
-      <p:ext uri="{BB962C8B-B14F-4D97-AF65-F5344CB8AC3E}">
-        <p14:creationId xmlns:p14="http://schemas.microsoft.com/office/powerpoint/2010/main" val="3381827325"/>
-      </p:ext>
-    </p:extLst>
-  </p:cSld>
-  <p:clrMapOvr>
-    <a:masterClrMapping/>
-  </p:clrMapOvr>
-</p:sld>
-</file>
-
-<file path=ppt/slides/slide6.xml><?xml version="1.0" encoding="utf-8"?>
-<p:sld xmlns:a="http://schemas.openxmlformats.org/drawingml/2006/main" xmlns:r="http://schemas.openxmlformats.org/officeDocument/2006/relationships" xmlns:p="http://schemas.openxmlformats.org/presentationml/2006/main">
-  <p:cSld>
-    <p:spTree>
-      <p:nvGrpSpPr>
-        <p:cNvPr id="1" name=""/>
-        <p:cNvGrpSpPr/>
-        <p:nvPr/>
-      </p:nvGrpSpPr>
-      <p:grpSpPr>
-        <a:xfrm>
-          <a:off x="0" y="0"/>
-          <a:ext cx="0" cy="0"/>
-          <a:chOff x="0" y="0"/>
-          <a:chExt cx="0" cy="0"/>
-        </a:xfrm>
-      </p:grpSpPr>
-      <p:sp>
-        <p:nvSpPr>
-          <p:cNvPr id="2" name="Title 1">
-            <a:extLst>
-              <a:ext uri="{FF2B5EF4-FFF2-40B4-BE49-F238E27FC236}">
-                <a16:creationId xmlns:a16="http://schemas.microsoft.com/office/drawing/2014/main" id="{4567CD6E-9918-A044-A326-5C1A81C50655}"/>
-              </a:ext>
-            </a:extLst>
-          </p:cNvPr>
-          <p:cNvSpPr>
-            <a:spLocks noGrp="1"/>
-          </p:cNvSpPr>
-          <p:nvPr>
-            <p:ph type="title"/>
-          </p:nvPr>
-        </p:nvSpPr>
-        <p:spPr/>
-        <p:txBody>
-          <a:bodyPr/>
-          <a:lstStyle/>
-          <a:p>
-            <a:r>
-              <a:rPr lang="en-US" dirty="0"/>
-              <a:t>Output and Input</a:t>
-            </a:r>
-          </a:p>
-        </p:txBody>
-      </p:sp>
-      <p:sp>
-        <p:nvSpPr>
-          <p:cNvPr id="3" name="Content Placeholder 2">
-            <a:extLst>
-              <a:ext uri="{FF2B5EF4-FFF2-40B4-BE49-F238E27FC236}">
-                <a16:creationId xmlns:a16="http://schemas.microsoft.com/office/drawing/2014/main" id="{871E6D61-27CF-9E41-95E7-550AB323E96F}"/>
-              </a:ext>
-            </a:extLst>
-          </p:cNvPr>
-          <p:cNvSpPr>
-            <a:spLocks noGrp="1"/>
-          </p:cNvSpPr>
-          <p:nvPr>
-            <p:ph idx="1"/>
-          </p:nvPr>
-        </p:nvSpPr>
-        <p:spPr/>
-        <p:txBody>
-          <a:bodyPr/>
-          <a:lstStyle/>
-          <a:p>
-            <a:endParaRPr lang="en-US" dirty="0"/>
-          </a:p>
-        </p:txBody>
-      </p:sp>
-    </p:spTree>
-    <p:extLst>
-      <p:ext uri="{BB962C8B-B14F-4D97-AF65-F5344CB8AC3E}">
-        <p14:creationId xmlns:p14="http://schemas.microsoft.com/office/powerpoint/2010/main" val="3208746389"/>
-      </p:ext>
-    </p:extLst>
-  </p:cSld>
-  <p:clrMapOvr>
-    <a:masterClrMapping/>
-  </p:clrMapOvr>
-</p:sld>
-</file>
-
-<file path=ppt/slides/slide7.xml><?xml version="1.0" encoding="utf-8"?>
-<p:sld xmlns:a="http://schemas.openxmlformats.org/drawingml/2006/main" xmlns:r="http://schemas.openxmlformats.org/officeDocument/2006/relationships" xmlns:p="http://schemas.openxmlformats.org/presentationml/2006/main">
-  <p:cSld>
-    <p:spTree>
-      <p:nvGrpSpPr>
-        <p:cNvPr id="1" name=""/>
-        <p:cNvGrpSpPr/>
-        <p:nvPr/>
-      </p:nvGrpSpPr>
-      <p:grpSpPr>
-        <a:xfrm>
-          <a:off x="0" y="0"/>
-          <a:ext cx="0" cy="0"/>
-          <a:chOff x="0" y="0"/>
-          <a:chExt cx="0" cy="0"/>
-        </a:xfrm>
-      </p:grpSpPr>
-      <p:sp>
-        <p:nvSpPr>
-          <p:cNvPr id="2" name="Title 1">
-            <a:extLst>
-              <a:ext uri="{FF2B5EF4-FFF2-40B4-BE49-F238E27FC236}">
-                <a16:creationId xmlns:a16="http://schemas.microsoft.com/office/drawing/2014/main" id="{4567CD6E-9918-A044-A326-5C1A81C50655}"/>
-              </a:ext>
-            </a:extLst>
-          </p:cNvPr>
-          <p:cNvSpPr>
-            <a:spLocks noGrp="1"/>
-          </p:cNvSpPr>
-          <p:nvPr>
-            <p:ph type="title"/>
-          </p:nvPr>
-        </p:nvSpPr>
-        <p:spPr/>
-        <p:txBody>
-          <a:bodyPr/>
-          <a:lstStyle/>
-          <a:p>
-            <a:r>
-              <a:rPr lang="en-US" dirty="0"/>
-              <a:t>Pipeline and statement composition</a:t>
-            </a:r>
-          </a:p>
-        </p:txBody>
-      </p:sp>
-      <p:sp>
-        <p:nvSpPr>
-          <p:cNvPr id="3" name="Content Placeholder 2">
-            <a:extLst>
-              <a:ext uri="{FF2B5EF4-FFF2-40B4-BE49-F238E27FC236}">
-                <a16:creationId xmlns:a16="http://schemas.microsoft.com/office/drawing/2014/main" id="{871E6D61-27CF-9E41-95E7-550AB323E96F}"/>
-              </a:ext>
-            </a:extLst>
-          </p:cNvPr>
-          <p:cNvSpPr>
-            <a:spLocks noGrp="1"/>
-          </p:cNvSpPr>
-          <p:nvPr>
-            <p:ph idx="1"/>
-          </p:nvPr>
-        </p:nvSpPr>
-        <p:spPr/>
-        <p:txBody>
-          <a:bodyPr/>
-          <a:lstStyle/>
-          <a:p>
-            <a:endParaRPr lang="en-US" dirty="0"/>
-          </a:p>
-        </p:txBody>
-      </p:sp>
-    </p:spTree>
-    <p:extLst>
-      <p:ext uri="{BB962C8B-B14F-4D97-AF65-F5344CB8AC3E}">
-        <p14:creationId xmlns:p14="http://schemas.microsoft.com/office/powerpoint/2010/main" val="4161844132"/>
-      </p:ext>
-    </p:extLst>
-  </p:cSld>
-  <p:clrMapOvr>
-    <a:masterClrMapping/>
-  </p:clrMapOvr>
-</p:sld>
-</file>
-
-<file path=ppt/slides/slide8.xml><?xml version="1.0" encoding="utf-8"?>
+<file path=ppt/slides/slide18.xml><?xml version="1.0" encoding="utf-8"?>
 <p:sld xmlns:a="http://schemas.openxmlformats.org/drawingml/2006/main" xmlns:r="http://schemas.openxmlformats.org/officeDocument/2006/relationships" xmlns:p="http://schemas.openxmlformats.org/presentationml/2006/main" show="0">
   <p:cSld>
     <p:spTree>
@@ -4660,7 +5890,87 @@
 </p:sld>
 </file>
 
-<file path=ppt/slides/slide9.xml><?xml version="1.0" encoding="utf-8"?>
+<file path=ppt/slides/slide19.xml><?xml version="1.0" encoding="utf-8"?>
+<p:sld xmlns:a="http://schemas.openxmlformats.org/drawingml/2006/main" xmlns:r="http://schemas.openxmlformats.org/officeDocument/2006/relationships" xmlns:p="http://schemas.openxmlformats.org/presentationml/2006/main" show="0">
+  <p:cSld>
+    <p:spTree>
+      <p:nvGrpSpPr>
+        <p:cNvPr id="1" name=""/>
+        <p:cNvGrpSpPr/>
+        <p:nvPr/>
+      </p:nvGrpSpPr>
+      <p:grpSpPr>
+        <a:xfrm>
+          <a:off x="0" y="0"/>
+          <a:ext cx="0" cy="0"/>
+          <a:chOff x="0" y="0"/>
+          <a:chExt cx="0" cy="0"/>
+        </a:xfrm>
+      </p:grpSpPr>
+      <p:sp>
+        <p:nvSpPr>
+          <p:cNvPr id="2" name="Title 1">
+            <a:extLst>
+              <a:ext uri="{FF2B5EF4-FFF2-40B4-BE49-F238E27FC236}">
+                <a16:creationId xmlns:a16="http://schemas.microsoft.com/office/drawing/2014/main" id="{5A1A2E2C-917D-7E4B-901E-6A080DD858B9}"/>
+              </a:ext>
+            </a:extLst>
+          </p:cNvPr>
+          <p:cNvSpPr>
+            <a:spLocks noGrp="1"/>
+          </p:cNvSpPr>
+          <p:nvPr>
+            <p:ph type="ctrTitle"/>
+          </p:nvPr>
+        </p:nvSpPr>
+        <p:spPr/>
+        <p:txBody>
+          <a:bodyPr/>
+          <a:lstStyle/>
+          <a:p>
+            <a:endParaRPr lang="en-US" dirty="0"/>
+          </a:p>
+        </p:txBody>
+      </p:sp>
+      <p:sp>
+        <p:nvSpPr>
+          <p:cNvPr id="3" name="Subtitle 2">
+            <a:extLst>
+              <a:ext uri="{FF2B5EF4-FFF2-40B4-BE49-F238E27FC236}">
+                <a16:creationId xmlns:a16="http://schemas.microsoft.com/office/drawing/2014/main" id="{4D16AE71-C595-BB4E-A925-487F748ED0FB}"/>
+              </a:ext>
+            </a:extLst>
+          </p:cNvPr>
+          <p:cNvSpPr>
+            <a:spLocks noGrp="1"/>
+          </p:cNvSpPr>
+          <p:nvPr>
+            <p:ph type="subTitle" idx="1"/>
+          </p:nvPr>
+        </p:nvSpPr>
+        <p:spPr/>
+        <p:txBody>
+          <a:bodyPr/>
+          <a:lstStyle/>
+          <a:p>
+            <a:endParaRPr lang="en-US" dirty="0"/>
+          </a:p>
+        </p:txBody>
+      </p:sp>
+    </p:spTree>
+    <p:extLst>
+      <p:ext uri="{BB962C8B-B14F-4D97-AF65-F5344CB8AC3E}">
+        <p14:creationId xmlns:p14="http://schemas.microsoft.com/office/powerpoint/2010/main" val="1264006137"/>
+      </p:ext>
+    </p:extLst>
+  </p:cSld>
+  <p:clrMapOvr>
+    <a:masterClrMapping/>
+  </p:clrMapOvr>
+</p:sld>
+</file>
+
+<file path=ppt/slides/slide2.xml><?xml version="1.0" encoding="utf-8"?>
 <p:sld xmlns:a="http://schemas.openxmlformats.org/drawingml/2006/main" xmlns:r="http://schemas.openxmlformats.org/officeDocument/2006/relationships" xmlns:p="http://schemas.openxmlformats.org/presentationml/2006/main">
   <p:cSld>
     <p:spTree>
@@ -4682,7 +5992,7 @@
           <p:cNvPr id="2" name="Title 1">
             <a:extLst>
               <a:ext uri="{FF2B5EF4-FFF2-40B4-BE49-F238E27FC236}">
-                <a16:creationId xmlns:a16="http://schemas.microsoft.com/office/drawing/2014/main" id="{5A1A2E2C-917D-7E4B-901E-6A080DD858B9}"/>
+                <a16:creationId xmlns:a16="http://schemas.microsoft.com/office/drawing/2014/main" id="{4567CD6E-9918-A044-A326-5C1A81C50655}"/>
               </a:ext>
             </a:extLst>
           </p:cNvPr>
@@ -4690,7 +6000,7 @@
             <a:spLocks noGrp="1"/>
           </p:cNvSpPr>
           <p:nvPr>
-            <p:ph type="ctrTitle"/>
+            <p:ph type="title"/>
           </p:nvPr>
         </p:nvSpPr>
         <p:spPr/>
@@ -4698,16 +6008,19 @@
           <a:bodyPr/>
           <a:lstStyle/>
           <a:p>
-            <a:endParaRPr lang="en-US" dirty="0"/>
-          </a:p>
-        </p:txBody>
-      </p:sp>
-      <p:sp>
-        <p:nvSpPr>
-          <p:cNvPr id="3" name="Subtitle 2">
+            <a:r>
+              <a:rPr lang="en-US" dirty="0"/>
+              <a:t>Outline</a:t>
+            </a:r>
+          </a:p>
+        </p:txBody>
+      </p:sp>
+      <p:sp>
+        <p:nvSpPr>
+          <p:cNvPr id="3" name="Content Placeholder 2">
             <a:extLst>
               <a:ext uri="{FF2B5EF4-FFF2-40B4-BE49-F238E27FC236}">
-                <a16:creationId xmlns:a16="http://schemas.microsoft.com/office/drawing/2014/main" id="{4D16AE71-C595-BB4E-A925-487F748ED0FB}"/>
+                <a16:creationId xmlns:a16="http://schemas.microsoft.com/office/drawing/2014/main" id="{871E6D61-27CF-9E41-95E7-550AB323E96F}"/>
               </a:ext>
             </a:extLst>
           </p:cNvPr>
@@ -4715,7 +6028,7 @@
             <a:spLocks noGrp="1"/>
           </p:cNvSpPr>
           <p:nvPr>
-            <p:ph type="subTitle" idx="1"/>
+            <p:ph idx="1"/>
           </p:nvPr>
         </p:nvSpPr>
         <p:spPr/>
@@ -4723,20 +6036,2561 @@
           <a:bodyPr/>
           <a:lstStyle/>
           <a:p>
-            <a:endParaRPr lang="en-US" dirty="0"/>
+            <a:r>
+              <a:rPr lang="en-US" dirty="0"/>
+              <a:t>What do I mean by the PowerShell API and why use it?</a:t>
+            </a:r>
+          </a:p>
+          <a:p>
+            <a:r>
+              <a:rPr lang="en-US" dirty="0"/>
+              <a:t>Running PowerShell</a:t>
+            </a:r>
+          </a:p>
+          <a:p>
+            <a:r>
+              <a:rPr lang="en-US" dirty="0"/>
+              <a:t>Outputs and Inputs</a:t>
+            </a:r>
+          </a:p>
+          <a:p>
+            <a:r>
+              <a:rPr lang="en-US" dirty="0"/>
+              <a:t>Composing pipelines</a:t>
+            </a:r>
+          </a:p>
+          <a:p>
+            <a:r>
+              <a:rPr lang="en-US" dirty="0"/>
+              <a:t>Using the PowerShell API with </a:t>
+            </a:r>
+            <a:r>
+              <a:rPr lang="en-US" dirty="0" err="1"/>
+              <a:t>runspaces</a:t>
+            </a:r>
+            <a:r>
+              <a:rPr lang="en-US" dirty="0"/>
+              <a:t>, threads and async</a:t>
+            </a:r>
           </a:p>
         </p:txBody>
       </p:sp>
     </p:spTree>
     <p:extLst>
       <p:ext uri="{BB962C8B-B14F-4D97-AF65-F5344CB8AC3E}">
-        <p14:creationId xmlns:p14="http://schemas.microsoft.com/office/powerpoint/2010/main" val="1264006137"/>
+        <p14:creationId xmlns:p14="http://schemas.microsoft.com/office/powerpoint/2010/main" val="3579399355"/>
       </p:ext>
     </p:extLst>
   </p:cSld>
   <p:clrMapOvr>
     <a:masterClrMapping/>
   </p:clrMapOvr>
+  <p:timing>
+    <p:tnLst>
+      <p:par>
+        <p:cTn id="1" dur="indefinite" restart="never" nodeType="tmRoot">
+          <p:childTnLst>
+            <p:seq concurrent="1" nextAc="seek">
+              <p:cTn id="2" dur="indefinite" nodeType="mainSeq">
+                <p:childTnLst>
+                  <p:par>
+                    <p:cTn id="3" fill="hold">
+                      <p:stCondLst>
+                        <p:cond delay="indefinite"/>
+                      </p:stCondLst>
+                      <p:childTnLst>
+                        <p:par>
+                          <p:cTn id="4" fill="hold">
+                            <p:stCondLst>
+                              <p:cond delay="0"/>
+                            </p:stCondLst>
+                            <p:childTnLst>
+                              <p:par>
+                                <p:cTn id="5" presetID="1" presetClass="entr" presetSubtype="0" fill="hold" grpId="0" nodeType="clickEffect">
+                                  <p:stCondLst>
+                                    <p:cond delay="0"/>
+                                  </p:stCondLst>
+                                  <p:childTnLst>
+                                    <p:set>
+                                      <p:cBhvr>
+                                        <p:cTn id="6" dur="1" fill="hold">
+                                          <p:stCondLst>
+                                            <p:cond delay="0"/>
+                                          </p:stCondLst>
+                                        </p:cTn>
+                                        <p:tgtEl>
+                                          <p:spTgt spid="3">
+                                            <p:txEl>
+                                              <p:pRg st="0" end="0"/>
+                                            </p:txEl>
+                                          </p:spTgt>
+                                        </p:tgtEl>
+                                        <p:attrNameLst>
+                                          <p:attrName>style.visibility</p:attrName>
+                                        </p:attrNameLst>
+                                      </p:cBhvr>
+                                      <p:to>
+                                        <p:strVal val="visible"/>
+                                      </p:to>
+                                    </p:set>
+                                  </p:childTnLst>
+                                </p:cTn>
+                              </p:par>
+                            </p:childTnLst>
+                          </p:cTn>
+                        </p:par>
+                      </p:childTnLst>
+                    </p:cTn>
+                  </p:par>
+                  <p:par>
+                    <p:cTn id="7" fill="hold">
+                      <p:stCondLst>
+                        <p:cond delay="indefinite"/>
+                      </p:stCondLst>
+                      <p:childTnLst>
+                        <p:par>
+                          <p:cTn id="8" fill="hold">
+                            <p:stCondLst>
+                              <p:cond delay="0"/>
+                            </p:stCondLst>
+                            <p:childTnLst>
+                              <p:par>
+                                <p:cTn id="9" presetID="1" presetClass="entr" presetSubtype="0" fill="hold" grpId="0" nodeType="clickEffect">
+                                  <p:stCondLst>
+                                    <p:cond delay="0"/>
+                                  </p:stCondLst>
+                                  <p:childTnLst>
+                                    <p:set>
+                                      <p:cBhvr>
+                                        <p:cTn id="10" dur="1" fill="hold">
+                                          <p:stCondLst>
+                                            <p:cond delay="0"/>
+                                          </p:stCondLst>
+                                        </p:cTn>
+                                        <p:tgtEl>
+                                          <p:spTgt spid="3">
+                                            <p:txEl>
+                                              <p:pRg st="1" end="1"/>
+                                            </p:txEl>
+                                          </p:spTgt>
+                                        </p:tgtEl>
+                                        <p:attrNameLst>
+                                          <p:attrName>style.visibility</p:attrName>
+                                        </p:attrNameLst>
+                                      </p:cBhvr>
+                                      <p:to>
+                                        <p:strVal val="visible"/>
+                                      </p:to>
+                                    </p:set>
+                                  </p:childTnLst>
+                                </p:cTn>
+                              </p:par>
+                            </p:childTnLst>
+                          </p:cTn>
+                        </p:par>
+                      </p:childTnLst>
+                    </p:cTn>
+                  </p:par>
+                  <p:par>
+                    <p:cTn id="11" fill="hold">
+                      <p:stCondLst>
+                        <p:cond delay="indefinite"/>
+                      </p:stCondLst>
+                      <p:childTnLst>
+                        <p:par>
+                          <p:cTn id="12" fill="hold">
+                            <p:stCondLst>
+                              <p:cond delay="0"/>
+                            </p:stCondLst>
+                            <p:childTnLst>
+                              <p:par>
+                                <p:cTn id="13" presetID="1" presetClass="entr" presetSubtype="0" fill="hold" grpId="0" nodeType="clickEffect">
+                                  <p:stCondLst>
+                                    <p:cond delay="0"/>
+                                  </p:stCondLst>
+                                  <p:childTnLst>
+                                    <p:set>
+                                      <p:cBhvr>
+                                        <p:cTn id="14" dur="1" fill="hold">
+                                          <p:stCondLst>
+                                            <p:cond delay="0"/>
+                                          </p:stCondLst>
+                                        </p:cTn>
+                                        <p:tgtEl>
+                                          <p:spTgt spid="3">
+                                            <p:txEl>
+                                              <p:pRg st="2" end="2"/>
+                                            </p:txEl>
+                                          </p:spTgt>
+                                        </p:tgtEl>
+                                        <p:attrNameLst>
+                                          <p:attrName>style.visibility</p:attrName>
+                                        </p:attrNameLst>
+                                      </p:cBhvr>
+                                      <p:to>
+                                        <p:strVal val="visible"/>
+                                      </p:to>
+                                    </p:set>
+                                  </p:childTnLst>
+                                </p:cTn>
+                              </p:par>
+                            </p:childTnLst>
+                          </p:cTn>
+                        </p:par>
+                      </p:childTnLst>
+                    </p:cTn>
+                  </p:par>
+                  <p:par>
+                    <p:cTn id="15" fill="hold">
+                      <p:stCondLst>
+                        <p:cond delay="indefinite"/>
+                      </p:stCondLst>
+                      <p:childTnLst>
+                        <p:par>
+                          <p:cTn id="16" fill="hold">
+                            <p:stCondLst>
+                              <p:cond delay="0"/>
+                            </p:stCondLst>
+                            <p:childTnLst>
+                              <p:par>
+                                <p:cTn id="17" presetID="1" presetClass="entr" presetSubtype="0" fill="hold" grpId="0" nodeType="clickEffect">
+                                  <p:stCondLst>
+                                    <p:cond delay="0"/>
+                                  </p:stCondLst>
+                                  <p:childTnLst>
+                                    <p:set>
+                                      <p:cBhvr>
+                                        <p:cTn id="18" dur="1" fill="hold">
+                                          <p:stCondLst>
+                                            <p:cond delay="0"/>
+                                          </p:stCondLst>
+                                        </p:cTn>
+                                        <p:tgtEl>
+                                          <p:spTgt spid="3">
+                                            <p:txEl>
+                                              <p:pRg st="3" end="3"/>
+                                            </p:txEl>
+                                          </p:spTgt>
+                                        </p:tgtEl>
+                                        <p:attrNameLst>
+                                          <p:attrName>style.visibility</p:attrName>
+                                        </p:attrNameLst>
+                                      </p:cBhvr>
+                                      <p:to>
+                                        <p:strVal val="visible"/>
+                                      </p:to>
+                                    </p:set>
+                                  </p:childTnLst>
+                                </p:cTn>
+                              </p:par>
+                            </p:childTnLst>
+                          </p:cTn>
+                        </p:par>
+                      </p:childTnLst>
+                    </p:cTn>
+                  </p:par>
+                  <p:par>
+                    <p:cTn id="19" fill="hold">
+                      <p:stCondLst>
+                        <p:cond delay="indefinite"/>
+                      </p:stCondLst>
+                      <p:childTnLst>
+                        <p:par>
+                          <p:cTn id="20" fill="hold">
+                            <p:stCondLst>
+                              <p:cond delay="0"/>
+                            </p:stCondLst>
+                            <p:childTnLst>
+                              <p:par>
+                                <p:cTn id="21" presetID="1" presetClass="entr" presetSubtype="0" fill="hold" grpId="0" nodeType="clickEffect">
+                                  <p:stCondLst>
+                                    <p:cond delay="0"/>
+                                  </p:stCondLst>
+                                  <p:childTnLst>
+                                    <p:set>
+                                      <p:cBhvr>
+                                        <p:cTn id="22" dur="1" fill="hold">
+                                          <p:stCondLst>
+                                            <p:cond delay="0"/>
+                                          </p:stCondLst>
+                                        </p:cTn>
+                                        <p:tgtEl>
+                                          <p:spTgt spid="3">
+                                            <p:txEl>
+                                              <p:pRg st="4" end="4"/>
+                                            </p:txEl>
+                                          </p:spTgt>
+                                        </p:tgtEl>
+                                        <p:attrNameLst>
+                                          <p:attrName>style.visibility</p:attrName>
+                                        </p:attrNameLst>
+                                      </p:cBhvr>
+                                      <p:to>
+                                        <p:strVal val="visible"/>
+                                      </p:to>
+                                    </p:set>
+                                  </p:childTnLst>
+                                </p:cTn>
+                              </p:par>
+                            </p:childTnLst>
+                          </p:cTn>
+                        </p:par>
+                      </p:childTnLst>
+                    </p:cTn>
+                  </p:par>
+                </p:childTnLst>
+              </p:cTn>
+              <p:prevCondLst>
+                <p:cond evt="onPrev" delay="0">
+                  <p:tgtEl>
+                    <p:sldTgt/>
+                  </p:tgtEl>
+                </p:cond>
+              </p:prevCondLst>
+              <p:nextCondLst>
+                <p:cond evt="onNext" delay="0">
+                  <p:tgtEl>
+                    <p:sldTgt/>
+                  </p:tgtEl>
+                </p:cond>
+              </p:nextCondLst>
+            </p:seq>
+          </p:childTnLst>
+        </p:cTn>
+      </p:par>
+    </p:tnLst>
+    <p:bldLst>
+      <p:bldP spid="3" grpId="0" build="p"/>
+    </p:bldLst>
+  </p:timing>
+</p:sld>
+</file>
+
+<file path=ppt/slides/slide20.xml><?xml version="1.0" encoding="utf-8"?>
+<p:sld xmlns:a="http://schemas.openxmlformats.org/drawingml/2006/main" xmlns:r="http://schemas.openxmlformats.org/officeDocument/2006/relationships" xmlns:p="http://schemas.openxmlformats.org/presentationml/2006/main" show="0">
+  <p:cSld>
+    <p:spTree>
+      <p:nvGrpSpPr>
+        <p:cNvPr id="1" name=""/>
+        <p:cNvGrpSpPr/>
+        <p:nvPr/>
+      </p:nvGrpSpPr>
+      <p:grpSpPr>
+        <a:xfrm>
+          <a:off x="0" y="0"/>
+          <a:ext cx="0" cy="0"/>
+          <a:chOff x="0" y="0"/>
+          <a:chExt cx="0" cy="0"/>
+        </a:xfrm>
+      </p:grpSpPr>
+      <p:sp>
+        <p:nvSpPr>
+          <p:cNvPr id="2" name="Title 1">
+            <a:extLst>
+              <a:ext uri="{FF2B5EF4-FFF2-40B4-BE49-F238E27FC236}">
+                <a16:creationId xmlns:a16="http://schemas.microsoft.com/office/drawing/2014/main" id="{4567CD6E-9918-A044-A326-5C1A81C50655}"/>
+              </a:ext>
+            </a:extLst>
+          </p:cNvPr>
+          <p:cNvSpPr>
+            <a:spLocks noGrp="1"/>
+          </p:cNvSpPr>
+          <p:nvPr>
+            <p:ph type="title"/>
+          </p:nvPr>
+        </p:nvSpPr>
+        <p:spPr/>
+        <p:txBody>
+          <a:bodyPr/>
+          <a:lstStyle/>
+          <a:p>
+            <a:endParaRPr lang="en-US" dirty="0"/>
+          </a:p>
+        </p:txBody>
+      </p:sp>
+      <p:sp>
+        <p:nvSpPr>
+          <p:cNvPr id="3" name="Content Placeholder 2">
+            <a:extLst>
+              <a:ext uri="{FF2B5EF4-FFF2-40B4-BE49-F238E27FC236}">
+                <a16:creationId xmlns:a16="http://schemas.microsoft.com/office/drawing/2014/main" id="{871E6D61-27CF-9E41-95E7-550AB323E96F}"/>
+              </a:ext>
+            </a:extLst>
+          </p:cNvPr>
+          <p:cNvSpPr>
+            <a:spLocks noGrp="1"/>
+          </p:cNvSpPr>
+          <p:nvPr>
+            <p:ph idx="1"/>
+          </p:nvPr>
+        </p:nvSpPr>
+        <p:spPr/>
+        <p:txBody>
+          <a:bodyPr/>
+          <a:lstStyle/>
+          <a:p>
+            <a:endParaRPr lang="en-US"/>
+          </a:p>
+        </p:txBody>
+      </p:sp>
+    </p:spTree>
+    <p:extLst>
+      <p:ext uri="{BB962C8B-B14F-4D97-AF65-F5344CB8AC3E}">
+        <p14:creationId xmlns:p14="http://schemas.microsoft.com/office/powerpoint/2010/main" val="259338751"/>
+      </p:ext>
+    </p:extLst>
+  </p:cSld>
+  <p:clrMapOvr>
+    <a:masterClrMapping/>
+  </p:clrMapOvr>
+</p:sld>
+</file>
+
+<file path=ppt/slides/slide21.xml><?xml version="1.0" encoding="utf-8"?>
+<p:sld xmlns:a="http://schemas.openxmlformats.org/drawingml/2006/main" xmlns:r="http://schemas.openxmlformats.org/officeDocument/2006/relationships" xmlns:p="http://schemas.openxmlformats.org/presentationml/2006/main" show="0">
+  <p:cSld>
+    <p:spTree>
+      <p:nvGrpSpPr>
+        <p:cNvPr id="1" name=""/>
+        <p:cNvGrpSpPr/>
+        <p:nvPr/>
+      </p:nvGrpSpPr>
+      <p:grpSpPr>
+        <a:xfrm>
+          <a:off x="0" y="0"/>
+          <a:ext cx="0" cy="0"/>
+          <a:chOff x="0" y="0"/>
+          <a:chExt cx="0" cy="0"/>
+        </a:xfrm>
+      </p:grpSpPr>
+      <p:sp>
+        <p:nvSpPr>
+          <p:cNvPr id="2" name="Title 1">
+            <a:extLst>
+              <a:ext uri="{FF2B5EF4-FFF2-40B4-BE49-F238E27FC236}">
+                <a16:creationId xmlns:a16="http://schemas.microsoft.com/office/drawing/2014/main" id="{F061A18C-79F2-984A-A90F-23D495FD286F}"/>
+              </a:ext>
+            </a:extLst>
+          </p:cNvPr>
+          <p:cNvSpPr>
+            <a:spLocks noGrp="1"/>
+          </p:cNvSpPr>
+          <p:nvPr>
+            <p:ph type="title"/>
+          </p:nvPr>
+        </p:nvSpPr>
+        <p:spPr/>
+        <p:txBody>
+          <a:bodyPr/>
+          <a:lstStyle/>
+          <a:p>
+            <a:endParaRPr lang="en-US"/>
+          </a:p>
+        </p:txBody>
+      </p:sp>
+      <p:sp>
+        <p:nvSpPr>
+          <p:cNvPr id="3" name="Content Placeholder 2">
+            <a:extLst>
+              <a:ext uri="{FF2B5EF4-FFF2-40B4-BE49-F238E27FC236}">
+                <a16:creationId xmlns:a16="http://schemas.microsoft.com/office/drawing/2014/main" id="{B585176C-5A6D-DC48-B2CF-88C1B750685B}"/>
+              </a:ext>
+            </a:extLst>
+          </p:cNvPr>
+          <p:cNvSpPr>
+            <a:spLocks noGrp="1"/>
+          </p:cNvSpPr>
+          <p:nvPr>
+            <p:ph sz="half" idx="1"/>
+          </p:nvPr>
+        </p:nvSpPr>
+        <p:spPr/>
+        <p:txBody>
+          <a:bodyPr/>
+          <a:lstStyle/>
+          <a:p>
+            <a:endParaRPr lang="en-US"/>
+          </a:p>
+        </p:txBody>
+      </p:sp>
+      <p:sp>
+        <p:nvSpPr>
+          <p:cNvPr id="4" name="Content Placeholder 3">
+            <a:extLst>
+              <a:ext uri="{FF2B5EF4-FFF2-40B4-BE49-F238E27FC236}">
+                <a16:creationId xmlns:a16="http://schemas.microsoft.com/office/drawing/2014/main" id="{2490B26B-7B5D-004E-A984-6AA8A27D6E7D}"/>
+              </a:ext>
+            </a:extLst>
+          </p:cNvPr>
+          <p:cNvSpPr>
+            <a:spLocks noGrp="1"/>
+          </p:cNvSpPr>
+          <p:nvPr>
+            <p:ph sz="half" idx="2"/>
+          </p:nvPr>
+        </p:nvSpPr>
+        <p:spPr/>
+        <p:txBody>
+          <a:bodyPr/>
+          <a:lstStyle/>
+          <a:p>
+            <a:endParaRPr lang="en-US"/>
+          </a:p>
+        </p:txBody>
+      </p:sp>
+    </p:spTree>
+    <p:extLst>
+      <p:ext uri="{BB962C8B-B14F-4D97-AF65-F5344CB8AC3E}">
+        <p14:creationId xmlns:p14="http://schemas.microsoft.com/office/powerpoint/2010/main" val="1149634259"/>
+      </p:ext>
+    </p:extLst>
+  </p:cSld>
+  <p:clrMapOvr>
+    <a:masterClrMapping/>
+  </p:clrMapOvr>
+</p:sld>
+</file>
+
+<file path=ppt/slides/slide3.xml><?xml version="1.0" encoding="utf-8"?>
+<p:sld xmlns:a="http://schemas.openxmlformats.org/drawingml/2006/main" xmlns:r="http://schemas.openxmlformats.org/officeDocument/2006/relationships" xmlns:p="http://schemas.openxmlformats.org/presentationml/2006/main">
+  <p:cSld>
+    <p:spTree>
+      <p:nvGrpSpPr>
+        <p:cNvPr id="1" name=""/>
+        <p:cNvGrpSpPr/>
+        <p:nvPr/>
+      </p:nvGrpSpPr>
+      <p:grpSpPr>
+        <a:xfrm>
+          <a:off x="0" y="0"/>
+          <a:ext cx="0" cy="0"/>
+          <a:chOff x="0" y="0"/>
+          <a:chExt cx="0" cy="0"/>
+        </a:xfrm>
+      </p:grpSpPr>
+      <p:sp>
+        <p:nvSpPr>
+          <p:cNvPr id="2" name="Title 1">
+            <a:extLst>
+              <a:ext uri="{FF2B5EF4-FFF2-40B4-BE49-F238E27FC236}">
+                <a16:creationId xmlns:a16="http://schemas.microsoft.com/office/drawing/2014/main" id="{4567CD6E-9918-A044-A326-5C1A81C50655}"/>
+              </a:ext>
+            </a:extLst>
+          </p:cNvPr>
+          <p:cNvSpPr>
+            <a:spLocks noGrp="1"/>
+          </p:cNvSpPr>
+          <p:nvPr>
+            <p:ph type="title"/>
+          </p:nvPr>
+        </p:nvSpPr>
+        <p:spPr/>
+        <p:txBody>
+          <a:bodyPr/>
+          <a:lstStyle/>
+          <a:p>
+            <a:r>
+              <a:rPr lang="en-US" dirty="0"/>
+              <a:t>What Is the PowerShell API?</a:t>
+            </a:r>
+          </a:p>
+        </p:txBody>
+      </p:sp>
+      <p:sp>
+        <p:nvSpPr>
+          <p:cNvPr id="3" name="Content Placeholder 2">
+            <a:extLst>
+              <a:ext uri="{FF2B5EF4-FFF2-40B4-BE49-F238E27FC236}">
+                <a16:creationId xmlns:a16="http://schemas.microsoft.com/office/drawing/2014/main" id="{871E6D61-27CF-9E41-95E7-550AB323E96F}"/>
+              </a:ext>
+            </a:extLst>
+          </p:cNvPr>
+          <p:cNvSpPr>
+            <a:spLocks noGrp="1"/>
+          </p:cNvSpPr>
+          <p:nvPr>
+            <p:ph idx="1"/>
+          </p:nvPr>
+        </p:nvSpPr>
+        <p:spPr/>
+        <p:txBody>
+          <a:bodyPr>
+            <a:normAutofit/>
+          </a:bodyPr>
+          <a:lstStyle/>
+          <a:p>
+            <a:r>
+              <a:rPr lang="en-US" dirty="0"/>
+              <a:t>Really: what do </a:t>
+            </a:r>
+            <a:r>
+              <a:rPr lang="en-US" i="1" dirty="0"/>
+              <a:t>I</a:t>
+            </a:r>
+            <a:r>
+              <a:rPr lang="en-US" dirty="0"/>
+              <a:t> mean by “PowerShell API” (what else do we call it??)</a:t>
+            </a:r>
+          </a:p>
+          <a:p>
+            <a:r>
+              <a:rPr lang="en-US" dirty="0" err="1"/>
+              <a:t>PowerShell.Create</a:t>
+            </a:r>
+            <a:r>
+              <a:rPr lang="en-US" dirty="0"/>
+              <a:t>().</a:t>
+            </a:r>
+            <a:r>
+              <a:rPr lang="en-US" dirty="0" err="1"/>
+              <a:t>AddScript</a:t>
+            </a:r>
+            <a:r>
+              <a:rPr lang="en-US" dirty="0"/>
+              <a:t>(“Get-Command Get-Item”).Invoke()</a:t>
+            </a:r>
+          </a:p>
+          <a:p>
+            <a:r>
+              <a:rPr lang="en-US" dirty="0"/>
+              <a:t>Rich and powerful!</a:t>
+            </a:r>
+          </a:p>
+          <a:p>
+            <a:r>
+              <a:rPr lang="en-US" dirty="0"/>
+              <a:t>Generally the go-to way to be running PowerShell from .NET</a:t>
+            </a:r>
+          </a:p>
+          <a:p>
+            <a:endParaRPr lang="en-US" dirty="0"/>
+          </a:p>
+        </p:txBody>
+      </p:sp>
+    </p:spTree>
+    <p:extLst>
+      <p:ext uri="{BB962C8B-B14F-4D97-AF65-F5344CB8AC3E}">
+        <p14:creationId xmlns:p14="http://schemas.microsoft.com/office/powerpoint/2010/main" val="1099573083"/>
+      </p:ext>
+    </p:extLst>
+  </p:cSld>
+  <p:clrMapOvr>
+    <a:masterClrMapping/>
+  </p:clrMapOvr>
+  <p:timing>
+    <p:tnLst>
+      <p:par>
+        <p:cTn id="1" dur="indefinite" restart="never" nodeType="tmRoot">
+          <p:childTnLst>
+            <p:seq concurrent="1" nextAc="seek">
+              <p:cTn id="2" dur="indefinite" nodeType="mainSeq">
+                <p:childTnLst>
+                  <p:par>
+                    <p:cTn id="3" fill="hold">
+                      <p:stCondLst>
+                        <p:cond delay="indefinite"/>
+                      </p:stCondLst>
+                      <p:childTnLst>
+                        <p:par>
+                          <p:cTn id="4" fill="hold">
+                            <p:stCondLst>
+                              <p:cond delay="0"/>
+                            </p:stCondLst>
+                            <p:childTnLst>
+                              <p:par>
+                                <p:cTn id="5" presetID="1" presetClass="entr" presetSubtype="0" fill="hold" grpId="0" nodeType="clickEffect">
+                                  <p:stCondLst>
+                                    <p:cond delay="0"/>
+                                  </p:stCondLst>
+                                  <p:childTnLst>
+                                    <p:set>
+                                      <p:cBhvr>
+                                        <p:cTn id="6" dur="1" fill="hold">
+                                          <p:stCondLst>
+                                            <p:cond delay="0"/>
+                                          </p:stCondLst>
+                                        </p:cTn>
+                                        <p:tgtEl>
+                                          <p:spTgt spid="3">
+                                            <p:txEl>
+                                              <p:pRg st="0" end="0"/>
+                                            </p:txEl>
+                                          </p:spTgt>
+                                        </p:tgtEl>
+                                        <p:attrNameLst>
+                                          <p:attrName>style.visibility</p:attrName>
+                                        </p:attrNameLst>
+                                      </p:cBhvr>
+                                      <p:to>
+                                        <p:strVal val="visible"/>
+                                      </p:to>
+                                    </p:set>
+                                  </p:childTnLst>
+                                </p:cTn>
+                              </p:par>
+                            </p:childTnLst>
+                          </p:cTn>
+                        </p:par>
+                      </p:childTnLst>
+                    </p:cTn>
+                  </p:par>
+                  <p:par>
+                    <p:cTn id="7" fill="hold">
+                      <p:stCondLst>
+                        <p:cond delay="indefinite"/>
+                      </p:stCondLst>
+                      <p:childTnLst>
+                        <p:par>
+                          <p:cTn id="8" fill="hold">
+                            <p:stCondLst>
+                              <p:cond delay="0"/>
+                            </p:stCondLst>
+                            <p:childTnLst>
+                              <p:par>
+                                <p:cTn id="9" presetID="1" presetClass="entr" presetSubtype="0" fill="hold" grpId="0" nodeType="clickEffect">
+                                  <p:stCondLst>
+                                    <p:cond delay="0"/>
+                                  </p:stCondLst>
+                                  <p:childTnLst>
+                                    <p:set>
+                                      <p:cBhvr>
+                                        <p:cTn id="10" dur="1" fill="hold">
+                                          <p:stCondLst>
+                                            <p:cond delay="0"/>
+                                          </p:stCondLst>
+                                        </p:cTn>
+                                        <p:tgtEl>
+                                          <p:spTgt spid="3">
+                                            <p:txEl>
+                                              <p:pRg st="1" end="1"/>
+                                            </p:txEl>
+                                          </p:spTgt>
+                                        </p:tgtEl>
+                                        <p:attrNameLst>
+                                          <p:attrName>style.visibility</p:attrName>
+                                        </p:attrNameLst>
+                                      </p:cBhvr>
+                                      <p:to>
+                                        <p:strVal val="visible"/>
+                                      </p:to>
+                                    </p:set>
+                                  </p:childTnLst>
+                                </p:cTn>
+                              </p:par>
+                            </p:childTnLst>
+                          </p:cTn>
+                        </p:par>
+                      </p:childTnLst>
+                    </p:cTn>
+                  </p:par>
+                  <p:par>
+                    <p:cTn id="11" fill="hold">
+                      <p:stCondLst>
+                        <p:cond delay="indefinite"/>
+                      </p:stCondLst>
+                      <p:childTnLst>
+                        <p:par>
+                          <p:cTn id="12" fill="hold">
+                            <p:stCondLst>
+                              <p:cond delay="0"/>
+                            </p:stCondLst>
+                            <p:childTnLst>
+                              <p:par>
+                                <p:cTn id="13" presetID="1" presetClass="entr" presetSubtype="0" fill="hold" grpId="0" nodeType="clickEffect">
+                                  <p:stCondLst>
+                                    <p:cond delay="0"/>
+                                  </p:stCondLst>
+                                  <p:childTnLst>
+                                    <p:set>
+                                      <p:cBhvr>
+                                        <p:cTn id="14" dur="1" fill="hold">
+                                          <p:stCondLst>
+                                            <p:cond delay="0"/>
+                                          </p:stCondLst>
+                                        </p:cTn>
+                                        <p:tgtEl>
+                                          <p:spTgt spid="3">
+                                            <p:txEl>
+                                              <p:pRg st="2" end="2"/>
+                                            </p:txEl>
+                                          </p:spTgt>
+                                        </p:tgtEl>
+                                        <p:attrNameLst>
+                                          <p:attrName>style.visibility</p:attrName>
+                                        </p:attrNameLst>
+                                      </p:cBhvr>
+                                      <p:to>
+                                        <p:strVal val="visible"/>
+                                      </p:to>
+                                    </p:set>
+                                  </p:childTnLst>
+                                </p:cTn>
+                              </p:par>
+                            </p:childTnLst>
+                          </p:cTn>
+                        </p:par>
+                      </p:childTnLst>
+                    </p:cTn>
+                  </p:par>
+                  <p:par>
+                    <p:cTn id="15" fill="hold">
+                      <p:stCondLst>
+                        <p:cond delay="indefinite"/>
+                      </p:stCondLst>
+                      <p:childTnLst>
+                        <p:par>
+                          <p:cTn id="16" fill="hold">
+                            <p:stCondLst>
+                              <p:cond delay="0"/>
+                            </p:stCondLst>
+                            <p:childTnLst>
+                              <p:par>
+                                <p:cTn id="17" presetID="1" presetClass="entr" presetSubtype="0" fill="hold" grpId="0" nodeType="clickEffect">
+                                  <p:stCondLst>
+                                    <p:cond delay="0"/>
+                                  </p:stCondLst>
+                                  <p:childTnLst>
+                                    <p:set>
+                                      <p:cBhvr>
+                                        <p:cTn id="18" dur="1" fill="hold">
+                                          <p:stCondLst>
+                                            <p:cond delay="0"/>
+                                          </p:stCondLst>
+                                        </p:cTn>
+                                        <p:tgtEl>
+                                          <p:spTgt spid="3">
+                                            <p:txEl>
+                                              <p:pRg st="3" end="3"/>
+                                            </p:txEl>
+                                          </p:spTgt>
+                                        </p:tgtEl>
+                                        <p:attrNameLst>
+                                          <p:attrName>style.visibility</p:attrName>
+                                        </p:attrNameLst>
+                                      </p:cBhvr>
+                                      <p:to>
+                                        <p:strVal val="visible"/>
+                                      </p:to>
+                                    </p:set>
+                                  </p:childTnLst>
+                                </p:cTn>
+                              </p:par>
+                            </p:childTnLst>
+                          </p:cTn>
+                        </p:par>
+                      </p:childTnLst>
+                    </p:cTn>
+                  </p:par>
+                </p:childTnLst>
+              </p:cTn>
+              <p:prevCondLst>
+                <p:cond evt="onPrev" delay="0">
+                  <p:tgtEl>
+                    <p:sldTgt/>
+                  </p:tgtEl>
+                </p:cond>
+              </p:prevCondLst>
+              <p:nextCondLst>
+                <p:cond evt="onNext" delay="0">
+                  <p:tgtEl>
+                    <p:sldTgt/>
+                  </p:tgtEl>
+                </p:cond>
+              </p:nextCondLst>
+            </p:seq>
+          </p:childTnLst>
+        </p:cTn>
+      </p:par>
+    </p:tnLst>
+    <p:bldLst>
+      <p:bldP spid="3" grpId="0" build="p"/>
+    </p:bldLst>
+  </p:timing>
+</p:sld>
+</file>
+
+<file path=ppt/slides/slide4.xml><?xml version="1.0" encoding="utf-8"?>
+<p:sld xmlns:a="http://schemas.openxmlformats.org/drawingml/2006/main" xmlns:r="http://schemas.openxmlformats.org/officeDocument/2006/relationships" xmlns:p="http://schemas.openxmlformats.org/presentationml/2006/main">
+  <p:cSld>
+    <p:spTree>
+      <p:nvGrpSpPr>
+        <p:cNvPr id="1" name=""/>
+        <p:cNvGrpSpPr/>
+        <p:nvPr/>
+      </p:nvGrpSpPr>
+      <p:grpSpPr>
+        <a:xfrm>
+          <a:off x="0" y="0"/>
+          <a:ext cx="0" cy="0"/>
+          <a:chOff x="0" y="0"/>
+          <a:chExt cx="0" cy="0"/>
+        </a:xfrm>
+      </p:grpSpPr>
+      <p:sp>
+        <p:nvSpPr>
+          <p:cNvPr id="2" name="Title 1">
+            <a:extLst>
+              <a:ext uri="{FF2B5EF4-FFF2-40B4-BE49-F238E27FC236}">
+                <a16:creationId xmlns:a16="http://schemas.microsoft.com/office/drawing/2014/main" id="{4567CD6E-9918-A044-A326-5C1A81C50655}"/>
+              </a:ext>
+            </a:extLst>
+          </p:cNvPr>
+          <p:cNvSpPr>
+            <a:spLocks noGrp="1"/>
+          </p:cNvSpPr>
+          <p:nvPr>
+            <p:ph type="title"/>
+          </p:nvPr>
+        </p:nvSpPr>
+        <p:spPr/>
+        <p:txBody>
+          <a:bodyPr/>
+          <a:lstStyle/>
+          <a:p>
+            <a:r>
+              <a:rPr lang="en-US" dirty="0"/>
+              <a:t>Why Use the PowerShell API?</a:t>
+            </a:r>
+          </a:p>
+        </p:txBody>
+      </p:sp>
+      <p:sp>
+        <p:nvSpPr>
+          <p:cNvPr id="3" name="Content Placeholder 2">
+            <a:extLst>
+              <a:ext uri="{FF2B5EF4-FFF2-40B4-BE49-F238E27FC236}">
+                <a16:creationId xmlns:a16="http://schemas.microsoft.com/office/drawing/2014/main" id="{871E6D61-27CF-9E41-95E7-550AB323E96F}"/>
+              </a:ext>
+            </a:extLst>
+          </p:cNvPr>
+          <p:cNvSpPr>
+            <a:spLocks noGrp="1"/>
+          </p:cNvSpPr>
+          <p:nvPr>
+            <p:ph idx="1"/>
+          </p:nvPr>
+        </p:nvSpPr>
+        <p:spPr/>
+        <p:txBody>
+          <a:bodyPr/>
+          <a:lstStyle/>
+          <a:p>
+            <a:r>
+              <a:rPr lang="en-US" dirty="0"/>
+              <a:t>Cmdlets</a:t>
+            </a:r>
+          </a:p>
+          <a:p>
+            <a:r>
+              <a:rPr lang="en-US" dirty="0"/>
+              <a:t>PowerShell-aware code that a cmdlet is going to call</a:t>
+            </a:r>
+          </a:p>
+          <a:p>
+            <a:r>
+              <a:rPr lang="en-US" dirty="0"/>
+              <a:t>Applications that rehost PowerShell</a:t>
+            </a:r>
+          </a:p>
+          <a:p>
+            <a:r>
+              <a:rPr lang="en-US" dirty="0"/>
+              <a:t>A PowerShell “Host”</a:t>
+            </a:r>
+          </a:p>
+          <a:p>
+            <a:r>
+              <a:rPr lang="en-US" dirty="0"/>
+              <a:t>Calling .NET from PowerShell </a:t>
+            </a:r>
+            <a:r>
+              <a:rPr lang="en-US" dirty="0">
+                <a:sym typeface="Wingdings" panose="05000000000000000000" pitchFamily="2" charset="2"/>
+              </a:rPr>
+              <a:t> calling PowerShell from .NET…</a:t>
+            </a:r>
+            <a:endParaRPr lang="en-US" dirty="0"/>
+          </a:p>
+        </p:txBody>
+      </p:sp>
+    </p:spTree>
+    <p:extLst>
+      <p:ext uri="{BB962C8B-B14F-4D97-AF65-F5344CB8AC3E}">
+        <p14:creationId xmlns:p14="http://schemas.microsoft.com/office/powerpoint/2010/main" val="4118876301"/>
+      </p:ext>
+    </p:extLst>
+  </p:cSld>
+  <p:clrMapOvr>
+    <a:masterClrMapping/>
+  </p:clrMapOvr>
+  <p:timing>
+    <p:tnLst>
+      <p:par>
+        <p:cTn id="1" dur="indefinite" restart="never" nodeType="tmRoot">
+          <p:childTnLst>
+            <p:seq concurrent="1" nextAc="seek">
+              <p:cTn id="2" dur="indefinite" nodeType="mainSeq">
+                <p:childTnLst>
+                  <p:par>
+                    <p:cTn id="3" fill="hold">
+                      <p:stCondLst>
+                        <p:cond delay="indefinite"/>
+                      </p:stCondLst>
+                      <p:childTnLst>
+                        <p:par>
+                          <p:cTn id="4" fill="hold">
+                            <p:stCondLst>
+                              <p:cond delay="0"/>
+                            </p:stCondLst>
+                            <p:childTnLst>
+                              <p:par>
+                                <p:cTn id="5" presetID="1" presetClass="entr" presetSubtype="0" fill="hold" grpId="0" nodeType="clickEffect">
+                                  <p:stCondLst>
+                                    <p:cond delay="0"/>
+                                  </p:stCondLst>
+                                  <p:childTnLst>
+                                    <p:set>
+                                      <p:cBhvr>
+                                        <p:cTn id="6" dur="1" fill="hold">
+                                          <p:stCondLst>
+                                            <p:cond delay="0"/>
+                                          </p:stCondLst>
+                                        </p:cTn>
+                                        <p:tgtEl>
+                                          <p:spTgt spid="3">
+                                            <p:txEl>
+                                              <p:pRg st="0" end="0"/>
+                                            </p:txEl>
+                                          </p:spTgt>
+                                        </p:tgtEl>
+                                        <p:attrNameLst>
+                                          <p:attrName>style.visibility</p:attrName>
+                                        </p:attrNameLst>
+                                      </p:cBhvr>
+                                      <p:to>
+                                        <p:strVal val="visible"/>
+                                      </p:to>
+                                    </p:set>
+                                  </p:childTnLst>
+                                </p:cTn>
+                              </p:par>
+                            </p:childTnLst>
+                          </p:cTn>
+                        </p:par>
+                      </p:childTnLst>
+                    </p:cTn>
+                  </p:par>
+                  <p:par>
+                    <p:cTn id="7" fill="hold">
+                      <p:stCondLst>
+                        <p:cond delay="indefinite"/>
+                      </p:stCondLst>
+                      <p:childTnLst>
+                        <p:par>
+                          <p:cTn id="8" fill="hold">
+                            <p:stCondLst>
+                              <p:cond delay="0"/>
+                            </p:stCondLst>
+                            <p:childTnLst>
+                              <p:par>
+                                <p:cTn id="9" presetID="1" presetClass="entr" presetSubtype="0" fill="hold" grpId="0" nodeType="clickEffect">
+                                  <p:stCondLst>
+                                    <p:cond delay="0"/>
+                                  </p:stCondLst>
+                                  <p:childTnLst>
+                                    <p:set>
+                                      <p:cBhvr>
+                                        <p:cTn id="10" dur="1" fill="hold">
+                                          <p:stCondLst>
+                                            <p:cond delay="0"/>
+                                          </p:stCondLst>
+                                        </p:cTn>
+                                        <p:tgtEl>
+                                          <p:spTgt spid="3">
+                                            <p:txEl>
+                                              <p:pRg st="1" end="1"/>
+                                            </p:txEl>
+                                          </p:spTgt>
+                                        </p:tgtEl>
+                                        <p:attrNameLst>
+                                          <p:attrName>style.visibility</p:attrName>
+                                        </p:attrNameLst>
+                                      </p:cBhvr>
+                                      <p:to>
+                                        <p:strVal val="visible"/>
+                                      </p:to>
+                                    </p:set>
+                                  </p:childTnLst>
+                                </p:cTn>
+                              </p:par>
+                            </p:childTnLst>
+                          </p:cTn>
+                        </p:par>
+                      </p:childTnLst>
+                    </p:cTn>
+                  </p:par>
+                  <p:par>
+                    <p:cTn id="11" fill="hold">
+                      <p:stCondLst>
+                        <p:cond delay="indefinite"/>
+                      </p:stCondLst>
+                      <p:childTnLst>
+                        <p:par>
+                          <p:cTn id="12" fill="hold">
+                            <p:stCondLst>
+                              <p:cond delay="0"/>
+                            </p:stCondLst>
+                            <p:childTnLst>
+                              <p:par>
+                                <p:cTn id="13" presetID="1" presetClass="entr" presetSubtype="0" fill="hold" grpId="0" nodeType="clickEffect">
+                                  <p:stCondLst>
+                                    <p:cond delay="0"/>
+                                  </p:stCondLst>
+                                  <p:childTnLst>
+                                    <p:set>
+                                      <p:cBhvr>
+                                        <p:cTn id="14" dur="1" fill="hold">
+                                          <p:stCondLst>
+                                            <p:cond delay="0"/>
+                                          </p:stCondLst>
+                                        </p:cTn>
+                                        <p:tgtEl>
+                                          <p:spTgt spid="3">
+                                            <p:txEl>
+                                              <p:pRg st="2" end="2"/>
+                                            </p:txEl>
+                                          </p:spTgt>
+                                        </p:tgtEl>
+                                        <p:attrNameLst>
+                                          <p:attrName>style.visibility</p:attrName>
+                                        </p:attrNameLst>
+                                      </p:cBhvr>
+                                      <p:to>
+                                        <p:strVal val="visible"/>
+                                      </p:to>
+                                    </p:set>
+                                  </p:childTnLst>
+                                </p:cTn>
+                              </p:par>
+                            </p:childTnLst>
+                          </p:cTn>
+                        </p:par>
+                      </p:childTnLst>
+                    </p:cTn>
+                  </p:par>
+                  <p:par>
+                    <p:cTn id="15" fill="hold">
+                      <p:stCondLst>
+                        <p:cond delay="indefinite"/>
+                      </p:stCondLst>
+                      <p:childTnLst>
+                        <p:par>
+                          <p:cTn id="16" fill="hold">
+                            <p:stCondLst>
+                              <p:cond delay="0"/>
+                            </p:stCondLst>
+                            <p:childTnLst>
+                              <p:par>
+                                <p:cTn id="17" presetID="1" presetClass="entr" presetSubtype="0" fill="hold" grpId="0" nodeType="clickEffect">
+                                  <p:stCondLst>
+                                    <p:cond delay="0"/>
+                                  </p:stCondLst>
+                                  <p:childTnLst>
+                                    <p:set>
+                                      <p:cBhvr>
+                                        <p:cTn id="18" dur="1" fill="hold">
+                                          <p:stCondLst>
+                                            <p:cond delay="0"/>
+                                          </p:stCondLst>
+                                        </p:cTn>
+                                        <p:tgtEl>
+                                          <p:spTgt spid="3">
+                                            <p:txEl>
+                                              <p:pRg st="3" end="3"/>
+                                            </p:txEl>
+                                          </p:spTgt>
+                                        </p:tgtEl>
+                                        <p:attrNameLst>
+                                          <p:attrName>style.visibility</p:attrName>
+                                        </p:attrNameLst>
+                                      </p:cBhvr>
+                                      <p:to>
+                                        <p:strVal val="visible"/>
+                                      </p:to>
+                                    </p:set>
+                                  </p:childTnLst>
+                                </p:cTn>
+                              </p:par>
+                            </p:childTnLst>
+                          </p:cTn>
+                        </p:par>
+                      </p:childTnLst>
+                    </p:cTn>
+                  </p:par>
+                  <p:par>
+                    <p:cTn id="19" fill="hold">
+                      <p:stCondLst>
+                        <p:cond delay="indefinite"/>
+                      </p:stCondLst>
+                      <p:childTnLst>
+                        <p:par>
+                          <p:cTn id="20" fill="hold">
+                            <p:stCondLst>
+                              <p:cond delay="0"/>
+                            </p:stCondLst>
+                            <p:childTnLst>
+                              <p:par>
+                                <p:cTn id="21" presetID="1" presetClass="entr" presetSubtype="0" fill="hold" grpId="0" nodeType="clickEffect">
+                                  <p:stCondLst>
+                                    <p:cond delay="0"/>
+                                  </p:stCondLst>
+                                  <p:childTnLst>
+                                    <p:set>
+                                      <p:cBhvr>
+                                        <p:cTn id="22" dur="1" fill="hold">
+                                          <p:stCondLst>
+                                            <p:cond delay="0"/>
+                                          </p:stCondLst>
+                                        </p:cTn>
+                                        <p:tgtEl>
+                                          <p:spTgt spid="3">
+                                            <p:txEl>
+                                              <p:pRg st="4" end="4"/>
+                                            </p:txEl>
+                                          </p:spTgt>
+                                        </p:tgtEl>
+                                        <p:attrNameLst>
+                                          <p:attrName>style.visibility</p:attrName>
+                                        </p:attrNameLst>
+                                      </p:cBhvr>
+                                      <p:to>
+                                        <p:strVal val="visible"/>
+                                      </p:to>
+                                    </p:set>
+                                  </p:childTnLst>
+                                </p:cTn>
+                              </p:par>
+                            </p:childTnLst>
+                          </p:cTn>
+                        </p:par>
+                      </p:childTnLst>
+                    </p:cTn>
+                  </p:par>
+                </p:childTnLst>
+              </p:cTn>
+              <p:prevCondLst>
+                <p:cond evt="onPrev" delay="0">
+                  <p:tgtEl>
+                    <p:sldTgt/>
+                  </p:tgtEl>
+                </p:cond>
+              </p:prevCondLst>
+              <p:nextCondLst>
+                <p:cond evt="onNext" delay="0">
+                  <p:tgtEl>
+                    <p:sldTgt/>
+                  </p:tgtEl>
+                </p:cond>
+              </p:nextCondLst>
+            </p:seq>
+          </p:childTnLst>
+        </p:cTn>
+      </p:par>
+    </p:tnLst>
+    <p:bldLst>
+      <p:bldP spid="3" grpId="0" build="p"/>
+    </p:bldLst>
+  </p:timing>
+</p:sld>
+</file>
+
+<file path=ppt/slides/slide5.xml><?xml version="1.0" encoding="utf-8"?>
+<p:sld xmlns:a="http://schemas.openxmlformats.org/drawingml/2006/main" xmlns:r="http://schemas.openxmlformats.org/officeDocument/2006/relationships" xmlns:p="http://schemas.openxmlformats.org/presentationml/2006/main">
+  <p:cSld>
+    <p:spTree>
+      <p:nvGrpSpPr>
+        <p:cNvPr id="1" name=""/>
+        <p:cNvGrpSpPr/>
+        <p:nvPr/>
+      </p:nvGrpSpPr>
+      <p:grpSpPr>
+        <a:xfrm>
+          <a:off x="0" y="0"/>
+          <a:ext cx="0" cy="0"/>
+          <a:chOff x="0" y="0"/>
+          <a:chExt cx="0" cy="0"/>
+        </a:xfrm>
+      </p:grpSpPr>
+      <p:sp>
+        <p:nvSpPr>
+          <p:cNvPr id="2" name="Title 1">
+            <a:extLst>
+              <a:ext uri="{FF2B5EF4-FFF2-40B4-BE49-F238E27FC236}">
+                <a16:creationId xmlns:a16="http://schemas.microsoft.com/office/drawing/2014/main" id="{4567CD6E-9918-A044-A326-5C1A81C50655}"/>
+              </a:ext>
+            </a:extLst>
+          </p:cNvPr>
+          <p:cNvSpPr>
+            <a:spLocks noGrp="1"/>
+          </p:cNvSpPr>
+          <p:nvPr>
+            <p:ph type="title"/>
+          </p:nvPr>
+        </p:nvSpPr>
+        <p:spPr/>
+        <p:txBody>
+          <a:bodyPr/>
+          <a:lstStyle/>
+          <a:p>
+            <a:r>
+              <a:rPr lang="en-US" dirty="0"/>
+              <a:t>Coding!</a:t>
+            </a:r>
+          </a:p>
+        </p:txBody>
+      </p:sp>
+      <p:sp>
+        <p:nvSpPr>
+          <p:cNvPr id="3" name="Content Placeholder 2">
+            <a:extLst>
+              <a:ext uri="{FF2B5EF4-FFF2-40B4-BE49-F238E27FC236}">
+                <a16:creationId xmlns:a16="http://schemas.microsoft.com/office/drawing/2014/main" id="{871E6D61-27CF-9E41-95E7-550AB323E96F}"/>
+              </a:ext>
+            </a:extLst>
+          </p:cNvPr>
+          <p:cNvSpPr>
+            <a:spLocks noGrp="1"/>
+          </p:cNvSpPr>
+          <p:nvPr>
+            <p:ph idx="1"/>
+          </p:nvPr>
+        </p:nvSpPr>
+        <p:spPr/>
+        <p:txBody>
+          <a:bodyPr/>
+          <a:lstStyle/>
+          <a:p>
+            <a:endParaRPr lang="en-US" dirty="0"/>
+          </a:p>
+        </p:txBody>
+      </p:sp>
+    </p:spTree>
+    <p:extLst>
+      <p:ext uri="{BB962C8B-B14F-4D97-AF65-F5344CB8AC3E}">
+        <p14:creationId xmlns:p14="http://schemas.microsoft.com/office/powerpoint/2010/main" val="3381827325"/>
+      </p:ext>
+    </p:extLst>
+  </p:cSld>
+  <p:clrMapOvr>
+    <a:masterClrMapping/>
+  </p:clrMapOvr>
+  <p:timing>
+    <p:tnLst>
+      <p:par>
+        <p:cTn id="1" dur="indefinite" restart="never" nodeType="tmRoot">
+          <p:childTnLst>
+            <p:seq concurrent="1" nextAc="seek">
+              <p:cTn id="2" dur="indefinite" nodeType="mainSeq">
+                <p:childTnLst>
+                  <p:par>
+                    <p:cTn id="3" fill="hold">
+                      <p:stCondLst>
+                        <p:cond delay="indefinite"/>
+                      </p:stCondLst>
+                      <p:childTnLst>
+                        <p:par>
+                          <p:cTn id="4" fill="hold">
+                            <p:stCondLst>
+                              <p:cond delay="0"/>
+                            </p:stCondLst>
+                            <p:childTnLst>
+                              <p:par>
+                                <p:cTn id="5" presetID="1" presetClass="entr" presetSubtype="0" fill="hold" grpId="0" nodeType="clickEffect" nodePh="1">
+                                  <p:stCondLst>
+                                    <p:cond delay="0"/>
+                                  </p:stCondLst>
+                                  <p:endCondLst>
+                                    <p:cond evt="begin" delay="0">
+                                      <p:tn val="5"/>
+                                    </p:cond>
+                                  </p:endCondLst>
+                                  <p:childTnLst>
+                                    <p:set>
+                                      <p:cBhvr>
+                                        <p:cTn id="6" dur="1" fill="hold">
+                                          <p:stCondLst>
+                                            <p:cond delay="0"/>
+                                          </p:stCondLst>
+                                        </p:cTn>
+                                        <p:tgtEl>
+                                          <p:spTgt spid="3">
+                                            <p:txEl>
+                                              <p:pRg st="0" end="0"/>
+                                            </p:txEl>
+                                          </p:spTgt>
+                                        </p:tgtEl>
+                                        <p:attrNameLst>
+                                          <p:attrName>style.visibility</p:attrName>
+                                        </p:attrNameLst>
+                                      </p:cBhvr>
+                                      <p:to>
+                                        <p:strVal val="visible"/>
+                                      </p:to>
+                                    </p:set>
+                                  </p:childTnLst>
+                                </p:cTn>
+                              </p:par>
+                            </p:childTnLst>
+                          </p:cTn>
+                        </p:par>
+                      </p:childTnLst>
+                    </p:cTn>
+                  </p:par>
+                </p:childTnLst>
+              </p:cTn>
+              <p:prevCondLst>
+                <p:cond evt="onPrev" delay="0">
+                  <p:tgtEl>
+                    <p:sldTgt/>
+                  </p:tgtEl>
+                </p:cond>
+              </p:prevCondLst>
+              <p:nextCondLst>
+                <p:cond evt="onNext" delay="0">
+                  <p:tgtEl>
+                    <p:sldTgt/>
+                  </p:tgtEl>
+                </p:cond>
+              </p:nextCondLst>
+            </p:seq>
+          </p:childTnLst>
+        </p:cTn>
+      </p:par>
+    </p:tnLst>
+    <p:bldLst>
+      <p:bldP spid="3" grpId="0" build="p"/>
+    </p:bldLst>
+  </p:timing>
+</p:sld>
+</file>
+
+<file path=ppt/slides/slide6.xml><?xml version="1.0" encoding="utf-8"?>
+<p:sld xmlns:a="http://schemas.openxmlformats.org/drawingml/2006/main" xmlns:r="http://schemas.openxmlformats.org/officeDocument/2006/relationships" xmlns:p="http://schemas.openxmlformats.org/presentationml/2006/main" show="0">
+  <p:cSld>
+    <p:spTree>
+      <p:nvGrpSpPr>
+        <p:cNvPr id="1" name=""/>
+        <p:cNvGrpSpPr/>
+        <p:nvPr/>
+      </p:nvGrpSpPr>
+      <p:grpSpPr>
+        <a:xfrm>
+          <a:off x="0" y="0"/>
+          <a:ext cx="0" cy="0"/>
+          <a:chOff x="0" y="0"/>
+          <a:chExt cx="0" cy="0"/>
+        </a:xfrm>
+      </p:grpSpPr>
+      <p:sp>
+        <p:nvSpPr>
+          <p:cNvPr id="2" name="Title 1">
+            <a:extLst>
+              <a:ext uri="{FF2B5EF4-FFF2-40B4-BE49-F238E27FC236}">
+                <a16:creationId xmlns:a16="http://schemas.microsoft.com/office/drawing/2014/main" id="{4567CD6E-9918-A044-A326-5C1A81C50655}"/>
+              </a:ext>
+            </a:extLst>
+          </p:cNvPr>
+          <p:cNvSpPr>
+            <a:spLocks noGrp="1"/>
+          </p:cNvSpPr>
+          <p:nvPr>
+            <p:ph type="title"/>
+          </p:nvPr>
+        </p:nvSpPr>
+        <p:spPr/>
+        <p:txBody>
+          <a:bodyPr/>
+          <a:lstStyle/>
+          <a:p>
+            <a:r>
+              <a:rPr lang="en-US" dirty="0"/>
+              <a:t>Output and Input</a:t>
+            </a:r>
+          </a:p>
+        </p:txBody>
+      </p:sp>
+      <p:sp>
+        <p:nvSpPr>
+          <p:cNvPr id="3" name="Content Placeholder 2">
+            <a:extLst>
+              <a:ext uri="{FF2B5EF4-FFF2-40B4-BE49-F238E27FC236}">
+                <a16:creationId xmlns:a16="http://schemas.microsoft.com/office/drawing/2014/main" id="{871E6D61-27CF-9E41-95E7-550AB323E96F}"/>
+              </a:ext>
+            </a:extLst>
+          </p:cNvPr>
+          <p:cNvSpPr>
+            <a:spLocks noGrp="1"/>
+          </p:cNvSpPr>
+          <p:nvPr>
+            <p:ph idx="1"/>
+          </p:nvPr>
+        </p:nvSpPr>
+        <p:spPr/>
+        <p:txBody>
+          <a:bodyPr/>
+          <a:lstStyle/>
+          <a:p>
+            <a:r>
+              <a:rPr lang="en-US" dirty="0"/>
+              <a:t>Output and strong typing</a:t>
+            </a:r>
+          </a:p>
+          <a:p>
+            <a:r>
+              <a:rPr lang="en-US" dirty="0"/>
+              <a:t>Supplying </a:t>
+            </a:r>
+            <a:r>
+              <a:rPr lang="en-US" dirty="0" err="1"/>
+              <a:t>args</a:t>
+            </a:r>
+            <a:r>
+              <a:rPr lang="en-US" dirty="0"/>
+              <a:t> and input</a:t>
+            </a:r>
+          </a:p>
+        </p:txBody>
+      </p:sp>
+    </p:spTree>
+    <p:extLst>
+      <p:ext uri="{BB962C8B-B14F-4D97-AF65-F5344CB8AC3E}">
+        <p14:creationId xmlns:p14="http://schemas.microsoft.com/office/powerpoint/2010/main" val="3208746389"/>
+      </p:ext>
+    </p:extLst>
+  </p:cSld>
+  <p:clrMapOvr>
+    <a:masterClrMapping/>
+  </p:clrMapOvr>
+  <p:timing>
+    <p:tnLst>
+      <p:par>
+        <p:cTn id="1" dur="indefinite" restart="never" nodeType="tmRoot">
+          <p:childTnLst>
+            <p:seq concurrent="1" nextAc="seek">
+              <p:cTn id="2" dur="indefinite" nodeType="mainSeq">
+                <p:childTnLst>
+                  <p:par>
+                    <p:cTn id="3" fill="hold">
+                      <p:stCondLst>
+                        <p:cond delay="indefinite"/>
+                      </p:stCondLst>
+                      <p:childTnLst>
+                        <p:par>
+                          <p:cTn id="4" fill="hold">
+                            <p:stCondLst>
+                              <p:cond delay="0"/>
+                            </p:stCondLst>
+                            <p:childTnLst>
+                              <p:par>
+                                <p:cTn id="5" presetID="1" presetClass="entr" presetSubtype="0" fill="hold" grpId="0" nodeType="clickEffect">
+                                  <p:stCondLst>
+                                    <p:cond delay="0"/>
+                                  </p:stCondLst>
+                                  <p:childTnLst>
+                                    <p:set>
+                                      <p:cBhvr>
+                                        <p:cTn id="6" dur="1" fill="hold">
+                                          <p:stCondLst>
+                                            <p:cond delay="0"/>
+                                          </p:stCondLst>
+                                        </p:cTn>
+                                        <p:tgtEl>
+                                          <p:spTgt spid="3">
+                                            <p:txEl>
+                                              <p:pRg st="0" end="0"/>
+                                            </p:txEl>
+                                          </p:spTgt>
+                                        </p:tgtEl>
+                                        <p:attrNameLst>
+                                          <p:attrName>style.visibility</p:attrName>
+                                        </p:attrNameLst>
+                                      </p:cBhvr>
+                                      <p:to>
+                                        <p:strVal val="visible"/>
+                                      </p:to>
+                                    </p:set>
+                                  </p:childTnLst>
+                                </p:cTn>
+                              </p:par>
+                            </p:childTnLst>
+                          </p:cTn>
+                        </p:par>
+                      </p:childTnLst>
+                    </p:cTn>
+                  </p:par>
+                  <p:par>
+                    <p:cTn id="7" fill="hold">
+                      <p:stCondLst>
+                        <p:cond delay="indefinite"/>
+                      </p:stCondLst>
+                      <p:childTnLst>
+                        <p:par>
+                          <p:cTn id="8" fill="hold">
+                            <p:stCondLst>
+                              <p:cond delay="0"/>
+                            </p:stCondLst>
+                            <p:childTnLst>
+                              <p:par>
+                                <p:cTn id="9" presetID="1" presetClass="entr" presetSubtype="0" fill="hold" grpId="0" nodeType="clickEffect">
+                                  <p:stCondLst>
+                                    <p:cond delay="0"/>
+                                  </p:stCondLst>
+                                  <p:childTnLst>
+                                    <p:set>
+                                      <p:cBhvr>
+                                        <p:cTn id="10" dur="1" fill="hold">
+                                          <p:stCondLst>
+                                            <p:cond delay="0"/>
+                                          </p:stCondLst>
+                                        </p:cTn>
+                                        <p:tgtEl>
+                                          <p:spTgt spid="3">
+                                            <p:txEl>
+                                              <p:pRg st="1" end="1"/>
+                                            </p:txEl>
+                                          </p:spTgt>
+                                        </p:tgtEl>
+                                        <p:attrNameLst>
+                                          <p:attrName>style.visibility</p:attrName>
+                                        </p:attrNameLst>
+                                      </p:cBhvr>
+                                      <p:to>
+                                        <p:strVal val="visible"/>
+                                      </p:to>
+                                    </p:set>
+                                  </p:childTnLst>
+                                </p:cTn>
+                              </p:par>
+                            </p:childTnLst>
+                          </p:cTn>
+                        </p:par>
+                      </p:childTnLst>
+                    </p:cTn>
+                  </p:par>
+                </p:childTnLst>
+              </p:cTn>
+              <p:prevCondLst>
+                <p:cond evt="onPrev" delay="0">
+                  <p:tgtEl>
+                    <p:sldTgt/>
+                  </p:tgtEl>
+                </p:cond>
+              </p:prevCondLst>
+              <p:nextCondLst>
+                <p:cond evt="onNext" delay="0">
+                  <p:tgtEl>
+                    <p:sldTgt/>
+                  </p:tgtEl>
+                </p:cond>
+              </p:nextCondLst>
+            </p:seq>
+          </p:childTnLst>
+        </p:cTn>
+      </p:par>
+    </p:tnLst>
+    <p:bldLst>
+      <p:bldP spid="3" grpId="0" build="p"/>
+    </p:bldLst>
+  </p:timing>
+</p:sld>
+</file>
+
+<file path=ppt/slides/slide7.xml><?xml version="1.0" encoding="utf-8"?>
+<p:sld xmlns:a="http://schemas.openxmlformats.org/drawingml/2006/main" xmlns:r="http://schemas.openxmlformats.org/officeDocument/2006/relationships" xmlns:p="http://schemas.openxmlformats.org/presentationml/2006/main" show="0">
+  <p:cSld>
+    <p:spTree>
+      <p:nvGrpSpPr>
+        <p:cNvPr id="1" name=""/>
+        <p:cNvGrpSpPr/>
+        <p:nvPr/>
+      </p:nvGrpSpPr>
+      <p:grpSpPr>
+        <a:xfrm>
+          <a:off x="0" y="0"/>
+          <a:ext cx="0" cy="0"/>
+          <a:chOff x="0" y="0"/>
+          <a:chExt cx="0" cy="0"/>
+        </a:xfrm>
+      </p:grpSpPr>
+      <p:sp>
+        <p:nvSpPr>
+          <p:cNvPr id="2" name="Title 1">
+            <a:extLst>
+              <a:ext uri="{FF2B5EF4-FFF2-40B4-BE49-F238E27FC236}">
+                <a16:creationId xmlns:a16="http://schemas.microsoft.com/office/drawing/2014/main" id="{4567CD6E-9918-A044-A326-5C1A81C50655}"/>
+              </a:ext>
+            </a:extLst>
+          </p:cNvPr>
+          <p:cNvSpPr>
+            <a:spLocks noGrp="1"/>
+          </p:cNvSpPr>
+          <p:nvPr>
+            <p:ph type="title"/>
+          </p:nvPr>
+        </p:nvSpPr>
+        <p:spPr/>
+        <p:txBody>
+          <a:bodyPr/>
+          <a:lstStyle/>
+          <a:p>
+            <a:r>
+              <a:rPr lang="en-US" dirty="0"/>
+              <a:t>Pipeline and statement composition</a:t>
+            </a:r>
+          </a:p>
+        </p:txBody>
+      </p:sp>
+      <p:sp>
+        <p:nvSpPr>
+          <p:cNvPr id="3" name="Content Placeholder 2">
+            <a:extLst>
+              <a:ext uri="{FF2B5EF4-FFF2-40B4-BE49-F238E27FC236}">
+                <a16:creationId xmlns:a16="http://schemas.microsoft.com/office/drawing/2014/main" id="{871E6D61-27CF-9E41-95E7-550AB323E96F}"/>
+              </a:ext>
+            </a:extLst>
+          </p:cNvPr>
+          <p:cNvSpPr>
+            <a:spLocks noGrp="1"/>
+          </p:cNvSpPr>
+          <p:nvPr>
+            <p:ph idx="1"/>
+          </p:nvPr>
+        </p:nvSpPr>
+        <p:spPr/>
+        <p:txBody>
+          <a:bodyPr/>
+          <a:lstStyle/>
+          <a:p>
+            <a:r>
+              <a:rPr lang="en-US" dirty="0"/>
+              <a:t>Using the PowerShell API to pipe commands to each other</a:t>
+            </a:r>
+          </a:p>
+          <a:p>
+            <a:r>
+              <a:rPr lang="en-US" dirty="0"/>
+              <a:t>Using </a:t>
+            </a:r>
+            <a:r>
+              <a:rPr lang="en-US" dirty="0" err="1"/>
+              <a:t>AddStatement</a:t>
+            </a:r>
+            <a:r>
+              <a:rPr lang="en-US" dirty="0"/>
+              <a:t>() to… add statements</a:t>
+            </a:r>
+          </a:p>
+          <a:p>
+            <a:r>
+              <a:rPr lang="en-US" dirty="0"/>
+              <a:t>Be aware about reuse and </a:t>
+            </a:r>
+            <a:r>
+              <a:rPr lang="en-US" dirty="0" err="1"/>
+              <a:t>statefulness</a:t>
+            </a:r>
+            <a:r>
+              <a:rPr lang="en-US" dirty="0"/>
+              <a:t>: </a:t>
+            </a:r>
+            <a:r>
+              <a:rPr lang="en-US" dirty="0" err="1"/>
+              <a:t>powershell.Commands.Clear</a:t>
+            </a:r>
+            <a:r>
+              <a:rPr lang="en-US" dirty="0"/>
+              <a:t>()</a:t>
+            </a:r>
+          </a:p>
+        </p:txBody>
+      </p:sp>
+    </p:spTree>
+    <p:extLst>
+      <p:ext uri="{BB962C8B-B14F-4D97-AF65-F5344CB8AC3E}">
+        <p14:creationId xmlns:p14="http://schemas.microsoft.com/office/powerpoint/2010/main" val="4161844132"/>
+      </p:ext>
+    </p:extLst>
+  </p:cSld>
+  <p:clrMapOvr>
+    <a:masterClrMapping/>
+  </p:clrMapOvr>
+  <p:timing>
+    <p:tnLst>
+      <p:par>
+        <p:cTn id="1" dur="indefinite" restart="never" nodeType="tmRoot">
+          <p:childTnLst>
+            <p:seq concurrent="1" nextAc="seek">
+              <p:cTn id="2" dur="indefinite" nodeType="mainSeq">
+                <p:childTnLst>
+                  <p:par>
+                    <p:cTn id="3" fill="hold">
+                      <p:stCondLst>
+                        <p:cond delay="indefinite"/>
+                      </p:stCondLst>
+                      <p:childTnLst>
+                        <p:par>
+                          <p:cTn id="4" fill="hold">
+                            <p:stCondLst>
+                              <p:cond delay="0"/>
+                            </p:stCondLst>
+                            <p:childTnLst>
+                              <p:par>
+                                <p:cTn id="5" presetID="1" presetClass="entr" presetSubtype="0" fill="hold" grpId="0" nodeType="clickEffect">
+                                  <p:stCondLst>
+                                    <p:cond delay="0"/>
+                                  </p:stCondLst>
+                                  <p:childTnLst>
+                                    <p:set>
+                                      <p:cBhvr>
+                                        <p:cTn id="6" dur="1" fill="hold">
+                                          <p:stCondLst>
+                                            <p:cond delay="0"/>
+                                          </p:stCondLst>
+                                        </p:cTn>
+                                        <p:tgtEl>
+                                          <p:spTgt spid="3">
+                                            <p:txEl>
+                                              <p:pRg st="0" end="0"/>
+                                            </p:txEl>
+                                          </p:spTgt>
+                                        </p:tgtEl>
+                                        <p:attrNameLst>
+                                          <p:attrName>style.visibility</p:attrName>
+                                        </p:attrNameLst>
+                                      </p:cBhvr>
+                                      <p:to>
+                                        <p:strVal val="visible"/>
+                                      </p:to>
+                                    </p:set>
+                                  </p:childTnLst>
+                                </p:cTn>
+                              </p:par>
+                            </p:childTnLst>
+                          </p:cTn>
+                        </p:par>
+                      </p:childTnLst>
+                    </p:cTn>
+                  </p:par>
+                  <p:par>
+                    <p:cTn id="7" fill="hold">
+                      <p:stCondLst>
+                        <p:cond delay="indefinite"/>
+                      </p:stCondLst>
+                      <p:childTnLst>
+                        <p:par>
+                          <p:cTn id="8" fill="hold">
+                            <p:stCondLst>
+                              <p:cond delay="0"/>
+                            </p:stCondLst>
+                            <p:childTnLst>
+                              <p:par>
+                                <p:cTn id="9" presetID="1" presetClass="entr" presetSubtype="0" fill="hold" grpId="0" nodeType="clickEffect">
+                                  <p:stCondLst>
+                                    <p:cond delay="0"/>
+                                  </p:stCondLst>
+                                  <p:childTnLst>
+                                    <p:set>
+                                      <p:cBhvr>
+                                        <p:cTn id="10" dur="1" fill="hold">
+                                          <p:stCondLst>
+                                            <p:cond delay="0"/>
+                                          </p:stCondLst>
+                                        </p:cTn>
+                                        <p:tgtEl>
+                                          <p:spTgt spid="3">
+                                            <p:txEl>
+                                              <p:pRg st="1" end="1"/>
+                                            </p:txEl>
+                                          </p:spTgt>
+                                        </p:tgtEl>
+                                        <p:attrNameLst>
+                                          <p:attrName>style.visibility</p:attrName>
+                                        </p:attrNameLst>
+                                      </p:cBhvr>
+                                      <p:to>
+                                        <p:strVal val="visible"/>
+                                      </p:to>
+                                    </p:set>
+                                  </p:childTnLst>
+                                </p:cTn>
+                              </p:par>
+                            </p:childTnLst>
+                          </p:cTn>
+                        </p:par>
+                      </p:childTnLst>
+                    </p:cTn>
+                  </p:par>
+                  <p:par>
+                    <p:cTn id="11" fill="hold">
+                      <p:stCondLst>
+                        <p:cond delay="indefinite"/>
+                      </p:stCondLst>
+                      <p:childTnLst>
+                        <p:par>
+                          <p:cTn id="12" fill="hold">
+                            <p:stCondLst>
+                              <p:cond delay="0"/>
+                            </p:stCondLst>
+                            <p:childTnLst>
+                              <p:par>
+                                <p:cTn id="13" presetID="1" presetClass="entr" presetSubtype="0" fill="hold" grpId="0" nodeType="clickEffect">
+                                  <p:stCondLst>
+                                    <p:cond delay="0"/>
+                                  </p:stCondLst>
+                                  <p:childTnLst>
+                                    <p:set>
+                                      <p:cBhvr>
+                                        <p:cTn id="14" dur="1" fill="hold">
+                                          <p:stCondLst>
+                                            <p:cond delay="0"/>
+                                          </p:stCondLst>
+                                        </p:cTn>
+                                        <p:tgtEl>
+                                          <p:spTgt spid="3">
+                                            <p:txEl>
+                                              <p:pRg st="2" end="2"/>
+                                            </p:txEl>
+                                          </p:spTgt>
+                                        </p:tgtEl>
+                                        <p:attrNameLst>
+                                          <p:attrName>style.visibility</p:attrName>
+                                        </p:attrNameLst>
+                                      </p:cBhvr>
+                                      <p:to>
+                                        <p:strVal val="visible"/>
+                                      </p:to>
+                                    </p:set>
+                                  </p:childTnLst>
+                                </p:cTn>
+                              </p:par>
+                            </p:childTnLst>
+                          </p:cTn>
+                        </p:par>
+                      </p:childTnLst>
+                    </p:cTn>
+                  </p:par>
+                </p:childTnLst>
+              </p:cTn>
+              <p:prevCondLst>
+                <p:cond evt="onPrev" delay="0">
+                  <p:tgtEl>
+                    <p:sldTgt/>
+                  </p:tgtEl>
+                </p:cond>
+              </p:prevCondLst>
+              <p:nextCondLst>
+                <p:cond evt="onNext" delay="0">
+                  <p:tgtEl>
+                    <p:sldTgt/>
+                  </p:tgtEl>
+                </p:cond>
+              </p:nextCondLst>
+            </p:seq>
+          </p:childTnLst>
+        </p:cTn>
+      </p:par>
+    </p:tnLst>
+    <p:bldLst>
+      <p:bldP spid="3" grpId="0" build="p"/>
+    </p:bldLst>
+  </p:timing>
+</p:sld>
+</file>
+
+<file path=ppt/slides/slide8.xml><?xml version="1.0" encoding="utf-8"?>
+<p:sld xmlns:a="http://schemas.openxmlformats.org/drawingml/2006/main" xmlns:r="http://schemas.openxmlformats.org/officeDocument/2006/relationships" xmlns:p="http://schemas.openxmlformats.org/presentationml/2006/main" show="0">
+  <p:cSld>
+    <p:spTree>
+      <p:nvGrpSpPr>
+        <p:cNvPr id="1" name=""/>
+        <p:cNvGrpSpPr/>
+        <p:nvPr/>
+      </p:nvGrpSpPr>
+      <p:grpSpPr>
+        <a:xfrm>
+          <a:off x="0" y="0"/>
+          <a:ext cx="0" cy="0"/>
+          <a:chOff x="0" y="0"/>
+          <a:chExt cx="0" cy="0"/>
+        </a:xfrm>
+      </p:grpSpPr>
+      <p:sp>
+        <p:nvSpPr>
+          <p:cNvPr id="2" name="Title 1">
+            <a:extLst>
+              <a:ext uri="{FF2B5EF4-FFF2-40B4-BE49-F238E27FC236}">
+                <a16:creationId xmlns:a16="http://schemas.microsoft.com/office/drawing/2014/main" id="{4567CD6E-9918-A044-A326-5C1A81C50655}"/>
+              </a:ext>
+            </a:extLst>
+          </p:cNvPr>
+          <p:cNvSpPr>
+            <a:spLocks noGrp="1"/>
+          </p:cNvSpPr>
+          <p:nvPr>
+            <p:ph type="title"/>
+          </p:nvPr>
+        </p:nvSpPr>
+        <p:spPr/>
+        <p:txBody>
+          <a:bodyPr/>
+          <a:lstStyle/>
+          <a:p>
+            <a:r>
+              <a:rPr lang="en-US" dirty="0"/>
+              <a:t>Other Ways To Run PowerShell</a:t>
+            </a:r>
+          </a:p>
+        </p:txBody>
+      </p:sp>
+      <p:sp>
+        <p:nvSpPr>
+          <p:cNvPr id="3" name="Content Placeholder 2">
+            <a:extLst>
+              <a:ext uri="{FF2B5EF4-FFF2-40B4-BE49-F238E27FC236}">
+                <a16:creationId xmlns:a16="http://schemas.microsoft.com/office/drawing/2014/main" id="{871E6D61-27CF-9E41-95E7-550AB323E96F}"/>
+              </a:ext>
+            </a:extLst>
+          </p:cNvPr>
+          <p:cNvSpPr>
+            <a:spLocks noGrp="1"/>
+          </p:cNvSpPr>
+          <p:nvPr>
+            <p:ph idx="1"/>
+          </p:nvPr>
+        </p:nvSpPr>
+        <p:spPr/>
+        <p:txBody>
+          <a:bodyPr/>
+          <a:lstStyle/>
+          <a:p>
+            <a:r>
+              <a:rPr lang="en-US" dirty="0"/>
+              <a:t>Sometimes there’s a better way to do it</a:t>
+            </a:r>
+          </a:p>
+          <a:p>
+            <a:r>
+              <a:rPr lang="en-US" dirty="0"/>
+              <a:t>Cmdlets and providers: </a:t>
+            </a:r>
+            <a:r>
+              <a:rPr lang="en-US" dirty="0" err="1"/>
+              <a:t>CommandInvocationIntrinsics</a:t>
+            </a:r>
+            <a:endParaRPr lang="en-US" dirty="0"/>
+          </a:p>
+          <a:p>
+            <a:r>
+              <a:rPr lang="en-US" dirty="0" err="1"/>
+              <a:t>ScriptBlocks</a:t>
+            </a:r>
+            <a:r>
+              <a:rPr lang="en-US" dirty="0"/>
+              <a:t> themselves</a:t>
+            </a:r>
+          </a:p>
+        </p:txBody>
+      </p:sp>
+    </p:spTree>
+    <p:extLst>
+      <p:ext uri="{BB962C8B-B14F-4D97-AF65-F5344CB8AC3E}">
+        <p14:creationId xmlns:p14="http://schemas.microsoft.com/office/powerpoint/2010/main" val="4292787683"/>
+      </p:ext>
+    </p:extLst>
+  </p:cSld>
+  <p:clrMapOvr>
+    <a:masterClrMapping/>
+  </p:clrMapOvr>
+  <p:timing>
+    <p:tnLst>
+      <p:par>
+        <p:cTn id="1" dur="indefinite" restart="never" nodeType="tmRoot">
+          <p:childTnLst>
+            <p:seq concurrent="1" nextAc="seek">
+              <p:cTn id="2" dur="indefinite" nodeType="mainSeq">
+                <p:childTnLst>
+                  <p:par>
+                    <p:cTn id="3" fill="hold">
+                      <p:stCondLst>
+                        <p:cond delay="indefinite"/>
+                      </p:stCondLst>
+                      <p:childTnLst>
+                        <p:par>
+                          <p:cTn id="4" fill="hold">
+                            <p:stCondLst>
+                              <p:cond delay="0"/>
+                            </p:stCondLst>
+                            <p:childTnLst>
+                              <p:par>
+                                <p:cTn id="5" presetID="1" presetClass="entr" presetSubtype="0" fill="hold" grpId="0" nodeType="clickEffect">
+                                  <p:stCondLst>
+                                    <p:cond delay="0"/>
+                                  </p:stCondLst>
+                                  <p:childTnLst>
+                                    <p:set>
+                                      <p:cBhvr>
+                                        <p:cTn id="6" dur="1" fill="hold">
+                                          <p:stCondLst>
+                                            <p:cond delay="0"/>
+                                          </p:stCondLst>
+                                        </p:cTn>
+                                        <p:tgtEl>
+                                          <p:spTgt spid="3">
+                                            <p:txEl>
+                                              <p:pRg st="0" end="0"/>
+                                            </p:txEl>
+                                          </p:spTgt>
+                                        </p:tgtEl>
+                                        <p:attrNameLst>
+                                          <p:attrName>style.visibility</p:attrName>
+                                        </p:attrNameLst>
+                                      </p:cBhvr>
+                                      <p:to>
+                                        <p:strVal val="visible"/>
+                                      </p:to>
+                                    </p:set>
+                                  </p:childTnLst>
+                                </p:cTn>
+                              </p:par>
+                            </p:childTnLst>
+                          </p:cTn>
+                        </p:par>
+                      </p:childTnLst>
+                    </p:cTn>
+                  </p:par>
+                  <p:par>
+                    <p:cTn id="7" fill="hold">
+                      <p:stCondLst>
+                        <p:cond delay="indefinite"/>
+                      </p:stCondLst>
+                      <p:childTnLst>
+                        <p:par>
+                          <p:cTn id="8" fill="hold">
+                            <p:stCondLst>
+                              <p:cond delay="0"/>
+                            </p:stCondLst>
+                            <p:childTnLst>
+                              <p:par>
+                                <p:cTn id="9" presetID="1" presetClass="entr" presetSubtype="0" fill="hold" grpId="0" nodeType="clickEffect">
+                                  <p:stCondLst>
+                                    <p:cond delay="0"/>
+                                  </p:stCondLst>
+                                  <p:childTnLst>
+                                    <p:set>
+                                      <p:cBhvr>
+                                        <p:cTn id="10" dur="1" fill="hold">
+                                          <p:stCondLst>
+                                            <p:cond delay="0"/>
+                                          </p:stCondLst>
+                                        </p:cTn>
+                                        <p:tgtEl>
+                                          <p:spTgt spid="3">
+                                            <p:txEl>
+                                              <p:pRg st="1" end="1"/>
+                                            </p:txEl>
+                                          </p:spTgt>
+                                        </p:tgtEl>
+                                        <p:attrNameLst>
+                                          <p:attrName>style.visibility</p:attrName>
+                                        </p:attrNameLst>
+                                      </p:cBhvr>
+                                      <p:to>
+                                        <p:strVal val="visible"/>
+                                      </p:to>
+                                    </p:set>
+                                  </p:childTnLst>
+                                </p:cTn>
+                              </p:par>
+                            </p:childTnLst>
+                          </p:cTn>
+                        </p:par>
+                      </p:childTnLst>
+                    </p:cTn>
+                  </p:par>
+                  <p:par>
+                    <p:cTn id="11" fill="hold">
+                      <p:stCondLst>
+                        <p:cond delay="indefinite"/>
+                      </p:stCondLst>
+                      <p:childTnLst>
+                        <p:par>
+                          <p:cTn id="12" fill="hold">
+                            <p:stCondLst>
+                              <p:cond delay="0"/>
+                            </p:stCondLst>
+                            <p:childTnLst>
+                              <p:par>
+                                <p:cTn id="13" presetID="1" presetClass="entr" presetSubtype="0" fill="hold" grpId="0" nodeType="clickEffect">
+                                  <p:stCondLst>
+                                    <p:cond delay="0"/>
+                                  </p:stCondLst>
+                                  <p:childTnLst>
+                                    <p:set>
+                                      <p:cBhvr>
+                                        <p:cTn id="14" dur="1" fill="hold">
+                                          <p:stCondLst>
+                                            <p:cond delay="0"/>
+                                          </p:stCondLst>
+                                        </p:cTn>
+                                        <p:tgtEl>
+                                          <p:spTgt spid="3">
+                                            <p:txEl>
+                                              <p:pRg st="2" end="2"/>
+                                            </p:txEl>
+                                          </p:spTgt>
+                                        </p:tgtEl>
+                                        <p:attrNameLst>
+                                          <p:attrName>style.visibility</p:attrName>
+                                        </p:attrNameLst>
+                                      </p:cBhvr>
+                                      <p:to>
+                                        <p:strVal val="visible"/>
+                                      </p:to>
+                                    </p:set>
+                                  </p:childTnLst>
+                                </p:cTn>
+                              </p:par>
+                            </p:childTnLst>
+                          </p:cTn>
+                        </p:par>
+                      </p:childTnLst>
+                    </p:cTn>
+                  </p:par>
+                </p:childTnLst>
+              </p:cTn>
+              <p:prevCondLst>
+                <p:cond evt="onPrev" delay="0">
+                  <p:tgtEl>
+                    <p:sldTgt/>
+                  </p:tgtEl>
+                </p:cond>
+              </p:prevCondLst>
+              <p:nextCondLst>
+                <p:cond evt="onNext" delay="0">
+                  <p:tgtEl>
+                    <p:sldTgt/>
+                  </p:tgtEl>
+                </p:cond>
+              </p:nextCondLst>
+            </p:seq>
+          </p:childTnLst>
+        </p:cTn>
+      </p:par>
+    </p:tnLst>
+    <p:bldLst>
+      <p:bldP spid="3" grpId="0" build="p"/>
+    </p:bldLst>
+  </p:timing>
+</p:sld>
+</file>
+
+<file path=ppt/slides/slide9.xml><?xml version="1.0" encoding="utf-8"?>
+<p:sld xmlns:a="http://schemas.openxmlformats.org/drawingml/2006/main" xmlns:r="http://schemas.openxmlformats.org/officeDocument/2006/relationships" xmlns:p="http://schemas.openxmlformats.org/presentationml/2006/main" show="0">
+  <p:cSld>
+    <p:spTree>
+      <p:nvGrpSpPr>
+        <p:cNvPr id="1" name=""/>
+        <p:cNvGrpSpPr/>
+        <p:nvPr/>
+      </p:nvGrpSpPr>
+      <p:grpSpPr>
+        <a:xfrm>
+          <a:off x="0" y="0"/>
+          <a:ext cx="0" cy="0"/>
+          <a:chOff x="0" y="0"/>
+          <a:chExt cx="0" cy="0"/>
+        </a:xfrm>
+      </p:grpSpPr>
+      <p:sp>
+        <p:nvSpPr>
+          <p:cNvPr id="2" name="Title 1">
+            <a:extLst>
+              <a:ext uri="{FF2B5EF4-FFF2-40B4-BE49-F238E27FC236}">
+                <a16:creationId xmlns:a16="http://schemas.microsoft.com/office/drawing/2014/main" id="{4567CD6E-9918-A044-A326-5C1A81C50655}"/>
+              </a:ext>
+            </a:extLst>
+          </p:cNvPr>
+          <p:cNvSpPr>
+            <a:spLocks noGrp="1"/>
+          </p:cNvSpPr>
+          <p:nvPr>
+            <p:ph type="title"/>
+          </p:nvPr>
+        </p:nvSpPr>
+        <p:spPr/>
+        <p:txBody>
+          <a:bodyPr/>
+          <a:lstStyle/>
+          <a:p>
+            <a:r>
+              <a:rPr lang="en-US" dirty="0" err="1"/>
+              <a:t>InvokeCommand.InvokeScript</a:t>
+            </a:r>
+            <a:r>
+              <a:rPr lang="en-US" dirty="0"/>
+              <a:t>()</a:t>
+            </a:r>
+          </a:p>
+        </p:txBody>
+      </p:sp>
+      <p:sp>
+        <p:nvSpPr>
+          <p:cNvPr id="3" name="Content Placeholder 2">
+            <a:extLst>
+              <a:ext uri="{FF2B5EF4-FFF2-40B4-BE49-F238E27FC236}">
+                <a16:creationId xmlns:a16="http://schemas.microsoft.com/office/drawing/2014/main" id="{871E6D61-27CF-9E41-95E7-550AB323E96F}"/>
+              </a:ext>
+            </a:extLst>
+          </p:cNvPr>
+          <p:cNvSpPr>
+            <a:spLocks noGrp="1"/>
+          </p:cNvSpPr>
+          <p:nvPr>
+            <p:ph idx="1"/>
+          </p:nvPr>
+        </p:nvSpPr>
+        <p:spPr/>
+        <p:txBody>
+          <a:bodyPr/>
+          <a:lstStyle/>
+          <a:p>
+            <a:r>
+              <a:rPr lang="en-US" dirty="0"/>
+              <a:t>Usually see this in cmdlets and providers</a:t>
+            </a:r>
+          </a:p>
+          <a:p>
+            <a:r>
+              <a:rPr lang="en-US" dirty="0"/>
+              <a:t>Good for invoking inline scripts and </a:t>
+            </a:r>
+            <a:r>
+              <a:rPr lang="en-US" dirty="0" err="1"/>
+              <a:t>scriptblocks</a:t>
+            </a:r>
+            <a:r>
+              <a:rPr lang="en-US" dirty="0"/>
+              <a:t> in the current </a:t>
+            </a:r>
+            <a:r>
+              <a:rPr lang="en-US" dirty="0" err="1"/>
+              <a:t>runspace</a:t>
+            </a:r>
+            <a:endParaRPr lang="en-US" dirty="0"/>
+          </a:p>
+          <a:p>
+            <a:r>
+              <a:rPr lang="en-US" dirty="0"/>
+              <a:t>Not good for structured commands, invoking files, other </a:t>
+            </a:r>
+            <a:r>
+              <a:rPr lang="en-US" dirty="0" err="1"/>
+              <a:t>runspaces</a:t>
+            </a:r>
+            <a:endParaRPr lang="en-US" dirty="0"/>
+          </a:p>
+        </p:txBody>
+      </p:sp>
+    </p:spTree>
+    <p:extLst>
+      <p:ext uri="{BB962C8B-B14F-4D97-AF65-F5344CB8AC3E}">
+        <p14:creationId xmlns:p14="http://schemas.microsoft.com/office/powerpoint/2010/main" val="1118076207"/>
+      </p:ext>
+    </p:extLst>
+  </p:cSld>
+  <p:clrMapOvr>
+    <a:masterClrMapping/>
+  </p:clrMapOvr>
+  <p:timing>
+    <p:tnLst>
+      <p:par>
+        <p:cTn id="1" dur="indefinite" restart="never" nodeType="tmRoot">
+          <p:childTnLst>
+            <p:seq concurrent="1" nextAc="seek">
+              <p:cTn id="2" dur="indefinite" nodeType="mainSeq">
+                <p:childTnLst>
+                  <p:par>
+                    <p:cTn id="3" fill="hold">
+                      <p:stCondLst>
+                        <p:cond delay="indefinite"/>
+                      </p:stCondLst>
+                      <p:childTnLst>
+                        <p:par>
+                          <p:cTn id="4" fill="hold">
+                            <p:stCondLst>
+                              <p:cond delay="0"/>
+                            </p:stCondLst>
+                            <p:childTnLst>
+                              <p:par>
+                                <p:cTn id="5" presetID="1" presetClass="entr" presetSubtype="0" fill="hold" grpId="0" nodeType="clickEffect">
+                                  <p:stCondLst>
+                                    <p:cond delay="0"/>
+                                  </p:stCondLst>
+                                  <p:childTnLst>
+                                    <p:set>
+                                      <p:cBhvr>
+                                        <p:cTn id="6" dur="1" fill="hold">
+                                          <p:stCondLst>
+                                            <p:cond delay="0"/>
+                                          </p:stCondLst>
+                                        </p:cTn>
+                                        <p:tgtEl>
+                                          <p:spTgt spid="3">
+                                            <p:txEl>
+                                              <p:pRg st="0" end="0"/>
+                                            </p:txEl>
+                                          </p:spTgt>
+                                        </p:tgtEl>
+                                        <p:attrNameLst>
+                                          <p:attrName>style.visibility</p:attrName>
+                                        </p:attrNameLst>
+                                      </p:cBhvr>
+                                      <p:to>
+                                        <p:strVal val="visible"/>
+                                      </p:to>
+                                    </p:set>
+                                  </p:childTnLst>
+                                </p:cTn>
+                              </p:par>
+                            </p:childTnLst>
+                          </p:cTn>
+                        </p:par>
+                      </p:childTnLst>
+                    </p:cTn>
+                  </p:par>
+                  <p:par>
+                    <p:cTn id="7" fill="hold">
+                      <p:stCondLst>
+                        <p:cond delay="indefinite"/>
+                      </p:stCondLst>
+                      <p:childTnLst>
+                        <p:par>
+                          <p:cTn id="8" fill="hold">
+                            <p:stCondLst>
+                              <p:cond delay="0"/>
+                            </p:stCondLst>
+                            <p:childTnLst>
+                              <p:par>
+                                <p:cTn id="9" presetID="1" presetClass="entr" presetSubtype="0" fill="hold" grpId="0" nodeType="clickEffect">
+                                  <p:stCondLst>
+                                    <p:cond delay="0"/>
+                                  </p:stCondLst>
+                                  <p:childTnLst>
+                                    <p:set>
+                                      <p:cBhvr>
+                                        <p:cTn id="10" dur="1" fill="hold">
+                                          <p:stCondLst>
+                                            <p:cond delay="0"/>
+                                          </p:stCondLst>
+                                        </p:cTn>
+                                        <p:tgtEl>
+                                          <p:spTgt spid="3">
+                                            <p:txEl>
+                                              <p:pRg st="1" end="1"/>
+                                            </p:txEl>
+                                          </p:spTgt>
+                                        </p:tgtEl>
+                                        <p:attrNameLst>
+                                          <p:attrName>style.visibility</p:attrName>
+                                        </p:attrNameLst>
+                                      </p:cBhvr>
+                                      <p:to>
+                                        <p:strVal val="visible"/>
+                                      </p:to>
+                                    </p:set>
+                                  </p:childTnLst>
+                                </p:cTn>
+                              </p:par>
+                            </p:childTnLst>
+                          </p:cTn>
+                        </p:par>
+                      </p:childTnLst>
+                    </p:cTn>
+                  </p:par>
+                  <p:par>
+                    <p:cTn id="11" fill="hold">
+                      <p:stCondLst>
+                        <p:cond delay="indefinite"/>
+                      </p:stCondLst>
+                      <p:childTnLst>
+                        <p:par>
+                          <p:cTn id="12" fill="hold">
+                            <p:stCondLst>
+                              <p:cond delay="0"/>
+                            </p:stCondLst>
+                            <p:childTnLst>
+                              <p:par>
+                                <p:cTn id="13" presetID="1" presetClass="entr" presetSubtype="0" fill="hold" grpId="0" nodeType="clickEffect">
+                                  <p:stCondLst>
+                                    <p:cond delay="0"/>
+                                  </p:stCondLst>
+                                  <p:childTnLst>
+                                    <p:set>
+                                      <p:cBhvr>
+                                        <p:cTn id="14" dur="1" fill="hold">
+                                          <p:stCondLst>
+                                            <p:cond delay="0"/>
+                                          </p:stCondLst>
+                                        </p:cTn>
+                                        <p:tgtEl>
+                                          <p:spTgt spid="3">
+                                            <p:txEl>
+                                              <p:pRg st="2" end="2"/>
+                                            </p:txEl>
+                                          </p:spTgt>
+                                        </p:tgtEl>
+                                        <p:attrNameLst>
+                                          <p:attrName>style.visibility</p:attrName>
+                                        </p:attrNameLst>
+                                      </p:cBhvr>
+                                      <p:to>
+                                        <p:strVal val="visible"/>
+                                      </p:to>
+                                    </p:set>
+                                  </p:childTnLst>
+                                </p:cTn>
+                              </p:par>
+                            </p:childTnLst>
+                          </p:cTn>
+                        </p:par>
+                      </p:childTnLst>
+                    </p:cTn>
+                  </p:par>
+                </p:childTnLst>
+              </p:cTn>
+              <p:prevCondLst>
+                <p:cond evt="onPrev" delay="0">
+                  <p:tgtEl>
+                    <p:sldTgt/>
+                  </p:tgtEl>
+                </p:cond>
+              </p:prevCondLst>
+              <p:nextCondLst>
+                <p:cond evt="onNext" delay="0">
+                  <p:tgtEl>
+                    <p:sldTgt/>
+                  </p:tgtEl>
+                </p:cond>
+              </p:nextCondLst>
+            </p:seq>
+          </p:childTnLst>
+        </p:cTn>
+      </p:par>
+    </p:tnLst>
+    <p:bldLst>
+      <p:bldP spid="3" grpId="0" build="p"/>
+    </p:bldLst>
+  </p:timing>
 </p:sld>
 </file>
 
@@ -4994,12 +8848,12 @@
 </file>
 
 <file path=customXml/item1.xml><?xml version="1.0" encoding="utf-8"?>
-<?mso-contentType ?>
-<FormTemplates xmlns="http://schemas.microsoft.com/sharepoint/v3/contenttype/forms">
-  <Display>DocumentLibraryForm</Display>
-  <Edit>DocumentLibraryForm</Edit>
-  <New>DocumentLibraryForm</New>
-</FormTemplates>
+<p:properties xmlns:p="http://schemas.microsoft.com/office/2006/metadata/properties" xmlns:xsi="http://www.w3.org/2001/XMLSchema-instance" xmlns:pc="http://schemas.microsoft.com/office/infopath/2007/PartnerControls">
+  <documentManagement>
+    <_ip_UnifiedCompliancePolicyUIAction xmlns="http://schemas.microsoft.com/sharepoint/v3" xsi:nil="true"/>
+    <_ip_UnifiedCompliancePolicyProperties xmlns="http://schemas.microsoft.com/sharepoint/v3" xsi:nil="true"/>
+  </documentManagement>
+</p:properties>
 </file>
 
 <file path=customXml/item2.xml><?xml version="1.0" encoding="utf-8"?>
@@ -5237,18 +9091,28 @@
 </file>
 
 <file path=customXml/item3.xml><?xml version="1.0" encoding="utf-8"?>
-<p:properties xmlns:p="http://schemas.microsoft.com/office/2006/metadata/properties" xmlns:xsi="http://www.w3.org/2001/XMLSchema-instance" xmlns:pc="http://schemas.microsoft.com/office/infopath/2007/PartnerControls">
-  <documentManagement>
-    <_ip_UnifiedCompliancePolicyUIAction xmlns="http://schemas.microsoft.com/sharepoint/v3" xsi:nil="true"/>
-    <_ip_UnifiedCompliancePolicyProperties xmlns="http://schemas.microsoft.com/sharepoint/v3" xsi:nil="true"/>
-  </documentManagement>
-</p:properties>
+<?mso-contentType ?>
+<FormTemplates xmlns="http://schemas.microsoft.com/sharepoint/v3/contenttype/forms">
+  <Display>DocumentLibraryForm</Display>
+  <Edit>DocumentLibraryForm</Edit>
+  <New>DocumentLibraryForm</New>
+</FormTemplates>
 </file>
 
 <file path=customXml/itemProps1.xml><?xml version="1.0" encoding="utf-8"?>
-<ds:datastoreItem xmlns:ds="http://schemas.openxmlformats.org/officeDocument/2006/customXml" ds:itemID="{0C22064C-1319-48D9-99A8-E6155754BCCB}">
+<ds:datastoreItem xmlns:ds="http://schemas.openxmlformats.org/officeDocument/2006/customXml" ds:itemID="{92A6475F-74BE-49E2-AA53-D5190570A614}">
   <ds:schemaRefs>
-    <ds:schemaRef ds:uri="http://schemas.microsoft.com/sharepoint/v3/contenttype/forms"/>
+    <ds:schemaRef ds:uri="645951c4-77b2-4271-8f10-a0d3c1e36172"/>
+    <ds:schemaRef ds:uri="http://purl.org/dc/terms/"/>
+    <ds:schemaRef ds:uri="http://schemas.openxmlformats.org/package/2006/metadata/core-properties"/>
+    <ds:schemaRef ds:uri="http://schemas.microsoft.com/office/2006/documentManagement/types"/>
+    <ds:schemaRef ds:uri="http://schemas.microsoft.com/office/infopath/2007/PartnerControls"/>
+    <ds:schemaRef ds:uri="4999cf13-cb53-4a3d-a90e-c2f6e51a4028"/>
+    <ds:schemaRef ds:uri="http://purl.org/dc/elements/1.1/"/>
+    <ds:schemaRef ds:uri="http://schemas.microsoft.com/office/2006/metadata/properties"/>
+    <ds:schemaRef ds:uri="http://www.w3.org/XML/1998/namespace"/>
+    <ds:schemaRef ds:uri="http://purl.org/dc/dcmitype/"/>
+    <ds:schemaRef ds:uri="http://schemas.microsoft.com/sharepoint/v3"/>
   </ds:schemaRefs>
 </ds:datastoreItem>
 </file>
@@ -5274,19 +9138,9 @@
 </file>
 
 <file path=customXml/itemProps3.xml><?xml version="1.0" encoding="utf-8"?>
-<ds:datastoreItem xmlns:ds="http://schemas.openxmlformats.org/officeDocument/2006/customXml" ds:itemID="{92A6475F-74BE-49E2-AA53-D5190570A614}">
+<ds:datastoreItem xmlns:ds="http://schemas.openxmlformats.org/officeDocument/2006/customXml" ds:itemID="{0C22064C-1319-48D9-99A8-E6155754BCCB}">
   <ds:schemaRefs>
-    <ds:schemaRef ds:uri="645951c4-77b2-4271-8f10-a0d3c1e36172"/>
-    <ds:schemaRef ds:uri="http://purl.org/dc/terms/"/>
-    <ds:schemaRef ds:uri="http://schemas.openxmlformats.org/package/2006/metadata/core-properties"/>
-    <ds:schemaRef ds:uri="http://schemas.microsoft.com/office/2006/documentManagement/types"/>
-    <ds:schemaRef ds:uri="http://schemas.microsoft.com/office/infopath/2007/PartnerControls"/>
-    <ds:schemaRef ds:uri="4999cf13-cb53-4a3d-a90e-c2f6e51a4028"/>
-    <ds:schemaRef ds:uri="http://purl.org/dc/elements/1.1/"/>
-    <ds:schemaRef ds:uri="http://schemas.microsoft.com/office/2006/metadata/properties"/>
-    <ds:schemaRef ds:uri="http://www.w3.org/XML/1998/namespace"/>
-    <ds:schemaRef ds:uri="http://purl.org/dc/dcmitype/"/>
-    <ds:schemaRef ds:uri="http://schemas.microsoft.com/sharepoint/v3"/>
+    <ds:schemaRef ds:uri="http://schemas.microsoft.com/sharepoint/v3/contenttype/forms"/>
   </ds:schemaRefs>
 </ds:datastoreItem>
 </file>